--- a/homeworks/Homework 1/Homework 1.pptx
+++ b/homeworks/Homework 1/Homework 1.pptx
@@ -6,6 +6,8 @@
   </p:sldMasterIdLst>
   <p:sldIdLst>
     <p:sldId id="256" r:id="rId2"/>
+    <p:sldId id="257" r:id="rId3"/>
+    <p:sldId id="258" r:id="rId4"/>
   </p:sldIdLst>
   <p:sldSz cx="12192000" cy="6858000"/>
   <p:notesSz cx="6858000" cy="9144000"/>
@@ -112,6 +114,129 @@
 </p:presentation>
 </file>
 
+<file path=ppt/revisionInfo.xml><?xml version="1.0" encoding="utf-8"?>
+<p1510:revInfo xmlns:a="http://schemas.openxmlformats.org/drawingml/2006/main" xmlns:r="http://schemas.openxmlformats.org/officeDocument/2006/relationships" xmlns:p1510="http://schemas.microsoft.com/office/powerpoint/2015/10/main">
+  <p1510:revLst>
+    <p1510:client id="{7FC9E883-C68B-4964-A306-A09B374A8666}" v="2" dt="2025-09-11T00:27:23.625"/>
+    <p1510:client id="{9D841F7C-06F4-5F03-FB3C-D0834532C3DE}" v="418" dt="2025-09-11T00:28:55.687"/>
+  </p1510:revLst>
+</p1510:revInfo>
+</file>
+
+<file path=ppt/changesInfos/changesInfo1.xml><?xml version="1.0" encoding="utf-8"?>
+<pc:chgInfo xmlns:a="http://schemas.openxmlformats.org/drawingml/2006/main" xmlns:r="http://schemas.openxmlformats.org/officeDocument/2006/relationships" xmlns:ac="http://schemas.microsoft.com/office/drawing/2013/main/command" xmlns:pc="http://schemas.microsoft.com/office/powerpoint/2013/main/command">
+  <pc:docChgLst>
+    <pc:chgData name="Wattley, Jaden" userId="S::jtwatt03@louisville.edu::473f42a4-82b8-4bb1-b33a-3982d1502758" providerId="AD" clId="Web-{9D841F7C-06F4-5F03-FB3C-D0834532C3DE}"/>
+    <pc:docChg chg="modSld">
+      <pc:chgData name="Wattley, Jaden" userId="S::jtwatt03@louisville.edu::473f42a4-82b8-4bb1-b33a-3982d1502758" providerId="AD" clId="Web-{9D841F7C-06F4-5F03-FB3C-D0834532C3DE}" dt="2025-09-11T00:28:55.687" v="416" actId="20577"/>
+      <pc:docMkLst>
+        <pc:docMk/>
+      </pc:docMkLst>
+      <pc:sldChg chg="modSp">
+        <pc:chgData name="Wattley, Jaden" userId="S::jtwatt03@louisville.edu::473f42a4-82b8-4bb1-b33a-3982d1502758" providerId="AD" clId="Web-{9D841F7C-06F4-5F03-FB3C-D0834532C3DE}" dt="2025-09-11T00:28:55.687" v="416" actId="20577"/>
+        <pc:sldMkLst>
+          <pc:docMk/>
+          <pc:sldMk cId="2103210548" sldId="257"/>
+        </pc:sldMkLst>
+        <pc:spChg chg="mod">
+          <ac:chgData name="Wattley, Jaden" userId="S::jtwatt03@louisville.edu::473f42a4-82b8-4bb1-b33a-3982d1502758" providerId="AD" clId="Web-{9D841F7C-06F4-5F03-FB3C-D0834532C3DE}" dt="2025-09-11T00:22:19.907" v="48" actId="20577"/>
+          <ac:spMkLst>
+            <pc:docMk/>
+            <pc:sldMk cId="2103210548" sldId="257"/>
+            <ac:spMk id="2" creationId="{DABB056F-3C07-E762-26BE-50DB902B00D0}"/>
+          </ac:spMkLst>
+        </pc:spChg>
+        <pc:spChg chg="mod">
+          <ac:chgData name="Wattley, Jaden" userId="S::jtwatt03@louisville.edu::473f42a4-82b8-4bb1-b33a-3982d1502758" providerId="AD" clId="Web-{9D841F7C-06F4-5F03-FB3C-D0834532C3DE}" dt="2025-09-11T00:28:55.687" v="416" actId="20577"/>
+          <ac:spMkLst>
+            <pc:docMk/>
+            <pc:sldMk cId="2103210548" sldId="257"/>
+            <ac:spMk id="3" creationId="{D30477A7-912D-7488-E29A-DA30F5B3CB43}"/>
+          </ac:spMkLst>
+        </pc:spChg>
+      </pc:sldChg>
+      <pc:sldChg chg="modSp">
+        <pc:chgData name="Wattley, Jaden" userId="S::jtwatt03@louisville.edu::473f42a4-82b8-4bb1-b33a-3982d1502758" providerId="AD" clId="Web-{9D841F7C-06F4-5F03-FB3C-D0834532C3DE}" dt="2025-09-11T00:25:53.245" v="218" actId="20577"/>
+        <pc:sldMkLst>
+          <pc:docMk/>
+          <pc:sldMk cId="651332071" sldId="258"/>
+        </pc:sldMkLst>
+        <pc:spChg chg="mod">
+          <ac:chgData name="Wattley, Jaden" userId="S::jtwatt03@louisville.edu::473f42a4-82b8-4bb1-b33a-3982d1502758" providerId="AD" clId="Web-{9D841F7C-06F4-5F03-FB3C-D0834532C3DE}" dt="2025-09-11T00:24:54.993" v="107" actId="20577"/>
+          <ac:spMkLst>
+            <pc:docMk/>
+            <pc:sldMk cId="651332071" sldId="258"/>
+            <ac:spMk id="2" creationId="{CD1A0356-3D53-5B9D-6E17-092DD8674A03}"/>
+          </ac:spMkLst>
+        </pc:spChg>
+        <pc:spChg chg="mod">
+          <ac:chgData name="Wattley, Jaden" userId="S::jtwatt03@louisville.edu::473f42a4-82b8-4bb1-b33a-3982d1502758" providerId="AD" clId="Web-{9D841F7C-06F4-5F03-FB3C-D0834532C3DE}" dt="2025-09-11T00:25:53.245" v="218" actId="20577"/>
+          <ac:spMkLst>
+            <pc:docMk/>
+            <pc:sldMk cId="651332071" sldId="258"/>
+            <ac:spMk id="3" creationId="{D59B52B5-1C99-1FFE-2B9D-D4B9C5090429}"/>
+          </ac:spMkLst>
+        </pc:spChg>
+      </pc:sldChg>
+    </pc:docChg>
+  </pc:docChgLst>
+  <pc:docChgLst>
+    <pc:chgData name="Staley, Sean" userId="5b65b0e7-e88b-4844-a922-92ee8e1c9235" providerId="ADAL" clId="{7FC9E883-C68B-4964-A306-A09B374A8666}"/>
+    <pc:docChg chg="addSld modSld">
+      <pc:chgData name="Staley, Sean" userId="5b65b0e7-e88b-4844-a922-92ee8e1c9235" providerId="ADAL" clId="{7FC9E883-C68B-4964-A306-A09B374A8666}" dt="2025-09-11T00:27:23.625" v="72" actId="20577"/>
+      <pc:docMkLst>
+        <pc:docMk/>
+      </pc:docMkLst>
+      <pc:sldChg chg="modSp mod">
+        <pc:chgData name="Staley, Sean" userId="5b65b0e7-e88b-4844-a922-92ee8e1c9235" providerId="ADAL" clId="{7FC9E883-C68B-4964-A306-A09B374A8666}" dt="2025-09-11T00:14:36.011" v="68" actId="255"/>
+        <pc:sldMkLst>
+          <pc:docMk/>
+          <pc:sldMk cId="109857222" sldId="256"/>
+        </pc:sldMkLst>
+        <pc:spChg chg="mod">
+          <ac:chgData name="Staley, Sean" userId="5b65b0e7-e88b-4844-a922-92ee8e1c9235" providerId="ADAL" clId="{7FC9E883-C68B-4964-A306-A09B374A8666}" dt="2025-09-11T00:14:22.176" v="66" actId="255"/>
+          <ac:spMkLst>
+            <pc:docMk/>
+            <pc:sldMk cId="109857222" sldId="256"/>
+            <ac:spMk id="2" creationId="{00000000-0000-0000-0000-000000000000}"/>
+          </ac:spMkLst>
+        </pc:spChg>
+        <pc:spChg chg="mod">
+          <ac:chgData name="Staley, Sean" userId="5b65b0e7-e88b-4844-a922-92ee8e1c9235" providerId="ADAL" clId="{7FC9E883-C68B-4964-A306-A09B374A8666}" dt="2025-09-11T00:14:36.011" v="68" actId="255"/>
+          <ac:spMkLst>
+            <pc:docMk/>
+            <pc:sldMk cId="109857222" sldId="256"/>
+            <ac:spMk id="3" creationId="{00000000-0000-0000-0000-000000000000}"/>
+          </ac:spMkLst>
+        </pc:spChg>
+      </pc:sldChg>
+      <pc:sldChg chg="new">
+        <pc:chgData name="Staley, Sean" userId="5b65b0e7-e88b-4844-a922-92ee8e1c9235" providerId="ADAL" clId="{7FC9E883-C68B-4964-A306-A09B374A8666}" dt="2025-09-11T00:16:59.486" v="69" actId="680"/>
+        <pc:sldMkLst>
+          <pc:docMk/>
+          <pc:sldMk cId="2103210548" sldId="257"/>
+        </pc:sldMkLst>
+      </pc:sldChg>
+      <pc:sldChg chg="modSp new mod">
+        <pc:chgData name="Staley, Sean" userId="5b65b0e7-e88b-4844-a922-92ee8e1c9235" providerId="ADAL" clId="{7FC9E883-C68B-4964-A306-A09B374A8666}" dt="2025-09-11T00:27:23.625" v="72" actId="20577"/>
+        <pc:sldMkLst>
+          <pc:docMk/>
+          <pc:sldMk cId="651332071" sldId="258"/>
+        </pc:sldMkLst>
+        <pc:spChg chg="mod">
+          <ac:chgData name="Staley, Sean" userId="5b65b0e7-e88b-4844-a922-92ee8e1c9235" providerId="ADAL" clId="{7FC9E883-C68B-4964-A306-A09B374A8666}" dt="2025-09-11T00:27:23.625" v="72" actId="20577"/>
+          <ac:spMkLst>
+            <pc:docMk/>
+            <pc:sldMk cId="651332071" sldId="258"/>
+            <ac:spMk id="3" creationId="{D59B52B5-1C99-1FFE-2B9D-D4B9C5090429}"/>
+          </ac:spMkLst>
+        </pc:spChg>
+      </pc:sldChg>
+    </pc:docChg>
+  </pc:docChgLst>
+</pc:chgInfo>
+</file>
+
 <file path=ppt/slideLayouts/slideLayout1.xml><?xml version="1.0" encoding="utf-8"?>
 <p:sldLayout xmlns:a="http://schemas.openxmlformats.org/drawingml/2006/main" xmlns:r="http://schemas.openxmlformats.org/officeDocument/2006/relationships" xmlns:p="http://schemas.openxmlformats.org/presentationml/2006/main" type="title" preserve="1">
   <p:cSld name="Title Slide">
@@ -157,7 +282,6 @@
               <a:rPr lang="en-US"/>
               <a:t>Click to edit Master title style</a:t>
             </a:r>
-            <a:endParaRPr lang="en-US" dirty="0"/>
           </a:p>
         </p:txBody>
       </p:sp>
@@ -222,7 +346,6 @@
               <a:rPr lang="en-US"/>
               <a:t>Click to edit Master subtitle style</a:t>
             </a:r>
-            <a:endParaRPr lang="en-US" dirty="0"/>
           </a:p>
         </p:txBody>
       </p:sp>
@@ -243,7 +366,7 @@
           <a:p>
             <a:fld id="{846CE7D5-CF57-46EF-B807-FDD0502418D4}" type="datetimeFigureOut">
               <a:rPr lang="en-US" smtClean="0"/>
-              <a:t>9/8/2025</a:t>
+              <a:t>9/10/2025</a:t>
             </a:fld>
             <a:endParaRPr lang="en-US"/>
           </a:p>
@@ -340,7 +463,6 @@
               <a:rPr lang="en-US"/>
               <a:t>Click to edit Master title style</a:t>
             </a:r>
-            <a:endParaRPr lang="en-US" dirty="0"/>
           </a:p>
         </p:txBody>
       </p:sp>
@@ -392,7 +514,6 @@
               <a:rPr lang="en-US"/>
               <a:t>Fifth level</a:t>
             </a:r>
-            <a:endParaRPr lang="en-US" dirty="0"/>
           </a:p>
         </p:txBody>
       </p:sp>
@@ -413,7 +534,7 @@
           <a:p>
             <a:fld id="{846CE7D5-CF57-46EF-B807-FDD0502418D4}" type="datetimeFigureOut">
               <a:rPr lang="en-US" smtClean="0"/>
-              <a:t>9/8/2025</a:t>
+              <a:t>9/10/2025</a:t>
             </a:fld>
             <a:endParaRPr lang="en-US"/>
           </a:p>
@@ -515,7 +636,6 @@
               <a:rPr lang="en-US"/>
               <a:t>Click to edit Master title style</a:t>
             </a:r>
-            <a:endParaRPr lang="en-US" dirty="0"/>
           </a:p>
         </p:txBody>
       </p:sp>
@@ -572,7 +692,6 @@
               <a:rPr lang="en-US"/>
               <a:t>Fifth level</a:t>
             </a:r>
-            <a:endParaRPr lang="en-US" dirty="0"/>
           </a:p>
         </p:txBody>
       </p:sp>
@@ -593,7 +712,7 @@
           <a:p>
             <a:fld id="{846CE7D5-CF57-46EF-B807-FDD0502418D4}" type="datetimeFigureOut">
               <a:rPr lang="en-US" smtClean="0"/>
-              <a:t>9/8/2025</a:t>
+              <a:t>9/10/2025</a:t>
             </a:fld>
             <a:endParaRPr lang="en-US"/>
           </a:p>
@@ -690,7 +809,6 @@
               <a:rPr lang="en-US"/>
               <a:t>Click to edit Master title style</a:t>
             </a:r>
-            <a:endParaRPr lang="en-US" dirty="0"/>
           </a:p>
         </p:txBody>
       </p:sp>
@@ -742,7 +860,6 @@
               <a:rPr lang="en-US"/>
               <a:t>Fifth level</a:t>
             </a:r>
-            <a:endParaRPr lang="en-US" dirty="0"/>
           </a:p>
         </p:txBody>
       </p:sp>
@@ -763,7 +880,7 @@
           <a:p>
             <a:fld id="{846CE7D5-CF57-46EF-B807-FDD0502418D4}" type="datetimeFigureOut">
               <a:rPr lang="en-US" smtClean="0"/>
-              <a:t>9/8/2025</a:t>
+              <a:t>9/10/2025</a:t>
             </a:fld>
             <a:endParaRPr lang="en-US"/>
           </a:p>
@@ -869,7 +986,6 @@
               <a:rPr lang="en-US"/>
               <a:t>Click to edit Master title style</a:t>
             </a:r>
-            <a:endParaRPr lang="en-US" dirty="0"/>
           </a:p>
         </p:txBody>
       </p:sp>
@@ -1009,7 +1125,7 @@
           <a:p>
             <a:fld id="{846CE7D5-CF57-46EF-B807-FDD0502418D4}" type="datetimeFigureOut">
               <a:rPr lang="en-US" smtClean="0"/>
-              <a:t>9/8/2025</a:t>
+              <a:t>9/10/2025</a:t>
             </a:fld>
             <a:endParaRPr lang="en-US"/>
           </a:p>
@@ -1106,7 +1222,6 @@
               <a:rPr lang="en-US"/>
               <a:t>Click to edit Master title style</a:t>
             </a:r>
-            <a:endParaRPr lang="en-US" dirty="0"/>
           </a:p>
         </p:txBody>
       </p:sp>
@@ -1163,7 +1278,6 @@
               <a:rPr lang="en-US"/>
               <a:t>Fifth level</a:t>
             </a:r>
-            <a:endParaRPr lang="en-US" dirty="0"/>
           </a:p>
         </p:txBody>
       </p:sp>
@@ -1220,7 +1334,6 @@
               <a:rPr lang="en-US"/>
               <a:t>Fifth level</a:t>
             </a:r>
-            <a:endParaRPr lang="en-US" dirty="0"/>
           </a:p>
         </p:txBody>
       </p:sp>
@@ -1241,7 +1354,7 @@
           <a:p>
             <a:fld id="{846CE7D5-CF57-46EF-B807-FDD0502418D4}" type="datetimeFigureOut">
               <a:rPr lang="en-US" smtClean="0"/>
-              <a:t>9/8/2025</a:t>
+              <a:t>9/10/2025</a:t>
             </a:fld>
             <a:endParaRPr lang="en-US"/>
           </a:p>
@@ -1343,7 +1456,6 @@
               <a:rPr lang="en-US"/>
               <a:t>Click to edit Master title style</a:t>
             </a:r>
-            <a:endParaRPr lang="en-US" dirty="0"/>
           </a:p>
         </p:txBody>
       </p:sp>
@@ -1465,7 +1577,6 @@
               <a:rPr lang="en-US"/>
               <a:t>Fifth level</a:t>
             </a:r>
-            <a:endParaRPr lang="en-US" dirty="0"/>
           </a:p>
         </p:txBody>
       </p:sp>
@@ -1587,7 +1698,6 @@
               <a:rPr lang="en-US"/>
               <a:t>Fifth level</a:t>
             </a:r>
-            <a:endParaRPr lang="en-US" dirty="0"/>
           </a:p>
         </p:txBody>
       </p:sp>
@@ -1608,7 +1718,7 @@
           <a:p>
             <a:fld id="{846CE7D5-CF57-46EF-B807-FDD0502418D4}" type="datetimeFigureOut">
               <a:rPr lang="en-US" smtClean="0"/>
-              <a:t>9/8/2025</a:t>
+              <a:t>9/10/2025</a:t>
             </a:fld>
             <a:endParaRPr lang="en-US"/>
           </a:p>
@@ -1705,7 +1815,6 @@
               <a:rPr lang="en-US"/>
               <a:t>Click to edit Master title style</a:t>
             </a:r>
-            <a:endParaRPr lang="en-US" dirty="0"/>
           </a:p>
         </p:txBody>
       </p:sp>
@@ -1726,7 +1835,7 @@
           <a:p>
             <a:fld id="{846CE7D5-CF57-46EF-B807-FDD0502418D4}" type="datetimeFigureOut">
               <a:rPr lang="en-US" smtClean="0"/>
-              <a:t>9/8/2025</a:t>
+              <a:t>9/10/2025</a:t>
             </a:fld>
             <a:endParaRPr lang="en-US"/>
           </a:p>
@@ -1821,7 +1930,7 @@
           <a:p>
             <a:fld id="{846CE7D5-CF57-46EF-B807-FDD0502418D4}" type="datetimeFigureOut">
               <a:rPr lang="en-US" smtClean="0"/>
-              <a:t>9/8/2025</a:t>
+              <a:t>9/10/2025</a:t>
             </a:fld>
             <a:endParaRPr lang="en-US"/>
           </a:p>
@@ -1927,7 +2036,6 @@
               <a:rPr lang="en-US"/>
               <a:t>Click to edit Master title style</a:t>
             </a:r>
-            <a:endParaRPr lang="en-US" dirty="0"/>
           </a:p>
         </p:txBody>
       </p:sp>
@@ -2012,7 +2120,6 @@
               <a:rPr lang="en-US"/>
               <a:t>Fifth level</a:t>
             </a:r>
-            <a:endParaRPr lang="en-US" dirty="0"/>
           </a:p>
         </p:txBody>
       </p:sp>
@@ -2098,7 +2205,7 @@
           <a:p>
             <a:fld id="{846CE7D5-CF57-46EF-B807-FDD0502418D4}" type="datetimeFigureOut">
               <a:rPr lang="en-US" smtClean="0"/>
-              <a:t>9/8/2025</a:t>
+              <a:t>9/10/2025</a:t>
             </a:fld>
             <a:endParaRPr lang="en-US"/>
           </a:p>
@@ -2204,7 +2311,6 @@
               <a:rPr lang="en-US"/>
               <a:t>Click to edit Master title style</a:t>
             </a:r>
-            <a:endParaRPr lang="en-US" dirty="0"/>
           </a:p>
         </p:txBody>
       </p:sp>
@@ -2269,7 +2375,6 @@
               <a:rPr lang="en-US"/>
               <a:t>Click icon to add picture</a:t>
             </a:r>
-            <a:endParaRPr lang="en-US" dirty="0"/>
           </a:p>
         </p:txBody>
       </p:sp>
@@ -2355,7 +2460,7 @@
           <a:p>
             <a:fld id="{846CE7D5-CF57-46EF-B807-FDD0502418D4}" type="datetimeFigureOut">
               <a:rPr lang="en-US" smtClean="0"/>
-              <a:t>9/8/2025</a:t>
+              <a:t>9/10/2025</a:t>
             </a:fld>
             <a:endParaRPr lang="en-US"/>
           </a:p>
@@ -2467,7 +2572,6 @@
               <a:rPr lang="en-US"/>
               <a:t>Click to edit Master title style</a:t>
             </a:r>
-            <a:endParaRPr lang="en-US" dirty="0"/>
           </a:p>
         </p:txBody>
       </p:sp>
@@ -2529,7 +2633,6 @@
               <a:rPr lang="en-US"/>
               <a:t>Fifth level</a:t>
             </a:r>
-            <a:endParaRPr lang="en-US" dirty="0"/>
           </a:p>
         </p:txBody>
       </p:sp>
@@ -2568,7 +2671,7 @@
           <a:p>
             <a:fld id="{846CE7D5-CF57-46EF-B807-FDD0502418D4}" type="datetimeFigureOut">
               <a:rPr lang="en-US" smtClean="0"/>
-              <a:t>9/8/2025</a:t>
+              <a:t>9/10/2025</a:t>
             </a:fld>
             <a:endParaRPr lang="en-US"/>
           </a:p>
@@ -2985,10 +3088,15 @@
         </p:nvSpPr>
         <p:spPr/>
         <p:txBody>
-          <a:bodyPr/>
-          <a:lstStyle/>
-          <a:p>
-            <a:endParaRPr lang="en-US"/>
+          <a:bodyPr>
+            <a:normAutofit/>
+          </a:bodyPr>
+          <a:lstStyle/>
+          <a:p>
+            <a:r>
+              <a:rPr lang="en-US" sz="6600"/>
+              <a:t>Food Truck Order</a:t>
+            </a:r>
           </a:p>
         </p:txBody>
       </p:sp>
@@ -3006,6 +3114,18 @@
         <p:txBody>
           <a:bodyPr/>
           <a:lstStyle/>
+          <a:p>
+            <a:r>
+              <a:rPr lang="en-US" sz="4400"/>
+              <a:t>9/10/2025</a:t>
+            </a:r>
+          </a:p>
+          <a:p>
+            <a:r>
+              <a:rPr lang="en-US" sz="2000"/>
+              <a:t>Jaden W and Sean S</a:t>
+            </a:r>
+          </a:p>
           <a:p>
             <a:endParaRPr lang="en-US"/>
           </a:p>
@@ -3015,6 +3135,212 @@
     <p:extLst>
       <p:ext uri="{BB962C8B-B14F-4D97-AF65-F5344CB8AC3E}">
         <p14:creationId xmlns:p14="http://schemas.microsoft.com/office/powerpoint/2010/main" val="109857222"/>
+      </p:ext>
+    </p:extLst>
+  </p:cSld>
+  <p:clrMapOvr>
+    <a:masterClrMapping/>
+  </p:clrMapOvr>
+</p:sld>
+</file>
+
+<file path=ppt/slides/slide2.xml><?xml version="1.0" encoding="utf-8"?>
+<p:sld xmlns:a="http://schemas.openxmlformats.org/drawingml/2006/main" xmlns:r="http://schemas.openxmlformats.org/officeDocument/2006/relationships" xmlns:p="http://schemas.openxmlformats.org/presentationml/2006/main">
+  <p:cSld>
+    <p:spTree>
+      <p:nvGrpSpPr>
+        <p:cNvPr id="1" name=""/>
+        <p:cNvGrpSpPr/>
+        <p:nvPr/>
+      </p:nvGrpSpPr>
+      <p:grpSpPr>
+        <a:xfrm>
+          <a:off x="0" y="0"/>
+          <a:ext cx="0" cy="0"/>
+          <a:chOff x="0" y="0"/>
+          <a:chExt cx="0" cy="0"/>
+        </a:xfrm>
+      </p:grpSpPr>
+      <p:sp>
+        <p:nvSpPr>
+          <p:cNvPr id="2" name="Title 1">
+            <a:extLst>
+              <a:ext uri="{FF2B5EF4-FFF2-40B4-BE49-F238E27FC236}">
+                <a16:creationId xmlns:a16="http://schemas.microsoft.com/office/drawing/2014/main" id="{DABB056F-3C07-E762-26BE-50DB902B00D0}"/>
+              </a:ext>
+            </a:extLst>
+          </p:cNvPr>
+          <p:cNvSpPr>
+            <a:spLocks noGrp="1"/>
+          </p:cNvSpPr>
+          <p:nvPr>
+            <p:ph type="title"/>
+          </p:nvPr>
+        </p:nvSpPr>
+        <p:spPr/>
+        <p:txBody>
+          <a:bodyPr/>
+          <a:lstStyle/>
+          <a:p>
+            <a:r>
+              <a:rPr lang="en-US"/>
+              <a:t>This is a web app that devolves a simple ordering app</a:t>
+            </a:r>
+          </a:p>
+        </p:txBody>
+      </p:sp>
+      <p:sp>
+        <p:nvSpPr>
+          <p:cNvPr id="3" name="Content Placeholder 2">
+            <a:extLst>
+              <a:ext uri="{FF2B5EF4-FFF2-40B4-BE49-F238E27FC236}">
+                <a16:creationId xmlns:a16="http://schemas.microsoft.com/office/drawing/2014/main" id="{D30477A7-912D-7488-E29A-DA30F5B3CB43}"/>
+              </a:ext>
+            </a:extLst>
+          </p:cNvPr>
+          <p:cNvSpPr>
+            <a:spLocks noGrp="1"/>
+          </p:cNvSpPr>
+          <p:nvPr>
+            <p:ph idx="1"/>
+          </p:nvPr>
+        </p:nvSpPr>
+        <p:spPr/>
+        <p:txBody>
+          <a:bodyPr vert="horz" lIns="91440" tIns="45720" rIns="91440" bIns="45720" rtlCol="0" anchor="t">
+            <a:normAutofit/>
+          </a:bodyPr>
+          <a:lstStyle/>
+          <a:p>
+            <a:r>
+              <a:rPr lang="en-US"/>
+              <a:t>We have come to a </a:t>
+            </a:r>
+            <a:r>
+              <a:rPr lang="en-US" err="1"/>
+              <a:t>desion</a:t>
+            </a:r>
+            <a:r>
+              <a:rPr lang="en-US"/>
+              <a:t> to make a simple food ordering software for food trucks to implement into their </a:t>
+            </a:r>
+            <a:r>
+              <a:rPr lang="en-US" err="1"/>
+              <a:t>busniess</a:t>
+            </a:r>
+            <a:r>
+              <a:rPr lang="en-US"/>
+              <a:t> to speed things up and to make the flow a lot better for customer experican </a:t>
+            </a:r>
+          </a:p>
+          <a:p>
+            <a:pPr marL="0" indent="0">
+              <a:buNone/>
+            </a:pPr>
+            <a:endParaRPr lang="en-US"/>
+          </a:p>
+        </p:txBody>
+      </p:sp>
+    </p:spTree>
+    <p:extLst>
+      <p:ext uri="{BB962C8B-B14F-4D97-AF65-F5344CB8AC3E}">
+        <p14:creationId xmlns:p14="http://schemas.microsoft.com/office/powerpoint/2010/main" val="2103210548"/>
+      </p:ext>
+    </p:extLst>
+  </p:cSld>
+  <p:clrMapOvr>
+    <a:masterClrMapping/>
+  </p:clrMapOvr>
+</p:sld>
+</file>
+
+<file path=ppt/slides/slide3.xml><?xml version="1.0" encoding="utf-8"?>
+<p:sld xmlns:a="http://schemas.openxmlformats.org/drawingml/2006/main" xmlns:r="http://schemas.openxmlformats.org/officeDocument/2006/relationships" xmlns:p="http://schemas.openxmlformats.org/presentationml/2006/main">
+  <p:cSld>
+    <p:spTree>
+      <p:nvGrpSpPr>
+        <p:cNvPr id="1" name=""/>
+        <p:cNvGrpSpPr/>
+        <p:nvPr/>
+      </p:nvGrpSpPr>
+      <p:grpSpPr>
+        <a:xfrm>
+          <a:off x="0" y="0"/>
+          <a:ext cx="0" cy="0"/>
+          <a:chOff x="0" y="0"/>
+          <a:chExt cx="0" cy="0"/>
+        </a:xfrm>
+      </p:grpSpPr>
+      <p:sp>
+        <p:nvSpPr>
+          <p:cNvPr id="2" name="Title 1">
+            <a:extLst>
+              <a:ext uri="{FF2B5EF4-FFF2-40B4-BE49-F238E27FC236}">
+                <a16:creationId xmlns:a16="http://schemas.microsoft.com/office/drawing/2014/main" id="{CD1A0356-3D53-5B9D-6E17-092DD8674A03}"/>
+              </a:ext>
+            </a:extLst>
+          </p:cNvPr>
+          <p:cNvSpPr>
+            <a:spLocks noGrp="1"/>
+          </p:cNvSpPr>
+          <p:nvPr>
+            <p:ph type="title"/>
+          </p:nvPr>
+        </p:nvSpPr>
+        <p:spPr/>
+        <p:txBody>
+          <a:bodyPr/>
+          <a:lstStyle/>
+          <a:p>
+            <a:r>
+              <a:rPr lang="en-US"/>
+              <a:t>The behind the sense</a:t>
+            </a:r>
+          </a:p>
+        </p:txBody>
+      </p:sp>
+      <p:sp>
+        <p:nvSpPr>
+          <p:cNvPr id="3" name="Content Placeholder 2">
+            <a:extLst>
+              <a:ext uri="{FF2B5EF4-FFF2-40B4-BE49-F238E27FC236}">
+                <a16:creationId xmlns:a16="http://schemas.microsoft.com/office/drawing/2014/main" id="{D59B52B5-1C99-1FFE-2B9D-D4B9C5090429}"/>
+              </a:ext>
+            </a:extLst>
+          </p:cNvPr>
+          <p:cNvSpPr>
+            <a:spLocks noGrp="1"/>
+          </p:cNvSpPr>
+          <p:nvPr>
+            <p:ph idx="1"/>
+          </p:nvPr>
+        </p:nvSpPr>
+        <p:spPr/>
+        <p:txBody>
+          <a:bodyPr vert="horz" lIns="91440" tIns="45720" rIns="91440" bIns="45720" rtlCol="0" anchor="t">
+            <a:normAutofit/>
+          </a:bodyPr>
+          <a:lstStyle/>
+          <a:p>
+            <a:r>
+              <a:rPr lang="en-US"/>
+              <a:t>We will be using a combination of html for the web app side of things and </a:t>
+            </a:r>
+            <a:r>
+              <a:rPr lang="en-US" err="1"/>
+              <a:t>c++</a:t>
+            </a:r>
+            <a:r>
+              <a:rPr lang="en-US"/>
+              <a:t> for under the hood.</a:t>
+            </a:r>
+          </a:p>
+        </p:txBody>
+      </p:sp>
+    </p:spTree>
+    <p:extLst>
+      <p:ext uri="{BB962C8B-B14F-4D97-AF65-F5344CB8AC3E}">
+        <p14:creationId xmlns:p14="http://schemas.microsoft.com/office/powerpoint/2010/main" val="651332071"/>
       </p:ext>
     </p:extLst>
   </p:cSld>

--- a/homeworks/Homework 1/Homework 1.pptx
+++ b/homeworks/Homework 1/Homework 1.pptx
@@ -126,6 +126,60 @@
 <file path=ppt/changesInfos/changesInfo1.xml><?xml version="1.0" encoding="utf-8"?>
 <pc:chgInfo xmlns:a="http://schemas.openxmlformats.org/drawingml/2006/main" xmlns:r="http://schemas.openxmlformats.org/officeDocument/2006/relationships" xmlns:ac="http://schemas.microsoft.com/office/drawing/2013/main/command" xmlns:pc="http://schemas.microsoft.com/office/powerpoint/2013/main/command">
   <pc:docChgLst>
+    <pc:chgData name="Staley, Sean" userId="5b65b0e7-e88b-4844-a922-92ee8e1c9235" providerId="ADAL" clId="{7FC9E883-C68B-4964-A306-A09B374A8666}"/>
+    <pc:docChg chg="addSld modSld">
+      <pc:chgData name="Staley, Sean" userId="5b65b0e7-e88b-4844-a922-92ee8e1c9235" providerId="ADAL" clId="{7FC9E883-C68B-4964-A306-A09B374A8666}" dt="2025-09-11T00:27:23.625" v="72" actId="20577"/>
+      <pc:docMkLst>
+        <pc:docMk/>
+      </pc:docMkLst>
+      <pc:sldChg chg="modSp mod">
+        <pc:chgData name="Staley, Sean" userId="5b65b0e7-e88b-4844-a922-92ee8e1c9235" providerId="ADAL" clId="{7FC9E883-C68B-4964-A306-A09B374A8666}" dt="2025-09-11T00:14:36.011" v="68" actId="255"/>
+        <pc:sldMkLst>
+          <pc:docMk/>
+          <pc:sldMk cId="109857222" sldId="256"/>
+        </pc:sldMkLst>
+        <pc:spChg chg="mod">
+          <ac:chgData name="Staley, Sean" userId="5b65b0e7-e88b-4844-a922-92ee8e1c9235" providerId="ADAL" clId="{7FC9E883-C68B-4964-A306-A09B374A8666}" dt="2025-09-11T00:14:22.176" v="66" actId="255"/>
+          <ac:spMkLst>
+            <pc:docMk/>
+            <pc:sldMk cId="109857222" sldId="256"/>
+            <ac:spMk id="2" creationId="{00000000-0000-0000-0000-000000000000}"/>
+          </ac:spMkLst>
+        </pc:spChg>
+        <pc:spChg chg="mod">
+          <ac:chgData name="Staley, Sean" userId="5b65b0e7-e88b-4844-a922-92ee8e1c9235" providerId="ADAL" clId="{7FC9E883-C68B-4964-A306-A09B374A8666}" dt="2025-09-11T00:14:36.011" v="68" actId="255"/>
+          <ac:spMkLst>
+            <pc:docMk/>
+            <pc:sldMk cId="109857222" sldId="256"/>
+            <ac:spMk id="3" creationId="{00000000-0000-0000-0000-000000000000}"/>
+          </ac:spMkLst>
+        </pc:spChg>
+      </pc:sldChg>
+      <pc:sldChg chg="new">
+        <pc:chgData name="Staley, Sean" userId="5b65b0e7-e88b-4844-a922-92ee8e1c9235" providerId="ADAL" clId="{7FC9E883-C68B-4964-A306-A09B374A8666}" dt="2025-09-11T00:16:59.486" v="69" actId="680"/>
+        <pc:sldMkLst>
+          <pc:docMk/>
+          <pc:sldMk cId="2103210548" sldId="257"/>
+        </pc:sldMkLst>
+      </pc:sldChg>
+      <pc:sldChg chg="modSp new mod">
+        <pc:chgData name="Staley, Sean" userId="5b65b0e7-e88b-4844-a922-92ee8e1c9235" providerId="ADAL" clId="{7FC9E883-C68B-4964-A306-A09B374A8666}" dt="2025-09-11T00:27:23.625" v="72" actId="20577"/>
+        <pc:sldMkLst>
+          <pc:docMk/>
+          <pc:sldMk cId="651332071" sldId="258"/>
+        </pc:sldMkLst>
+        <pc:spChg chg="mod">
+          <ac:chgData name="Staley, Sean" userId="5b65b0e7-e88b-4844-a922-92ee8e1c9235" providerId="ADAL" clId="{7FC9E883-C68B-4964-A306-A09B374A8666}" dt="2025-09-11T00:27:23.625" v="72" actId="20577"/>
+          <ac:spMkLst>
+            <pc:docMk/>
+            <pc:sldMk cId="651332071" sldId="258"/>
+            <ac:spMk id="3" creationId="{D59B52B5-1C99-1FFE-2B9D-D4B9C5090429}"/>
+          </ac:spMkLst>
+        </pc:spChg>
+      </pc:sldChg>
+    </pc:docChg>
+  </pc:docChgLst>
+  <pc:docChgLst>
     <pc:chgData name="Wattley, Jaden" userId="S::jtwatt03@louisville.edu::473f42a4-82b8-4bb1-b33a-3982d1502758" providerId="AD" clId="Web-{9D841F7C-06F4-5F03-FB3C-D0834532C3DE}"/>
     <pc:docChg chg="modSld">
       <pc:chgData name="Wattley, Jaden" userId="S::jtwatt03@louisville.edu::473f42a4-82b8-4bb1-b33a-3982d1502758" providerId="AD" clId="Web-{9D841F7C-06F4-5F03-FB3C-D0834532C3DE}" dt="2025-09-11T00:28:55.687" v="416" actId="20577"/>
@@ -171,60 +225,6 @@
         </pc:spChg>
         <pc:spChg chg="mod">
           <ac:chgData name="Wattley, Jaden" userId="S::jtwatt03@louisville.edu::473f42a4-82b8-4bb1-b33a-3982d1502758" providerId="AD" clId="Web-{9D841F7C-06F4-5F03-FB3C-D0834532C3DE}" dt="2025-09-11T00:25:53.245" v="218" actId="20577"/>
-          <ac:spMkLst>
-            <pc:docMk/>
-            <pc:sldMk cId="651332071" sldId="258"/>
-            <ac:spMk id="3" creationId="{D59B52B5-1C99-1FFE-2B9D-D4B9C5090429}"/>
-          </ac:spMkLst>
-        </pc:spChg>
-      </pc:sldChg>
-    </pc:docChg>
-  </pc:docChgLst>
-  <pc:docChgLst>
-    <pc:chgData name="Staley, Sean" userId="5b65b0e7-e88b-4844-a922-92ee8e1c9235" providerId="ADAL" clId="{7FC9E883-C68B-4964-A306-A09B374A8666}"/>
-    <pc:docChg chg="addSld modSld">
-      <pc:chgData name="Staley, Sean" userId="5b65b0e7-e88b-4844-a922-92ee8e1c9235" providerId="ADAL" clId="{7FC9E883-C68B-4964-A306-A09B374A8666}" dt="2025-09-11T00:27:23.625" v="72" actId="20577"/>
-      <pc:docMkLst>
-        <pc:docMk/>
-      </pc:docMkLst>
-      <pc:sldChg chg="modSp mod">
-        <pc:chgData name="Staley, Sean" userId="5b65b0e7-e88b-4844-a922-92ee8e1c9235" providerId="ADAL" clId="{7FC9E883-C68B-4964-A306-A09B374A8666}" dt="2025-09-11T00:14:36.011" v="68" actId="255"/>
-        <pc:sldMkLst>
-          <pc:docMk/>
-          <pc:sldMk cId="109857222" sldId="256"/>
-        </pc:sldMkLst>
-        <pc:spChg chg="mod">
-          <ac:chgData name="Staley, Sean" userId="5b65b0e7-e88b-4844-a922-92ee8e1c9235" providerId="ADAL" clId="{7FC9E883-C68B-4964-A306-A09B374A8666}" dt="2025-09-11T00:14:22.176" v="66" actId="255"/>
-          <ac:spMkLst>
-            <pc:docMk/>
-            <pc:sldMk cId="109857222" sldId="256"/>
-            <ac:spMk id="2" creationId="{00000000-0000-0000-0000-000000000000}"/>
-          </ac:spMkLst>
-        </pc:spChg>
-        <pc:spChg chg="mod">
-          <ac:chgData name="Staley, Sean" userId="5b65b0e7-e88b-4844-a922-92ee8e1c9235" providerId="ADAL" clId="{7FC9E883-C68B-4964-A306-A09B374A8666}" dt="2025-09-11T00:14:36.011" v="68" actId="255"/>
-          <ac:spMkLst>
-            <pc:docMk/>
-            <pc:sldMk cId="109857222" sldId="256"/>
-            <ac:spMk id="3" creationId="{00000000-0000-0000-0000-000000000000}"/>
-          </ac:spMkLst>
-        </pc:spChg>
-      </pc:sldChg>
-      <pc:sldChg chg="new">
-        <pc:chgData name="Staley, Sean" userId="5b65b0e7-e88b-4844-a922-92ee8e1c9235" providerId="ADAL" clId="{7FC9E883-C68B-4964-A306-A09B374A8666}" dt="2025-09-11T00:16:59.486" v="69" actId="680"/>
-        <pc:sldMkLst>
-          <pc:docMk/>
-          <pc:sldMk cId="2103210548" sldId="257"/>
-        </pc:sldMkLst>
-      </pc:sldChg>
-      <pc:sldChg chg="modSp new mod">
-        <pc:chgData name="Staley, Sean" userId="5b65b0e7-e88b-4844-a922-92ee8e1c9235" providerId="ADAL" clId="{7FC9E883-C68B-4964-A306-A09B374A8666}" dt="2025-09-11T00:27:23.625" v="72" actId="20577"/>
-        <pc:sldMkLst>
-          <pc:docMk/>
-          <pc:sldMk cId="651332071" sldId="258"/>
-        </pc:sldMkLst>
-        <pc:spChg chg="mod">
-          <ac:chgData name="Staley, Sean" userId="5b65b0e7-e88b-4844-a922-92ee8e1c9235" providerId="ADAL" clId="{7FC9E883-C68B-4964-A306-A09B374A8666}" dt="2025-09-11T00:27:23.625" v="72" actId="20577"/>
           <ac:spMkLst>
             <pc:docMk/>
             <pc:sldMk cId="651332071" sldId="258"/>

--- a/homeworks/Homework 1/Homework 1.pptx
+++ b/homeworks/Homework 1/Homework 1.pptx
@@ -8,6 +8,14 @@
     <p:sldId id="256" r:id="rId2"/>
     <p:sldId id="257" r:id="rId3"/>
     <p:sldId id="258" r:id="rId4"/>
+    <p:sldId id="259" r:id="rId5"/>
+    <p:sldId id="260" r:id="rId6"/>
+    <p:sldId id="263" r:id="rId7"/>
+    <p:sldId id="264" r:id="rId8"/>
+    <p:sldId id="265" r:id="rId9"/>
+    <p:sldId id="266" r:id="rId10"/>
+    <p:sldId id="261" r:id="rId11"/>
+    <p:sldId id="262" r:id="rId12"/>
   </p:sldIdLst>
   <p:sldSz cx="12192000" cy="6858000"/>
   <p:notesSz cx="6858000" cy="9144000"/>
@@ -117,7 +125,7 @@
 <file path=ppt/revisionInfo.xml><?xml version="1.0" encoding="utf-8"?>
 <p1510:revInfo xmlns:a="http://schemas.openxmlformats.org/drawingml/2006/main" xmlns:r="http://schemas.openxmlformats.org/officeDocument/2006/relationships" xmlns:p1510="http://schemas.microsoft.com/office/powerpoint/2015/10/main">
   <p1510:revLst>
-    <p1510:client id="{7FC9E883-C68B-4964-A306-A09B374A8666}" v="2" dt="2025-09-11T00:27:23.625"/>
+    <p1510:client id="{7FC9E883-C68B-4964-A306-A09B374A8666}" v="7" dt="2025-09-11T19:49:56.980"/>
     <p1510:client id="{9D841F7C-06F4-5F03-FB3C-D0834532C3DE}" v="418" dt="2025-09-11T00:28:55.687"/>
   </p1510:revLst>
 </p1510:revInfo>
@@ -125,60 +133,6 @@
 
 <file path=ppt/changesInfos/changesInfo1.xml><?xml version="1.0" encoding="utf-8"?>
 <pc:chgInfo xmlns:a="http://schemas.openxmlformats.org/drawingml/2006/main" xmlns:r="http://schemas.openxmlformats.org/officeDocument/2006/relationships" xmlns:ac="http://schemas.microsoft.com/office/drawing/2013/main/command" xmlns:pc="http://schemas.microsoft.com/office/powerpoint/2013/main/command">
-  <pc:docChgLst>
-    <pc:chgData name="Staley, Sean" userId="5b65b0e7-e88b-4844-a922-92ee8e1c9235" providerId="ADAL" clId="{7FC9E883-C68B-4964-A306-A09B374A8666}"/>
-    <pc:docChg chg="addSld modSld">
-      <pc:chgData name="Staley, Sean" userId="5b65b0e7-e88b-4844-a922-92ee8e1c9235" providerId="ADAL" clId="{7FC9E883-C68B-4964-A306-A09B374A8666}" dt="2025-09-11T00:27:23.625" v="72" actId="20577"/>
-      <pc:docMkLst>
-        <pc:docMk/>
-      </pc:docMkLst>
-      <pc:sldChg chg="modSp mod">
-        <pc:chgData name="Staley, Sean" userId="5b65b0e7-e88b-4844-a922-92ee8e1c9235" providerId="ADAL" clId="{7FC9E883-C68B-4964-A306-A09B374A8666}" dt="2025-09-11T00:14:36.011" v="68" actId="255"/>
-        <pc:sldMkLst>
-          <pc:docMk/>
-          <pc:sldMk cId="109857222" sldId="256"/>
-        </pc:sldMkLst>
-        <pc:spChg chg="mod">
-          <ac:chgData name="Staley, Sean" userId="5b65b0e7-e88b-4844-a922-92ee8e1c9235" providerId="ADAL" clId="{7FC9E883-C68B-4964-A306-A09B374A8666}" dt="2025-09-11T00:14:22.176" v="66" actId="255"/>
-          <ac:spMkLst>
-            <pc:docMk/>
-            <pc:sldMk cId="109857222" sldId="256"/>
-            <ac:spMk id="2" creationId="{00000000-0000-0000-0000-000000000000}"/>
-          </ac:spMkLst>
-        </pc:spChg>
-        <pc:spChg chg="mod">
-          <ac:chgData name="Staley, Sean" userId="5b65b0e7-e88b-4844-a922-92ee8e1c9235" providerId="ADAL" clId="{7FC9E883-C68B-4964-A306-A09B374A8666}" dt="2025-09-11T00:14:36.011" v="68" actId="255"/>
-          <ac:spMkLst>
-            <pc:docMk/>
-            <pc:sldMk cId="109857222" sldId="256"/>
-            <ac:spMk id="3" creationId="{00000000-0000-0000-0000-000000000000}"/>
-          </ac:spMkLst>
-        </pc:spChg>
-      </pc:sldChg>
-      <pc:sldChg chg="new">
-        <pc:chgData name="Staley, Sean" userId="5b65b0e7-e88b-4844-a922-92ee8e1c9235" providerId="ADAL" clId="{7FC9E883-C68B-4964-A306-A09B374A8666}" dt="2025-09-11T00:16:59.486" v="69" actId="680"/>
-        <pc:sldMkLst>
-          <pc:docMk/>
-          <pc:sldMk cId="2103210548" sldId="257"/>
-        </pc:sldMkLst>
-      </pc:sldChg>
-      <pc:sldChg chg="modSp new mod">
-        <pc:chgData name="Staley, Sean" userId="5b65b0e7-e88b-4844-a922-92ee8e1c9235" providerId="ADAL" clId="{7FC9E883-C68B-4964-A306-A09B374A8666}" dt="2025-09-11T00:27:23.625" v="72" actId="20577"/>
-        <pc:sldMkLst>
-          <pc:docMk/>
-          <pc:sldMk cId="651332071" sldId="258"/>
-        </pc:sldMkLst>
-        <pc:spChg chg="mod">
-          <ac:chgData name="Staley, Sean" userId="5b65b0e7-e88b-4844-a922-92ee8e1c9235" providerId="ADAL" clId="{7FC9E883-C68B-4964-A306-A09B374A8666}" dt="2025-09-11T00:27:23.625" v="72" actId="20577"/>
-          <ac:spMkLst>
-            <pc:docMk/>
-            <pc:sldMk cId="651332071" sldId="258"/>
-            <ac:spMk id="3" creationId="{D59B52B5-1C99-1FFE-2B9D-D4B9C5090429}"/>
-          </ac:spMkLst>
-        </pc:spChg>
-      </pc:sldChg>
-    </pc:docChg>
-  </pc:docChgLst>
   <pc:docChgLst>
     <pc:chgData name="Wattley, Jaden" userId="S::jtwatt03@louisville.edu::473f42a4-82b8-4bb1-b33a-3982d1502758" providerId="AD" clId="Web-{9D841F7C-06F4-5F03-FB3C-D0834532C3DE}"/>
     <pc:docChg chg="modSld">
@@ -234,6 +188,212 @@
       </pc:sldChg>
     </pc:docChg>
   </pc:docChgLst>
+  <pc:docChgLst>
+    <pc:chgData name="Staley, Sean" userId="5b65b0e7-e88b-4844-a922-92ee8e1c9235" providerId="ADAL" clId="{7FC9E883-C68B-4964-A306-A09B374A8666}"/>
+    <pc:docChg chg="custSel addSld modSld sldOrd">
+      <pc:chgData name="Staley, Sean" userId="5b65b0e7-e88b-4844-a922-92ee8e1c9235" providerId="ADAL" clId="{7FC9E883-C68B-4964-A306-A09B374A8666}" dt="2025-09-11T19:52:43.724" v="1542" actId="20577"/>
+      <pc:docMkLst>
+        <pc:docMk/>
+      </pc:docMkLst>
+      <pc:sldChg chg="modSp mod">
+        <pc:chgData name="Staley, Sean" userId="5b65b0e7-e88b-4844-a922-92ee8e1c9235" providerId="ADAL" clId="{7FC9E883-C68B-4964-A306-A09B374A8666}" dt="2025-09-11T18:38:04.094" v="120" actId="20577"/>
+        <pc:sldMkLst>
+          <pc:docMk/>
+          <pc:sldMk cId="109857222" sldId="256"/>
+        </pc:sldMkLst>
+        <pc:spChg chg="mod">
+          <ac:chgData name="Staley, Sean" userId="5b65b0e7-e88b-4844-a922-92ee8e1c9235" providerId="ADAL" clId="{7FC9E883-C68B-4964-A306-A09B374A8666}" dt="2025-09-11T18:38:04.094" v="120" actId="20577"/>
+          <ac:spMkLst>
+            <pc:docMk/>
+            <pc:sldMk cId="109857222" sldId="256"/>
+            <ac:spMk id="2" creationId="{00000000-0000-0000-0000-000000000000}"/>
+          </ac:spMkLst>
+        </pc:spChg>
+        <pc:spChg chg="mod">
+          <ac:chgData name="Staley, Sean" userId="5b65b0e7-e88b-4844-a922-92ee8e1c9235" providerId="ADAL" clId="{7FC9E883-C68B-4964-A306-A09B374A8666}" dt="2025-09-11T00:14:36.011" v="68" actId="255"/>
+          <ac:spMkLst>
+            <pc:docMk/>
+            <pc:sldMk cId="109857222" sldId="256"/>
+            <ac:spMk id="3" creationId="{00000000-0000-0000-0000-000000000000}"/>
+          </ac:spMkLst>
+        </pc:spChg>
+      </pc:sldChg>
+      <pc:sldChg chg="modSp new mod ord">
+        <pc:chgData name="Staley, Sean" userId="5b65b0e7-e88b-4844-a922-92ee8e1c9235" providerId="ADAL" clId="{7FC9E883-C68B-4964-A306-A09B374A8666}" dt="2025-09-11T18:46:01.458" v="180"/>
+        <pc:sldMkLst>
+          <pc:docMk/>
+          <pc:sldMk cId="2103210548" sldId="257"/>
+        </pc:sldMkLst>
+        <pc:spChg chg="mod">
+          <ac:chgData name="Staley, Sean" userId="5b65b0e7-e88b-4844-a922-92ee8e1c9235" providerId="ADAL" clId="{7FC9E883-C68B-4964-A306-A09B374A8666}" dt="2025-09-11T18:38:50.654" v="154" actId="20577"/>
+          <ac:spMkLst>
+            <pc:docMk/>
+            <pc:sldMk cId="2103210548" sldId="257"/>
+            <ac:spMk id="3" creationId="{D30477A7-912D-7488-E29A-DA30F5B3CB43}"/>
+          </ac:spMkLst>
+        </pc:spChg>
+      </pc:sldChg>
+      <pc:sldChg chg="modSp new mod ord">
+        <pc:chgData name="Staley, Sean" userId="5b65b0e7-e88b-4844-a922-92ee8e1c9235" providerId="ADAL" clId="{7FC9E883-C68B-4964-A306-A09B374A8666}" dt="2025-09-11T18:46:02.645" v="182"/>
+        <pc:sldMkLst>
+          <pc:docMk/>
+          <pc:sldMk cId="651332071" sldId="258"/>
+        </pc:sldMkLst>
+        <pc:spChg chg="mod">
+          <ac:chgData name="Staley, Sean" userId="5b65b0e7-e88b-4844-a922-92ee8e1c9235" providerId="ADAL" clId="{7FC9E883-C68B-4964-A306-A09B374A8666}" dt="2025-09-11T18:34:14.013" v="94" actId="20577"/>
+          <ac:spMkLst>
+            <pc:docMk/>
+            <pc:sldMk cId="651332071" sldId="258"/>
+            <ac:spMk id="2" creationId="{CD1A0356-3D53-5B9D-6E17-092DD8674A03}"/>
+          </ac:spMkLst>
+        </pc:spChg>
+        <pc:spChg chg="mod">
+          <ac:chgData name="Staley, Sean" userId="5b65b0e7-e88b-4844-a922-92ee8e1c9235" providerId="ADAL" clId="{7FC9E883-C68B-4964-A306-A09B374A8666}" dt="2025-09-11T00:27:23.625" v="72" actId="20577"/>
+          <ac:spMkLst>
+            <pc:docMk/>
+            <pc:sldMk cId="651332071" sldId="258"/>
+            <ac:spMk id="3" creationId="{D59B52B5-1C99-1FFE-2B9D-D4B9C5090429}"/>
+          </ac:spMkLst>
+        </pc:spChg>
+      </pc:sldChg>
+      <pc:sldChg chg="modSp new mod ord">
+        <pc:chgData name="Staley, Sean" userId="5b65b0e7-e88b-4844-a922-92ee8e1c9235" providerId="ADAL" clId="{7FC9E883-C68B-4964-A306-A09B374A8666}" dt="2025-09-11T19:45:32.862" v="859"/>
+        <pc:sldMkLst>
+          <pc:docMk/>
+          <pc:sldMk cId="1203497075" sldId="259"/>
+        </pc:sldMkLst>
+        <pc:spChg chg="mod">
+          <ac:chgData name="Staley, Sean" userId="5b65b0e7-e88b-4844-a922-92ee8e1c9235" providerId="ADAL" clId="{7FC9E883-C68B-4964-A306-A09B374A8666}" dt="2025-09-11T18:45:47.730" v="176" actId="20577"/>
+          <ac:spMkLst>
+            <pc:docMk/>
+            <pc:sldMk cId="1203497075" sldId="259"/>
+            <ac:spMk id="2" creationId="{F679F07B-D825-751A-767B-C738909C15C6}"/>
+          </ac:spMkLst>
+        </pc:spChg>
+        <pc:spChg chg="mod">
+          <ac:chgData name="Staley, Sean" userId="5b65b0e7-e88b-4844-a922-92ee8e1c9235" providerId="ADAL" clId="{7FC9E883-C68B-4964-A306-A09B374A8666}" dt="2025-09-11T19:45:32.862" v="859"/>
+          <ac:spMkLst>
+            <pc:docMk/>
+            <pc:sldMk cId="1203497075" sldId="259"/>
+            <ac:spMk id="3" creationId="{0F00A8EF-7764-0C5D-A3CF-28C2FCA3973E}"/>
+          </ac:spMkLst>
+        </pc:spChg>
+      </pc:sldChg>
+      <pc:sldChg chg="modSp new mod ord">
+        <pc:chgData name="Staley, Sean" userId="5b65b0e7-e88b-4844-a922-92ee8e1c9235" providerId="ADAL" clId="{7FC9E883-C68B-4964-A306-A09B374A8666}" dt="2025-09-11T19:48:06.346" v="962" actId="20577"/>
+        <pc:sldMkLst>
+          <pc:docMk/>
+          <pc:sldMk cId="3109130739" sldId="260"/>
+        </pc:sldMkLst>
+        <pc:spChg chg="mod">
+          <ac:chgData name="Staley, Sean" userId="5b65b0e7-e88b-4844-a922-92ee8e1c9235" providerId="ADAL" clId="{7FC9E883-C68B-4964-A306-A09B374A8666}" dt="2025-09-11T18:46:07.760" v="194" actId="20577"/>
+          <ac:spMkLst>
+            <pc:docMk/>
+            <pc:sldMk cId="3109130739" sldId="260"/>
+            <ac:spMk id="2" creationId="{ADA418DC-BDAB-03CB-D0BB-38740A32553F}"/>
+          </ac:spMkLst>
+        </pc:spChg>
+        <pc:spChg chg="mod">
+          <ac:chgData name="Staley, Sean" userId="5b65b0e7-e88b-4844-a922-92ee8e1c9235" providerId="ADAL" clId="{7FC9E883-C68B-4964-A306-A09B374A8666}" dt="2025-09-11T19:48:06.346" v="962" actId="20577"/>
+          <ac:spMkLst>
+            <pc:docMk/>
+            <pc:sldMk cId="3109130739" sldId="260"/>
+            <ac:spMk id="3" creationId="{D5B946A2-6636-01C7-EEA9-65D0945D0976}"/>
+          </ac:spMkLst>
+        </pc:spChg>
+      </pc:sldChg>
+      <pc:sldChg chg="modSp new mod">
+        <pc:chgData name="Staley, Sean" userId="5b65b0e7-e88b-4844-a922-92ee8e1c9235" providerId="ADAL" clId="{7FC9E883-C68B-4964-A306-A09B374A8666}" dt="2025-09-11T18:46:28.494" v="216" actId="20577"/>
+        <pc:sldMkLst>
+          <pc:docMk/>
+          <pc:sldMk cId="3752665594" sldId="261"/>
+        </pc:sldMkLst>
+        <pc:spChg chg="mod">
+          <ac:chgData name="Staley, Sean" userId="5b65b0e7-e88b-4844-a922-92ee8e1c9235" providerId="ADAL" clId="{7FC9E883-C68B-4964-A306-A09B374A8666}" dt="2025-09-11T18:46:28.494" v="216" actId="20577"/>
+          <ac:spMkLst>
+            <pc:docMk/>
+            <pc:sldMk cId="3752665594" sldId="261"/>
+            <ac:spMk id="2" creationId="{0D3F6A2D-1E9A-23C7-F636-E9BCC9CC4070}"/>
+          </ac:spMkLst>
+        </pc:spChg>
+      </pc:sldChg>
+      <pc:sldChg chg="modSp new mod">
+        <pc:chgData name="Staley, Sean" userId="5b65b0e7-e88b-4844-a922-92ee8e1c9235" providerId="ADAL" clId="{7FC9E883-C68B-4964-A306-A09B374A8666}" dt="2025-09-11T18:46:59.616" v="233" actId="20577"/>
+        <pc:sldMkLst>
+          <pc:docMk/>
+          <pc:sldMk cId="841713580" sldId="262"/>
+        </pc:sldMkLst>
+        <pc:spChg chg="mod">
+          <ac:chgData name="Staley, Sean" userId="5b65b0e7-e88b-4844-a922-92ee8e1c9235" providerId="ADAL" clId="{7FC9E883-C68B-4964-A306-A09B374A8666}" dt="2025-09-11T18:46:59.616" v="233" actId="20577"/>
+          <ac:spMkLst>
+            <pc:docMk/>
+            <pc:sldMk cId="841713580" sldId="262"/>
+            <ac:spMk id="2" creationId="{9FF8F889-CF76-D5A4-E7B2-B45D441500C2}"/>
+          </ac:spMkLst>
+        </pc:spChg>
+      </pc:sldChg>
+      <pc:sldChg chg="modSp add mod">
+        <pc:chgData name="Staley, Sean" userId="5b65b0e7-e88b-4844-a922-92ee8e1c9235" providerId="ADAL" clId="{7FC9E883-C68B-4964-A306-A09B374A8666}" dt="2025-09-11T19:52:30.114" v="1515" actId="20577"/>
+        <pc:sldMkLst>
+          <pc:docMk/>
+          <pc:sldMk cId="2835959447" sldId="263"/>
+        </pc:sldMkLst>
+        <pc:spChg chg="mod">
+          <ac:chgData name="Staley, Sean" userId="5b65b0e7-e88b-4844-a922-92ee8e1c9235" providerId="ADAL" clId="{7FC9E883-C68B-4964-A306-A09B374A8666}" dt="2025-09-11T19:52:30.114" v="1515" actId="20577"/>
+          <ac:spMkLst>
+            <pc:docMk/>
+            <pc:sldMk cId="2835959447" sldId="263"/>
+            <ac:spMk id="3" creationId="{FD21E7DD-17EB-7AAE-18F0-3811F164F20C}"/>
+          </ac:spMkLst>
+        </pc:spChg>
+      </pc:sldChg>
+      <pc:sldChg chg="modSp add mod">
+        <pc:chgData name="Staley, Sean" userId="5b65b0e7-e88b-4844-a922-92ee8e1c9235" providerId="ADAL" clId="{7FC9E883-C68B-4964-A306-A09B374A8666}" dt="2025-09-11T19:52:43.724" v="1542" actId="20577"/>
+        <pc:sldMkLst>
+          <pc:docMk/>
+          <pc:sldMk cId="3361632356" sldId="264"/>
+        </pc:sldMkLst>
+        <pc:spChg chg="mod">
+          <ac:chgData name="Staley, Sean" userId="5b65b0e7-e88b-4844-a922-92ee8e1c9235" providerId="ADAL" clId="{7FC9E883-C68B-4964-A306-A09B374A8666}" dt="2025-09-11T19:52:43.724" v="1542" actId="20577"/>
+          <ac:spMkLst>
+            <pc:docMk/>
+            <pc:sldMk cId="3361632356" sldId="264"/>
+            <ac:spMk id="3" creationId="{3EB76FBE-AAE9-8202-E038-8C6A1184DF99}"/>
+          </ac:spMkLst>
+        </pc:spChg>
+      </pc:sldChg>
+      <pc:sldChg chg="modSp add mod">
+        <pc:chgData name="Staley, Sean" userId="5b65b0e7-e88b-4844-a922-92ee8e1c9235" providerId="ADAL" clId="{7FC9E883-C68B-4964-A306-A09B374A8666}" dt="2025-09-11T19:48:30.704" v="971" actId="20577"/>
+        <pc:sldMkLst>
+          <pc:docMk/>
+          <pc:sldMk cId="1331313356" sldId="265"/>
+        </pc:sldMkLst>
+        <pc:spChg chg="mod">
+          <ac:chgData name="Staley, Sean" userId="5b65b0e7-e88b-4844-a922-92ee8e1c9235" providerId="ADAL" clId="{7FC9E883-C68B-4964-A306-A09B374A8666}" dt="2025-09-11T19:48:30.704" v="971" actId="20577"/>
+          <ac:spMkLst>
+            <pc:docMk/>
+            <pc:sldMk cId="1331313356" sldId="265"/>
+            <ac:spMk id="3" creationId="{50051190-FAC9-608A-B999-7887E434E599}"/>
+          </ac:spMkLst>
+        </pc:spChg>
+      </pc:sldChg>
+      <pc:sldChg chg="modSp add mod">
+        <pc:chgData name="Staley, Sean" userId="5b65b0e7-e88b-4844-a922-92ee8e1c9235" providerId="ADAL" clId="{7FC9E883-C68B-4964-A306-A09B374A8666}" dt="2025-09-11T19:48:40.137" v="974" actId="20577"/>
+        <pc:sldMkLst>
+          <pc:docMk/>
+          <pc:sldMk cId="2626683754" sldId="266"/>
+        </pc:sldMkLst>
+        <pc:spChg chg="mod">
+          <ac:chgData name="Staley, Sean" userId="5b65b0e7-e88b-4844-a922-92ee8e1c9235" providerId="ADAL" clId="{7FC9E883-C68B-4964-A306-A09B374A8666}" dt="2025-09-11T19:48:40.137" v="974" actId="20577"/>
+          <ac:spMkLst>
+            <pc:docMk/>
+            <pc:sldMk cId="2626683754" sldId="266"/>
+            <ac:spMk id="3" creationId="{39660FE2-EB95-4EE1-FCD9-D7A320C01092}"/>
+          </ac:spMkLst>
+        </pc:spChg>
+      </pc:sldChg>
+    </pc:docChg>
+  </pc:docChgLst>
 </pc:chgInfo>
 </file>
 
@@ -366,7 +526,7 @@
           <a:p>
             <a:fld id="{846CE7D5-CF57-46EF-B807-FDD0502418D4}" type="datetimeFigureOut">
               <a:rPr lang="en-US" smtClean="0"/>
-              <a:t>9/10/2025</a:t>
+              <a:t>9/11/2025</a:t>
             </a:fld>
             <a:endParaRPr lang="en-US"/>
           </a:p>
@@ -534,7 +694,7 @@
           <a:p>
             <a:fld id="{846CE7D5-CF57-46EF-B807-FDD0502418D4}" type="datetimeFigureOut">
               <a:rPr lang="en-US" smtClean="0"/>
-              <a:t>9/10/2025</a:t>
+              <a:t>9/11/2025</a:t>
             </a:fld>
             <a:endParaRPr lang="en-US"/>
           </a:p>
@@ -712,7 +872,7 @@
           <a:p>
             <a:fld id="{846CE7D5-CF57-46EF-B807-FDD0502418D4}" type="datetimeFigureOut">
               <a:rPr lang="en-US" smtClean="0"/>
-              <a:t>9/10/2025</a:t>
+              <a:t>9/11/2025</a:t>
             </a:fld>
             <a:endParaRPr lang="en-US"/>
           </a:p>
@@ -880,7 +1040,7 @@
           <a:p>
             <a:fld id="{846CE7D5-CF57-46EF-B807-FDD0502418D4}" type="datetimeFigureOut">
               <a:rPr lang="en-US" smtClean="0"/>
-              <a:t>9/10/2025</a:t>
+              <a:t>9/11/2025</a:t>
             </a:fld>
             <a:endParaRPr lang="en-US"/>
           </a:p>
@@ -1125,7 +1285,7 @@
           <a:p>
             <a:fld id="{846CE7D5-CF57-46EF-B807-FDD0502418D4}" type="datetimeFigureOut">
               <a:rPr lang="en-US" smtClean="0"/>
-              <a:t>9/10/2025</a:t>
+              <a:t>9/11/2025</a:t>
             </a:fld>
             <a:endParaRPr lang="en-US"/>
           </a:p>
@@ -1354,7 +1514,7 @@
           <a:p>
             <a:fld id="{846CE7D5-CF57-46EF-B807-FDD0502418D4}" type="datetimeFigureOut">
               <a:rPr lang="en-US" smtClean="0"/>
-              <a:t>9/10/2025</a:t>
+              <a:t>9/11/2025</a:t>
             </a:fld>
             <a:endParaRPr lang="en-US"/>
           </a:p>
@@ -1718,7 +1878,7 @@
           <a:p>
             <a:fld id="{846CE7D5-CF57-46EF-B807-FDD0502418D4}" type="datetimeFigureOut">
               <a:rPr lang="en-US" smtClean="0"/>
-              <a:t>9/10/2025</a:t>
+              <a:t>9/11/2025</a:t>
             </a:fld>
             <a:endParaRPr lang="en-US"/>
           </a:p>
@@ -1835,7 +1995,7 @@
           <a:p>
             <a:fld id="{846CE7D5-CF57-46EF-B807-FDD0502418D4}" type="datetimeFigureOut">
               <a:rPr lang="en-US" smtClean="0"/>
-              <a:t>9/10/2025</a:t>
+              <a:t>9/11/2025</a:t>
             </a:fld>
             <a:endParaRPr lang="en-US"/>
           </a:p>
@@ -1930,7 +2090,7 @@
           <a:p>
             <a:fld id="{846CE7D5-CF57-46EF-B807-FDD0502418D4}" type="datetimeFigureOut">
               <a:rPr lang="en-US" smtClean="0"/>
-              <a:t>9/10/2025</a:t>
+              <a:t>9/11/2025</a:t>
             </a:fld>
             <a:endParaRPr lang="en-US"/>
           </a:p>
@@ -2205,7 +2365,7 @@
           <a:p>
             <a:fld id="{846CE7D5-CF57-46EF-B807-FDD0502418D4}" type="datetimeFigureOut">
               <a:rPr lang="en-US" smtClean="0"/>
-              <a:t>9/10/2025</a:t>
+              <a:t>9/11/2025</a:t>
             </a:fld>
             <a:endParaRPr lang="en-US"/>
           </a:p>
@@ -2460,7 +2620,7 @@
           <a:p>
             <a:fld id="{846CE7D5-CF57-46EF-B807-FDD0502418D4}" type="datetimeFigureOut">
               <a:rPr lang="en-US" smtClean="0"/>
-              <a:t>9/10/2025</a:t>
+              <a:t>9/11/2025</a:t>
             </a:fld>
             <a:endParaRPr lang="en-US"/>
           </a:p>
@@ -2671,7 +2831,7 @@
           <a:p>
             <a:fld id="{846CE7D5-CF57-46EF-B807-FDD0502418D4}" type="datetimeFigureOut">
               <a:rPr lang="en-US" smtClean="0"/>
-              <a:t>9/10/2025</a:t>
+              <a:t>9/11/2025</a:t>
             </a:fld>
             <a:endParaRPr lang="en-US"/>
           </a:p>
@@ -3094,8 +3254,8 @@
           <a:lstStyle/>
           <a:p>
             <a:r>
-              <a:rPr lang="en-US" sz="6600"/>
-              <a:t>Food Truck Order</a:t>
+              <a:rPr lang="en-US" sz="6600" dirty="0"/>
+              <a:t>Food Truck Ordering</a:t>
             </a:r>
           </a:p>
         </p:txBody>
@@ -3135,6 +3295,172 @@
     <p:extLst>
       <p:ext uri="{BB962C8B-B14F-4D97-AF65-F5344CB8AC3E}">
         <p14:creationId xmlns:p14="http://schemas.microsoft.com/office/powerpoint/2010/main" val="109857222"/>
+      </p:ext>
+    </p:extLst>
+  </p:cSld>
+  <p:clrMapOvr>
+    <a:masterClrMapping/>
+  </p:clrMapOvr>
+</p:sld>
+</file>
+
+<file path=ppt/slides/slide10.xml><?xml version="1.0" encoding="utf-8"?>
+<p:sld xmlns:a="http://schemas.openxmlformats.org/drawingml/2006/main" xmlns:r="http://schemas.openxmlformats.org/officeDocument/2006/relationships" xmlns:p="http://schemas.openxmlformats.org/presentationml/2006/main">
+  <p:cSld>
+    <p:spTree>
+      <p:nvGrpSpPr>
+        <p:cNvPr id="1" name=""/>
+        <p:cNvGrpSpPr/>
+        <p:nvPr/>
+      </p:nvGrpSpPr>
+      <p:grpSpPr>
+        <a:xfrm>
+          <a:off x="0" y="0"/>
+          <a:ext cx="0" cy="0"/>
+          <a:chOff x="0" y="0"/>
+          <a:chExt cx="0" cy="0"/>
+        </a:xfrm>
+      </p:grpSpPr>
+      <p:sp>
+        <p:nvSpPr>
+          <p:cNvPr id="2" name="Title 1">
+            <a:extLst>
+              <a:ext uri="{FF2B5EF4-FFF2-40B4-BE49-F238E27FC236}">
+                <a16:creationId xmlns:a16="http://schemas.microsoft.com/office/drawing/2014/main" id="{0D3F6A2D-1E9A-23C7-F636-E9BCC9CC4070}"/>
+              </a:ext>
+            </a:extLst>
+          </p:cNvPr>
+          <p:cNvSpPr>
+            <a:spLocks noGrp="1"/>
+          </p:cNvSpPr>
+          <p:nvPr>
+            <p:ph type="title"/>
+          </p:nvPr>
+        </p:nvSpPr>
+        <p:spPr/>
+        <p:txBody>
+          <a:bodyPr/>
+          <a:lstStyle/>
+          <a:p>
+            <a:r>
+              <a:rPr lang="en-US" dirty="0"/>
+              <a:t>Priority Requirements</a:t>
+            </a:r>
+          </a:p>
+        </p:txBody>
+      </p:sp>
+      <p:sp>
+        <p:nvSpPr>
+          <p:cNvPr id="3" name="Content Placeholder 2">
+            <a:extLst>
+              <a:ext uri="{FF2B5EF4-FFF2-40B4-BE49-F238E27FC236}">
+                <a16:creationId xmlns:a16="http://schemas.microsoft.com/office/drawing/2014/main" id="{A2F60DB3-10F8-0227-6BC0-87D6CC7858E5}"/>
+              </a:ext>
+            </a:extLst>
+          </p:cNvPr>
+          <p:cNvSpPr>
+            <a:spLocks noGrp="1"/>
+          </p:cNvSpPr>
+          <p:nvPr>
+            <p:ph idx="1"/>
+          </p:nvPr>
+        </p:nvSpPr>
+        <p:spPr/>
+        <p:txBody>
+          <a:bodyPr/>
+          <a:lstStyle/>
+          <a:p>
+            <a:endParaRPr lang="en-US"/>
+          </a:p>
+        </p:txBody>
+      </p:sp>
+    </p:spTree>
+    <p:extLst>
+      <p:ext uri="{BB962C8B-B14F-4D97-AF65-F5344CB8AC3E}">
+        <p14:creationId xmlns:p14="http://schemas.microsoft.com/office/powerpoint/2010/main" val="3752665594"/>
+      </p:ext>
+    </p:extLst>
+  </p:cSld>
+  <p:clrMapOvr>
+    <a:masterClrMapping/>
+  </p:clrMapOvr>
+</p:sld>
+</file>
+
+<file path=ppt/slides/slide11.xml><?xml version="1.0" encoding="utf-8"?>
+<p:sld xmlns:a="http://schemas.openxmlformats.org/drawingml/2006/main" xmlns:r="http://schemas.openxmlformats.org/officeDocument/2006/relationships" xmlns:p="http://schemas.openxmlformats.org/presentationml/2006/main">
+  <p:cSld>
+    <p:spTree>
+      <p:nvGrpSpPr>
+        <p:cNvPr id="1" name=""/>
+        <p:cNvGrpSpPr/>
+        <p:nvPr/>
+      </p:nvGrpSpPr>
+      <p:grpSpPr>
+        <a:xfrm>
+          <a:off x="0" y="0"/>
+          <a:ext cx="0" cy="0"/>
+          <a:chOff x="0" y="0"/>
+          <a:chExt cx="0" cy="0"/>
+        </a:xfrm>
+      </p:grpSpPr>
+      <p:sp>
+        <p:nvSpPr>
+          <p:cNvPr id="2" name="Title 1">
+            <a:extLst>
+              <a:ext uri="{FF2B5EF4-FFF2-40B4-BE49-F238E27FC236}">
+                <a16:creationId xmlns:a16="http://schemas.microsoft.com/office/drawing/2014/main" id="{9FF8F889-CF76-D5A4-E7B2-B45D441500C2}"/>
+              </a:ext>
+            </a:extLst>
+          </p:cNvPr>
+          <p:cNvSpPr>
+            <a:spLocks noGrp="1"/>
+          </p:cNvSpPr>
+          <p:nvPr>
+            <p:ph type="title"/>
+          </p:nvPr>
+        </p:nvSpPr>
+        <p:spPr/>
+        <p:txBody>
+          <a:bodyPr/>
+          <a:lstStyle/>
+          <a:p>
+            <a:r>
+              <a:rPr lang="en-US" dirty="0"/>
+              <a:t>Development Plan</a:t>
+            </a:r>
+          </a:p>
+        </p:txBody>
+      </p:sp>
+      <p:sp>
+        <p:nvSpPr>
+          <p:cNvPr id="3" name="Content Placeholder 2">
+            <a:extLst>
+              <a:ext uri="{FF2B5EF4-FFF2-40B4-BE49-F238E27FC236}">
+                <a16:creationId xmlns:a16="http://schemas.microsoft.com/office/drawing/2014/main" id="{5B435896-D6F3-0BC2-B127-8CAFFEC4A4AE}"/>
+              </a:ext>
+            </a:extLst>
+          </p:cNvPr>
+          <p:cNvSpPr>
+            <a:spLocks noGrp="1"/>
+          </p:cNvSpPr>
+          <p:nvPr>
+            <p:ph idx="1"/>
+          </p:nvPr>
+        </p:nvSpPr>
+        <p:spPr/>
+        <p:txBody>
+          <a:bodyPr/>
+          <a:lstStyle/>
+          <a:p>
+            <a:endParaRPr lang="en-US" dirty="0"/>
+          </a:p>
+        </p:txBody>
+      </p:sp>
+    </p:spTree>
+    <p:extLst>
+      <p:ext uri="{BB962C8B-B14F-4D97-AF65-F5344CB8AC3E}">
+        <p14:creationId xmlns:p14="http://schemas.microsoft.com/office/powerpoint/2010/main" val="841713580"/>
       </p:ext>
     </p:extLst>
   </p:cSld>
@@ -3213,31 +3539,23 @@
           <a:lstStyle/>
           <a:p>
             <a:r>
-              <a:rPr lang="en-US"/>
-              <a:t>We have come to a </a:t>
-            </a:r>
-            <a:r>
-              <a:rPr lang="en-US" err="1"/>
-              <a:t>desion</a:t>
-            </a:r>
-            <a:r>
-              <a:rPr lang="en-US"/>
-              <a:t> to make a simple food ordering software for food trucks to implement into their </a:t>
-            </a:r>
-            <a:r>
-              <a:rPr lang="en-US" err="1"/>
-              <a:t>busniess</a:t>
-            </a:r>
-            <a:r>
-              <a:rPr lang="en-US"/>
-              <a:t> to speed things up and to make the flow a lot better for customer experican </a:t>
+              <a:rPr lang="en-US" dirty="0"/>
+              <a:t>We have come to a decision to make a simple food ordering software for food trucks to implement into their business to speed things up and to make the flow a lot better for customer </a:t>
+            </a:r>
+            <a:r>
+              <a:rPr lang="en-US" dirty="0" err="1"/>
+              <a:t>experiance</a:t>
+            </a:r>
+            <a:r>
+              <a:rPr lang="en-US" dirty="0"/>
+              <a:t> </a:t>
             </a:r>
           </a:p>
           <a:p>
             <a:pPr marL="0" indent="0">
               <a:buNone/>
             </a:pPr>
-            <a:endParaRPr lang="en-US"/>
+            <a:endParaRPr lang="en-US" dirty="0"/>
           </a:p>
         </p:txBody>
       </p:sp>
@@ -3293,8 +3611,8 @@
           <a:lstStyle/>
           <a:p>
             <a:r>
-              <a:rPr lang="en-US"/>
-              <a:t>The behind the sense</a:t>
+              <a:rPr lang="en-US" dirty="0"/>
+              <a:t>The behind the Scenes</a:t>
             </a:r>
           </a:p>
         </p:txBody>
@@ -3323,15 +3641,15 @@
           <a:lstStyle/>
           <a:p>
             <a:r>
-              <a:rPr lang="en-US"/>
+              <a:rPr lang="en-US" dirty="0"/>
               <a:t>We will be using a combination of html for the web app side of things and </a:t>
             </a:r>
             <a:r>
-              <a:rPr lang="en-US" err="1"/>
+              <a:rPr lang="en-US" dirty="0" err="1"/>
               <a:t>c++</a:t>
             </a:r>
             <a:r>
-              <a:rPr lang="en-US"/>
+              <a:rPr lang="en-US" dirty="0"/>
               <a:t> for under the hood.</a:t>
             </a:r>
           </a:p>
@@ -3341,6 +3659,794 @@
     <p:extLst>
       <p:ext uri="{BB962C8B-B14F-4D97-AF65-F5344CB8AC3E}">
         <p14:creationId xmlns:p14="http://schemas.microsoft.com/office/powerpoint/2010/main" val="651332071"/>
+      </p:ext>
+    </p:extLst>
+  </p:cSld>
+  <p:clrMapOvr>
+    <a:masterClrMapping/>
+  </p:clrMapOvr>
+</p:sld>
+</file>
+
+<file path=ppt/slides/slide4.xml><?xml version="1.0" encoding="utf-8"?>
+<p:sld xmlns:a="http://schemas.openxmlformats.org/drawingml/2006/main" xmlns:r="http://schemas.openxmlformats.org/officeDocument/2006/relationships" xmlns:p="http://schemas.openxmlformats.org/presentationml/2006/main">
+  <p:cSld>
+    <p:spTree>
+      <p:nvGrpSpPr>
+        <p:cNvPr id="1" name=""/>
+        <p:cNvGrpSpPr/>
+        <p:nvPr/>
+      </p:nvGrpSpPr>
+      <p:grpSpPr>
+        <a:xfrm>
+          <a:off x="0" y="0"/>
+          <a:ext cx="0" cy="0"/>
+          <a:chOff x="0" y="0"/>
+          <a:chExt cx="0" cy="0"/>
+        </a:xfrm>
+      </p:grpSpPr>
+      <p:sp>
+        <p:nvSpPr>
+          <p:cNvPr id="2" name="Title 1">
+            <a:extLst>
+              <a:ext uri="{FF2B5EF4-FFF2-40B4-BE49-F238E27FC236}">
+                <a16:creationId xmlns:a16="http://schemas.microsoft.com/office/drawing/2014/main" id="{F679F07B-D825-751A-767B-C738909C15C6}"/>
+              </a:ext>
+            </a:extLst>
+          </p:cNvPr>
+          <p:cNvSpPr>
+            <a:spLocks noGrp="1"/>
+          </p:cNvSpPr>
+          <p:nvPr>
+            <p:ph type="title"/>
+          </p:nvPr>
+        </p:nvSpPr>
+        <p:spPr/>
+        <p:txBody>
+          <a:bodyPr/>
+          <a:lstStyle/>
+          <a:p>
+            <a:r>
+              <a:rPr lang="en-US" dirty="0"/>
+              <a:t>Project Overview</a:t>
+            </a:r>
+          </a:p>
+        </p:txBody>
+      </p:sp>
+      <p:sp>
+        <p:nvSpPr>
+          <p:cNvPr id="3" name="Content Placeholder 2">
+            <a:extLst>
+              <a:ext uri="{FF2B5EF4-FFF2-40B4-BE49-F238E27FC236}">
+                <a16:creationId xmlns:a16="http://schemas.microsoft.com/office/drawing/2014/main" id="{0F00A8EF-7764-0C5D-A3CF-28C2FCA3973E}"/>
+              </a:ext>
+            </a:extLst>
+          </p:cNvPr>
+          <p:cNvSpPr>
+            <a:spLocks noGrp="1"/>
+          </p:cNvSpPr>
+          <p:nvPr>
+            <p:ph idx="1"/>
+          </p:nvPr>
+        </p:nvSpPr>
+        <p:spPr/>
+        <p:txBody>
+          <a:bodyPr/>
+          <a:lstStyle/>
+          <a:p>
+            <a:r>
+              <a:rPr lang="en-US" dirty="0"/>
+              <a:t>We're improving the food truck ordering flow by letting users build their meal, send it as a ticket with an order number, and have it pop up on the employee side for quick fulfillment.</a:t>
+            </a:r>
+          </a:p>
+          <a:p>
+            <a:r>
+              <a:rPr lang="en-US" dirty="0"/>
+              <a:t>We're using HTML for the frontend interface and C++ for backend functionality, based on the team's familiarity and strengths with each language.</a:t>
+            </a:r>
+          </a:p>
+          <a:p>
+            <a:r>
+              <a:rPr lang="en-US" dirty="0"/>
+              <a:t>Our implementation bridges frontend and backend through a lightweight workflow, showcasing how simple tools can solve real-world problems when paired with thoughtful design and team collaboration.</a:t>
+            </a:r>
+          </a:p>
+          <a:p>
+            <a:endParaRPr lang="en-US" dirty="0"/>
+          </a:p>
+          <a:p>
+            <a:endParaRPr lang="en-US" dirty="0"/>
+          </a:p>
+        </p:txBody>
+      </p:sp>
+    </p:spTree>
+    <p:extLst>
+      <p:ext uri="{BB962C8B-B14F-4D97-AF65-F5344CB8AC3E}">
+        <p14:creationId xmlns:p14="http://schemas.microsoft.com/office/powerpoint/2010/main" val="1203497075"/>
+      </p:ext>
+    </p:extLst>
+  </p:cSld>
+  <p:clrMapOvr>
+    <a:masterClrMapping/>
+  </p:clrMapOvr>
+</p:sld>
+</file>
+
+<file path=ppt/slides/slide5.xml><?xml version="1.0" encoding="utf-8"?>
+<p:sld xmlns:a="http://schemas.openxmlformats.org/drawingml/2006/main" xmlns:r="http://schemas.openxmlformats.org/officeDocument/2006/relationships" xmlns:p="http://schemas.openxmlformats.org/presentationml/2006/main">
+  <p:cSld>
+    <p:spTree>
+      <p:nvGrpSpPr>
+        <p:cNvPr id="1" name=""/>
+        <p:cNvGrpSpPr/>
+        <p:nvPr/>
+      </p:nvGrpSpPr>
+      <p:grpSpPr>
+        <a:xfrm>
+          <a:off x="0" y="0"/>
+          <a:ext cx="0" cy="0"/>
+          <a:chOff x="0" y="0"/>
+          <a:chExt cx="0" cy="0"/>
+        </a:xfrm>
+      </p:grpSpPr>
+      <p:sp>
+        <p:nvSpPr>
+          <p:cNvPr id="2" name="Title 1">
+            <a:extLst>
+              <a:ext uri="{FF2B5EF4-FFF2-40B4-BE49-F238E27FC236}">
+                <a16:creationId xmlns:a16="http://schemas.microsoft.com/office/drawing/2014/main" id="{ADA418DC-BDAB-03CB-D0BB-38740A32553F}"/>
+              </a:ext>
+            </a:extLst>
+          </p:cNvPr>
+          <p:cNvSpPr>
+            <a:spLocks noGrp="1"/>
+          </p:cNvSpPr>
+          <p:nvPr>
+            <p:ph type="title"/>
+          </p:nvPr>
+        </p:nvSpPr>
+        <p:spPr/>
+        <p:txBody>
+          <a:bodyPr/>
+          <a:lstStyle/>
+          <a:p>
+            <a:r>
+              <a:rPr lang="en-US" dirty="0"/>
+              <a:t>Requirements</a:t>
+            </a:r>
+          </a:p>
+        </p:txBody>
+      </p:sp>
+      <p:sp>
+        <p:nvSpPr>
+          <p:cNvPr id="3" name="Content Placeholder 2">
+            <a:extLst>
+              <a:ext uri="{FF2B5EF4-FFF2-40B4-BE49-F238E27FC236}">
+                <a16:creationId xmlns:a16="http://schemas.microsoft.com/office/drawing/2014/main" id="{D5B946A2-6636-01C7-EEA9-65D0945D0976}"/>
+              </a:ext>
+            </a:extLst>
+          </p:cNvPr>
+          <p:cNvSpPr>
+            <a:spLocks noGrp="1"/>
+          </p:cNvSpPr>
+          <p:nvPr>
+            <p:ph idx="1"/>
+          </p:nvPr>
+        </p:nvSpPr>
+        <p:spPr/>
+        <p:txBody>
+          <a:bodyPr/>
+          <a:lstStyle/>
+          <a:p>
+            <a:r>
+              <a:rPr lang="en-US" dirty="0"/>
+              <a:t>Functional Requirements 1.1</a:t>
+            </a:r>
+          </a:p>
+          <a:p>
+            <a:pPr lvl="1"/>
+            <a:r>
+              <a:rPr lang="en-US" dirty="0"/>
+              <a:t>FR –</a:t>
+            </a:r>
+          </a:p>
+          <a:p>
+            <a:pPr lvl="1"/>
+            <a:r>
+              <a:rPr lang="en-US" dirty="0"/>
+              <a:t>ID:</a:t>
+            </a:r>
+          </a:p>
+          <a:p>
+            <a:pPr lvl="1"/>
+            <a:r>
+              <a:rPr lang="en-US" dirty="0"/>
+              <a:t>Title</a:t>
+            </a:r>
+          </a:p>
+          <a:p>
+            <a:pPr lvl="1"/>
+            <a:r>
+              <a:rPr lang="en-US" dirty="0"/>
+              <a:t>Description:</a:t>
+            </a:r>
+          </a:p>
+          <a:p>
+            <a:pPr lvl="1"/>
+            <a:r>
+              <a:rPr lang="en-US" dirty="0"/>
+              <a:t>Priority:</a:t>
+            </a:r>
+          </a:p>
+          <a:p>
+            <a:pPr lvl="1"/>
+            <a:r>
+              <a:rPr lang="en-US" dirty="0"/>
+              <a:t>Dependency:</a:t>
+            </a:r>
+          </a:p>
+          <a:p>
+            <a:pPr lvl="1"/>
+            <a:endParaRPr lang="en-US" dirty="0"/>
+          </a:p>
+        </p:txBody>
+      </p:sp>
+    </p:spTree>
+    <p:extLst>
+      <p:ext uri="{BB962C8B-B14F-4D97-AF65-F5344CB8AC3E}">
+        <p14:creationId xmlns:p14="http://schemas.microsoft.com/office/powerpoint/2010/main" val="3109130739"/>
+      </p:ext>
+    </p:extLst>
+  </p:cSld>
+  <p:clrMapOvr>
+    <a:masterClrMapping/>
+  </p:clrMapOvr>
+</p:sld>
+</file>
+
+<file path=ppt/slides/slide6.xml><?xml version="1.0" encoding="utf-8"?>
+<p:sld xmlns:a="http://schemas.openxmlformats.org/drawingml/2006/main" xmlns:r="http://schemas.openxmlformats.org/officeDocument/2006/relationships" xmlns:p="http://schemas.openxmlformats.org/presentationml/2006/main">
+  <p:cSld>
+    <p:spTree>
+      <p:nvGrpSpPr>
+        <p:cNvPr id="1" name="">
+          <a:extLst>
+            <a:ext uri="{FF2B5EF4-FFF2-40B4-BE49-F238E27FC236}">
+              <a16:creationId xmlns:a16="http://schemas.microsoft.com/office/drawing/2014/main" id="{7F2C3D0A-443E-CD51-0E00-3DC5E62187F4}"/>
+            </a:ext>
+          </a:extLst>
+        </p:cNvPr>
+        <p:cNvGrpSpPr/>
+        <p:nvPr/>
+      </p:nvGrpSpPr>
+      <p:grpSpPr>
+        <a:xfrm>
+          <a:off x="0" y="0"/>
+          <a:ext cx="0" cy="0"/>
+          <a:chOff x="0" y="0"/>
+          <a:chExt cx="0" cy="0"/>
+        </a:xfrm>
+      </p:grpSpPr>
+      <p:sp>
+        <p:nvSpPr>
+          <p:cNvPr id="2" name="Title 1">
+            <a:extLst>
+              <a:ext uri="{FF2B5EF4-FFF2-40B4-BE49-F238E27FC236}">
+                <a16:creationId xmlns:a16="http://schemas.microsoft.com/office/drawing/2014/main" id="{9BE58B2E-A949-256D-CCD6-73AE4FEBAFB3}"/>
+              </a:ext>
+            </a:extLst>
+          </p:cNvPr>
+          <p:cNvSpPr>
+            <a:spLocks noGrp="1"/>
+          </p:cNvSpPr>
+          <p:nvPr>
+            <p:ph type="title"/>
+          </p:nvPr>
+        </p:nvSpPr>
+        <p:spPr/>
+        <p:txBody>
+          <a:bodyPr/>
+          <a:lstStyle/>
+          <a:p>
+            <a:r>
+              <a:rPr lang="en-US" dirty="0"/>
+              <a:t>Requirements</a:t>
+            </a:r>
+          </a:p>
+        </p:txBody>
+      </p:sp>
+      <p:sp>
+        <p:nvSpPr>
+          <p:cNvPr id="3" name="Content Placeholder 2">
+            <a:extLst>
+              <a:ext uri="{FF2B5EF4-FFF2-40B4-BE49-F238E27FC236}">
+                <a16:creationId xmlns:a16="http://schemas.microsoft.com/office/drawing/2014/main" id="{FD21E7DD-17EB-7AAE-18F0-3811F164F20C}"/>
+              </a:ext>
+            </a:extLst>
+          </p:cNvPr>
+          <p:cNvSpPr>
+            <a:spLocks noGrp="1"/>
+          </p:cNvSpPr>
+          <p:nvPr>
+            <p:ph idx="1"/>
+          </p:nvPr>
+        </p:nvSpPr>
+        <p:spPr/>
+        <p:txBody>
+          <a:bodyPr/>
+          <a:lstStyle/>
+          <a:p>
+            <a:r>
+              <a:rPr lang="en-US" dirty="0"/>
+              <a:t>Functional Requirements 1.1</a:t>
+            </a:r>
+          </a:p>
+          <a:p>
+            <a:pPr lvl="1"/>
+            <a:r>
+              <a:rPr lang="en-US" dirty="0"/>
+              <a:t>FR1 – website form submission</a:t>
+            </a:r>
+          </a:p>
+          <a:p>
+            <a:pPr lvl="1"/>
+            <a:r>
+              <a:rPr lang="en-US" dirty="0"/>
+              <a:t>ID: FR1</a:t>
+            </a:r>
+          </a:p>
+          <a:p>
+            <a:pPr lvl="1"/>
+            <a:r>
+              <a:rPr lang="en-US" dirty="0"/>
+              <a:t>Title: User Submission</a:t>
+            </a:r>
+          </a:p>
+          <a:p>
+            <a:pPr lvl="1"/>
+            <a:r>
+              <a:rPr lang="en-US" dirty="0"/>
+              <a:t>Description: The webpage should be able to accept user submission and be able to send it to the backend</a:t>
+            </a:r>
+          </a:p>
+          <a:p>
+            <a:pPr lvl="1"/>
+            <a:r>
+              <a:rPr lang="en-US" dirty="0"/>
+              <a:t>Priority: high</a:t>
+            </a:r>
+          </a:p>
+          <a:p>
+            <a:pPr lvl="1"/>
+            <a:r>
+              <a:rPr lang="en-US" dirty="0"/>
+              <a:t>Dependency:</a:t>
+            </a:r>
+          </a:p>
+          <a:p>
+            <a:pPr lvl="1"/>
+            <a:endParaRPr lang="en-US" dirty="0"/>
+          </a:p>
+        </p:txBody>
+      </p:sp>
+    </p:spTree>
+    <p:extLst>
+      <p:ext uri="{BB962C8B-B14F-4D97-AF65-F5344CB8AC3E}">
+        <p14:creationId xmlns:p14="http://schemas.microsoft.com/office/powerpoint/2010/main" val="2835959447"/>
+      </p:ext>
+    </p:extLst>
+  </p:cSld>
+  <p:clrMapOvr>
+    <a:masterClrMapping/>
+  </p:clrMapOvr>
+</p:sld>
+</file>
+
+<file path=ppt/slides/slide7.xml><?xml version="1.0" encoding="utf-8"?>
+<p:sld xmlns:a="http://schemas.openxmlformats.org/drawingml/2006/main" xmlns:r="http://schemas.openxmlformats.org/officeDocument/2006/relationships" xmlns:p="http://schemas.openxmlformats.org/presentationml/2006/main">
+  <p:cSld>
+    <p:spTree>
+      <p:nvGrpSpPr>
+        <p:cNvPr id="1" name="">
+          <a:extLst>
+            <a:ext uri="{FF2B5EF4-FFF2-40B4-BE49-F238E27FC236}">
+              <a16:creationId xmlns:a16="http://schemas.microsoft.com/office/drawing/2014/main" id="{12E2FAC6-9B8B-031A-CF05-150BF5FAD53A}"/>
+            </a:ext>
+          </a:extLst>
+        </p:cNvPr>
+        <p:cNvGrpSpPr/>
+        <p:nvPr/>
+      </p:nvGrpSpPr>
+      <p:grpSpPr>
+        <a:xfrm>
+          <a:off x="0" y="0"/>
+          <a:ext cx="0" cy="0"/>
+          <a:chOff x="0" y="0"/>
+          <a:chExt cx="0" cy="0"/>
+        </a:xfrm>
+      </p:grpSpPr>
+      <p:sp>
+        <p:nvSpPr>
+          <p:cNvPr id="2" name="Title 1">
+            <a:extLst>
+              <a:ext uri="{FF2B5EF4-FFF2-40B4-BE49-F238E27FC236}">
+                <a16:creationId xmlns:a16="http://schemas.microsoft.com/office/drawing/2014/main" id="{3F4E64DC-2AFC-4F64-50A1-8518C5954B51}"/>
+              </a:ext>
+            </a:extLst>
+          </p:cNvPr>
+          <p:cNvSpPr>
+            <a:spLocks noGrp="1"/>
+          </p:cNvSpPr>
+          <p:nvPr>
+            <p:ph type="title"/>
+          </p:nvPr>
+        </p:nvSpPr>
+        <p:spPr/>
+        <p:txBody>
+          <a:bodyPr/>
+          <a:lstStyle/>
+          <a:p>
+            <a:r>
+              <a:rPr lang="en-US" dirty="0"/>
+              <a:t>Requirements</a:t>
+            </a:r>
+          </a:p>
+        </p:txBody>
+      </p:sp>
+      <p:sp>
+        <p:nvSpPr>
+          <p:cNvPr id="3" name="Content Placeholder 2">
+            <a:extLst>
+              <a:ext uri="{FF2B5EF4-FFF2-40B4-BE49-F238E27FC236}">
+                <a16:creationId xmlns:a16="http://schemas.microsoft.com/office/drawing/2014/main" id="{3EB76FBE-AAE9-8202-E038-8C6A1184DF99}"/>
+              </a:ext>
+            </a:extLst>
+          </p:cNvPr>
+          <p:cNvSpPr>
+            <a:spLocks noGrp="1"/>
+          </p:cNvSpPr>
+          <p:nvPr>
+            <p:ph idx="1"/>
+          </p:nvPr>
+        </p:nvSpPr>
+        <p:spPr/>
+        <p:txBody>
+          <a:bodyPr/>
+          <a:lstStyle/>
+          <a:p>
+            <a:r>
+              <a:rPr lang="en-US" dirty="0"/>
+              <a:t>Functional Requirements 1.2</a:t>
+            </a:r>
+          </a:p>
+          <a:p>
+            <a:pPr lvl="1"/>
+            <a:r>
+              <a:rPr lang="en-US" dirty="0"/>
+              <a:t>FR2 – backend accepts submission</a:t>
+            </a:r>
+          </a:p>
+          <a:p>
+            <a:pPr lvl="1"/>
+            <a:r>
+              <a:rPr lang="en-US" dirty="0"/>
+              <a:t>ID: FR2</a:t>
+            </a:r>
+          </a:p>
+          <a:p>
+            <a:pPr lvl="1"/>
+            <a:r>
+              <a:rPr lang="en-US" dirty="0"/>
+              <a:t>Title: Backend reception</a:t>
+            </a:r>
+          </a:p>
+          <a:p>
+            <a:pPr lvl="1"/>
+            <a:r>
+              <a:rPr lang="en-US" dirty="0"/>
+              <a:t>Description: The back end of the program should be capable of receiving an order from the website.</a:t>
+            </a:r>
+          </a:p>
+          <a:p>
+            <a:pPr lvl="1"/>
+            <a:r>
+              <a:rPr lang="en-US" dirty="0"/>
+              <a:t>Priority: High</a:t>
+            </a:r>
+          </a:p>
+          <a:p>
+            <a:pPr lvl="1"/>
+            <a:r>
+              <a:rPr lang="en-US" dirty="0"/>
+              <a:t>Dependency: FR1</a:t>
+            </a:r>
+          </a:p>
+          <a:p>
+            <a:pPr lvl="1"/>
+            <a:endParaRPr lang="en-US" dirty="0"/>
+          </a:p>
+        </p:txBody>
+      </p:sp>
+    </p:spTree>
+    <p:extLst>
+      <p:ext uri="{BB962C8B-B14F-4D97-AF65-F5344CB8AC3E}">
+        <p14:creationId xmlns:p14="http://schemas.microsoft.com/office/powerpoint/2010/main" val="3361632356"/>
+      </p:ext>
+    </p:extLst>
+  </p:cSld>
+  <p:clrMapOvr>
+    <a:masterClrMapping/>
+  </p:clrMapOvr>
+</p:sld>
+</file>
+
+<file path=ppt/slides/slide8.xml><?xml version="1.0" encoding="utf-8"?>
+<p:sld xmlns:a="http://schemas.openxmlformats.org/drawingml/2006/main" xmlns:r="http://schemas.openxmlformats.org/officeDocument/2006/relationships" xmlns:p="http://schemas.openxmlformats.org/presentationml/2006/main">
+  <p:cSld>
+    <p:spTree>
+      <p:nvGrpSpPr>
+        <p:cNvPr id="1" name="">
+          <a:extLst>
+            <a:ext uri="{FF2B5EF4-FFF2-40B4-BE49-F238E27FC236}">
+              <a16:creationId xmlns:a16="http://schemas.microsoft.com/office/drawing/2014/main" id="{F5221870-C136-DFB4-F68C-B611BD34AE20}"/>
+            </a:ext>
+          </a:extLst>
+        </p:cNvPr>
+        <p:cNvGrpSpPr/>
+        <p:nvPr/>
+      </p:nvGrpSpPr>
+      <p:grpSpPr>
+        <a:xfrm>
+          <a:off x="0" y="0"/>
+          <a:ext cx="0" cy="0"/>
+          <a:chOff x="0" y="0"/>
+          <a:chExt cx="0" cy="0"/>
+        </a:xfrm>
+      </p:grpSpPr>
+      <p:sp>
+        <p:nvSpPr>
+          <p:cNvPr id="2" name="Title 1">
+            <a:extLst>
+              <a:ext uri="{FF2B5EF4-FFF2-40B4-BE49-F238E27FC236}">
+                <a16:creationId xmlns:a16="http://schemas.microsoft.com/office/drawing/2014/main" id="{1300C3C9-3D6D-7340-04EA-F8D6BEBB9408}"/>
+              </a:ext>
+            </a:extLst>
+          </p:cNvPr>
+          <p:cNvSpPr>
+            <a:spLocks noGrp="1"/>
+          </p:cNvSpPr>
+          <p:nvPr>
+            <p:ph type="title"/>
+          </p:nvPr>
+        </p:nvSpPr>
+        <p:spPr/>
+        <p:txBody>
+          <a:bodyPr/>
+          <a:lstStyle/>
+          <a:p>
+            <a:r>
+              <a:rPr lang="en-US" dirty="0"/>
+              <a:t>Requirements</a:t>
+            </a:r>
+          </a:p>
+        </p:txBody>
+      </p:sp>
+      <p:sp>
+        <p:nvSpPr>
+          <p:cNvPr id="3" name="Content Placeholder 2">
+            <a:extLst>
+              <a:ext uri="{FF2B5EF4-FFF2-40B4-BE49-F238E27FC236}">
+                <a16:creationId xmlns:a16="http://schemas.microsoft.com/office/drawing/2014/main" id="{50051190-FAC9-608A-B999-7887E434E599}"/>
+              </a:ext>
+            </a:extLst>
+          </p:cNvPr>
+          <p:cNvSpPr>
+            <a:spLocks noGrp="1"/>
+          </p:cNvSpPr>
+          <p:nvPr>
+            <p:ph idx="1"/>
+          </p:nvPr>
+        </p:nvSpPr>
+        <p:spPr/>
+        <p:txBody>
+          <a:bodyPr/>
+          <a:lstStyle/>
+          <a:p>
+            <a:r>
+              <a:rPr lang="en-US" dirty="0"/>
+              <a:t>Functional Requirements 1.3</a:t>
+            </a:r>
+          </a:p>
+          <a:p>
+            <a:pPr lvl="1"/>
+            <a:r>
+              <a:rPr lang="en-US" dirty="0"/>
+              <a:t>FR –</a:t>
+            </a:r>
+          </a:p>
+          <a:p>
+            <a:pPr lvl="1"/>
+            <a:r>
+              <a:rPr lang="en-US" dirty="0"/>
+              <a:t>ID:</a:t>
+            </a:r>
+          </a:p>
+          <a:p>
+            <a:pPr lvl="1"/>
+            <a:r>
+              <a:rPr lang="en-US" dirty="0"/>
+              <a:t>Title</a:t>
+            </a:r>
+          </a:p>
+          <a:p>
+            <a:pPr lvl="1"/>
+            <a:r>
+              <a:rPr lang="en-US" dirty="0"/>
+              <a:t>Description:</a:t>
+            </a:r>
+          </a:p>
+          <a:p>
+            <a:pPr lvl="1"/>
+            <a:r>
+              <a:rPr lang="en-US" dirty="0"/>
+              <a:t>Priority:</a:t>
+            </a:r>
+          </a:p>
+          <a:p>
+            <a:pPr lvl="1"/>
+            <a:r>
+              <a:rPr lang="en-US" dirty="0"/>
+              <a:t>Dependency:</a:t>
+            </a:r>
+          </a:p>
+          <a:p>
+            <a:pPr lvl="1"/>
+            <a:endParaRPr lang="en-US" dirty="0"/>
+          </a:p>
+        </p:txBody>
+      </p:sp>
+    </p:spTree>
+    <p:extLst>
+      <p:ext uri="{BB962C8B-B14F-4D97-AF65-F5344CB8AC3E}">
+        <p14:creationId xmlns:p14="http://schemas.microsoft.com/office/powerpoint/2010/main" val="1331313356"/>
+      </p:ext>
+    </p:extLst>
+  </p:cSld>
+  <p:clrMapOvr>
+    <a:masterClrMapping/>
+  </p:clrMapOvr>
+</p:sld>
+</file>
+
+<file path=ppt/slides/slide9.xml><?xml version="1.0" encoding="utf-8"?>
+<p:sld xmlns:a="http://schemas.openxmlformats.org/drawingml/2006/main" xmlns:r="http://schemas.openxmlformats.org/officeDocument/2006/relationships" xmlns:p="http://schemas.openxmlformats.org/presentationml/2006/main">
+  <p:cSld>
+    <p:spTree>
+      <p:nvGrpSpPr>
+        <p:cNvPr id="1" name="">
+          <a:extLst>
+            <a:ext uri="{FF2B5EF4-FFF2-40B4-BE49-F238E27FC236}">
+              <a16:creationId xmlns:a16="http://schemas.microsoft.com/office/drawing/2014/main" id="{434B9CD4-0A31-55B4-4A71-E4B148EF0525}"/>
+            </a:ext>
+          </a:extLst>
+        </p:cNvPr>
+        <p:cNvGrpSpPr/>
+        <p:nvPr/>
+      </p:nvGrpSpPr>
+      <p:grpSpPr>
+        <a:xfrm>
+          <a:off x="0" y="0"/>
+          <a:ext cx="0" cy="0"/>
+          <a:chOff x="0" y="0"/>
+          <a:chExt cx="0" cy="0"/>
+        </a:xfrm>
+      </p:grpSpPr>
+      <p:sp>
+        <p:nvSpPr>
+          <p:cNvPr id="2" name="Title 1">
+            <a:extLst>
+              <a:ext uri="{FF2B5EF4-FFF2-40B4-BE49-F238E27FC236}">
+                <a16:creationId xmlns:a16="http://schemas.microsoft.com/office/drawing/2014/main" id="{BA2657DD-A4D5-CAAB-B62C-80421C4239A3}"/>
+              </a:ext>
+            </a:extLst>
+          </p:cNvPr>
+          <p:cNvSpPr>
+            <a:spLocks noGrp="1"/>
+          </p:cNvSpPr>
+          <p:nvPr>
+            <p:ph type="title"/>
+          </p:nvPr>
+        </p:nvSpPr>
+        <p:spPr/>
+        <p:txBody>
+          <a:bodyPr/>
+          <a:lstStyle/>
+          <a:p>
+            <a:r>
+              <a:rPr lang="en-US" dirty="0"/>
+              <a:t>Requirements</a:t>
+            </a:r>
+          </a:p>
+        </p:txBody>
+      </p:sp>
+      <p:sp>
+        <p:nvSpPr>
+          <p:cNvPr id="3" name="Content Placeholder 2">
+            <a:extLst>
+              <a:ext uri="{FF2B5EF4-FFF2-40B4-BE49-F238E27FC236}">
+                <a16:creationId xmlns:a16="http://schemas.microsoft.com/office/drawing/2014/main" id="{39660FE2-EB95-4EE1-FCD9-D7A320C01092}"/>
+              </a:ext>
+            </a:extLst>
+          </p:cNvPr>
+          <p:cNvSpPr>
+            <a:spLocks noGrp="1"/>
+          </p:cNvSpPr>
+          <p:nvPr>
+            <p:ph idx="1"/>
+          </p:nvPr>
+        </p:nvSpPr>
+        <p:spPr/>
+        <p:txBody>
+          <a:bodyPr/>
+          <a:lstStyle/>
+          <a:p>
+            <a:r>
+              <a:rPr lang="en-US" dirty="0"/>
+              <a:t>Functional Requirements 1.4</a:t>
+            </a:r>
+          </a:p>
+          <a:p>
+            <a:pPr lvl="1"/>
+            <a:r>
+              <a:rPr lang="en-US" dirty="0"/>
+              <a:t>FR –</a:t>
+            </a:r>
+          </a:p>
+          <a:p>
+            <a:pPr lvl="1"/>
+            <a:r>
+              <a:rPr lang="en-US" dirty="0"/>
+              <a:t>ID:</a:t>
+            </a:r>
+          </a:p>
+          <a:p>
+            <a:pPr lvl="1"/>
+            <a:r>
+              <a:rPr lang="en-US" dirty="0"/>
+              <a:t>Title</a:t>
+            </a:r>
+          </a:p>
+          <a:p>
+            <a:pPr lvl="1"/>
+            <a:r>
+              <a:rPr lang="en-US" dirty="0"/>
+              <a:t>Description:</a:t>
+            </a:r>
+          </a:p>
+          <a:p>
+            <a:pPr lvl="1"/>
+            <a:r>
+              <a:rPr lang="en-US" dirty="0"/>
+              <a:t>Priority:</a:t>
+            </a:r>
+          </a:p>
+          <a:p>
+            <a:pPr lvl="1"/>
+            <a:r>
+              <a:rPr lang="en-US" dirty="0"/>
+              <a:t>Dependency:</a:t>
+            </a:r>
+          </a:p>
+          <a:p>
+            <a:pPr lvl="1"/>
+            <a:endParaRPr lang="en-US" dirty="0"/>
+          </a:p>
+        </p:txBody>
+      </p:sp>
+    </p:spTree>
+    <p:extLst>
+      <p:ext uri="{BB962C8B-B14F-4D97-AF65-F5344CB8AC3E}">
+        <p14:creationId xmlns:p14="http://schemas.microsoft.com/office/powerpoint/2010/main" val="2626683754"/>
       </p:ext>
     </p:extLst>
   </p:cSld>

--- a/homeworks/Homework 1/Homework 1.pptx
+++ b/homeworks/Homework 1/Homework 1.pptx
@@ -125,7 +125,7 @@
 <file path=ppt/revisionInfo.xml><?xml version="1.0" encoding="utf-8"?>
 <p1510:revInfo xmlns:a="http://schemas.openxmlformats.org/drawingml/2006/main" xmlns:r="http://schemas.openxmlformats.org/officeDocument/2006/relationships" xmlns:p1510="http://schemas.microsoft.com/office/powerpoint/2015/10/main">
   <p1510:revLst>
-    <p1510:client id="{7FC9E883-C68B-4964-A306-A09B374A8666}" v="11" dt="2025-09-15T17:34:11.891"/>
+    <p1510:client id="{7FC9E883-C68B-4964-A306-A09B374A8666}" v="26" dt="2025-09-15T19:46:58.800"/>
   </p1510:revLst>
 </p1510:revInfo>
 </file>
@@ -894,7 +894,7 @@
   <pc:docChgLst>
     <pc:chgData name="Staley, Sean" userId="5b65b0e7-e88b-4844-a922-92ee8e1c9235" providerId="ADAL" clId="{7FC9E883-C68B-4964-A306-A09B374A8666}"/>
     <pc:docChg chg="custSel addSld modSld sldOrd">
-      <pc:chgData name="Staley, Sean" userId="5b65b0e7-e88b-4844-a922-92ee8e1c9235" providerId="ADAL" clId="{7FC9E883-C68B-4964-A306-A09B374A8666}" dt="2025-09-15T17:34:32.096" v="1568" actId="20577"/>
+      <pc:chgData name="Staley, Sean" userId="5b65b0e7-e88b-4844-a922-92ee8e1c9235" providerId="ADAL" clId="{7FC9E883-C68B-4964-A306-A09B374A8666}" dt="2025-09-15T19:46:58.800" v="1583" actId="20577"/>
       <pc:docMkLst>
         <pc:docMk/>
       </pc:docMkLst>
@@ -1048,13 +1048,13 @@
         </pc:spChg>
       </pc:sldChg>
       <pc:sldChg chg="modSp">
-        <pc:chgData name="Staley, Sean" userId="5b65b0e7-e88b-4844-a922-92ee8e1c9235" providerId="ADAL" clId="{7FC9E883-C68B-4964-A306-A09B374A8666}" dt="2025-09-15T17:34:11.891" v="1566" actId="20577"/>
+        <pc:chgData name="Staley, Sean" userId="5b65b0e7-e88b-4844-a922-92ee8e1c9235" providerId="ADAL" clId="{7FC9E883-C68B-4964-A306-A09B374A8666}" dt="2025-09-15T19:46:58.800" v="1583" actId="20577"/>
         <pc:sldMkLst>
           <pc:docMk/>
           <pc:sldMk cId="2470439829" sldId="269"/>
         </pc:sldMkLst>
         <pc:graphicFrameChg chg="mod">
-          <ac:chgData name="Staley, Sean" userId="5b65b0e7-e88b-4844-a922-92ee8e1c9235" providerId="ADAL" clId="{7FC9E883-C68B-4964-A306-A09B374A8666}" dt="2025-09-15T17:34:11.891" v="1566" actId="20577"/>
+          <ac:chgData name="Staley, Sean" userId="5b65b0e7-e88b-4844-a922-92ee8e1c9235" providerId="ADAL" clId="{7FC9E883-C68B-4964-A306-A09B374A8666}" dt="2025-09-15T19:46:58.800" v="1583" actId="20577"/>
           <ac:graphicFrameMkLst>
             <pc:docMk/>
             <pc:sldMk cId="2470439829" sldId="269"/>
@@ -5639,7 +5639,7 @@
         <a:p>
           <a:r>
             <a:rPr lang="en-US" baseline="0" dirty="0"/>
-            <a:t>Robert Wickliffe - TBD</a:t>
+            <a:t>Robert Wickliffe – Full Stack Dev</a:t>
           </a:r>
           <a:endParaRPr lang="en-US" dirty="0"/>
         </a:p>
@@ -8101,7 +8101,7 @@
           </a:pPr>
           <a:r>
             <a:rPr lang="en-US" sz="2000" kern="1200" baseline="0" dirty="0"/>
-            <a:t>Robert Wickliffe - TBD</a:t>
+            <a:t>Robert Wickliffe – Full Stack Dev</a:t>
           </a:r>
           <a:endParaRPr lang="en-US" sz="2000" kern="1200" dirty="0"/>
         </a:p>
@@ -17169,7 +17169,7 @@
             <p:ph idx="1"/>
             <p:extLst>
               <p:ext uri="{D42A27DB-BD31-4B8C-83A1-F6EECF244321}">
-                <p14:modId xmlns:p14="http://schemas.microsoft.com/office/powerpoint/2010/main" val="593620642"/>
+                <p14:modId xmlns:p14="http://schemas.microsoft.com/office/powerpoint/2010/main" val="2980228904"/>
               </p:ext>
             </p:extLst>
           </p:nvPr>

--- a/homeworks/Homework 1/Homework 1.pptx
+++ b/homeworks/Homework 1/Homework 1.pptx
@@ -125,6 +125,7 @@
 <file path=ppt/revisionInfo.xml><?xml version="1.0" encoding="utf-8"?>
 <p1510:revInfo xmlns:a="http://schemas.openxmlformats.org/drawingml/2006/main" xmlns:r="http://schemas.openxmlformats.org/officeDocument/2006/relationships" xmlns:p1510="http://schemas.microsoft.com/office/powerpoint/2015/10/main">
   <p1510:revLst>
+    <p1510:client id="{765B6454-1945-B9A9-DB4F-4D8891203318}" v="18" dt="2025-09-16T01:10:11.372"/>
     <p1510:client id="{7FC9E883-C68B-4964-A306-A09B374A8666}" v="26" dt="2025-09-15T19:46:58.800"/>
   </p1510:revLst>
 </p1510:revInfo>
@@ -132,6 +133,149 @@
 
 <file path=ppt/changesInfos/changesInfo1.xml><?xml version="1.0" encoding="utf-8"?>
 <pc:chgInfo xmlns:a="http://schemas.openxmlformats.org/drawingml/2006/main" xmlns:r="http://schemas.openxmlformats.org/officeDocument/2006/relationships" xmlns:ac="http://schemas.microsoft.com/office/drawing/2013/main/command" xmlns:pc="http://schemas.microsoft.com/office/powerpoint/2013/main/command">
+  <pc:docChgLst>
+    <pc:chgData name="Staley, Sean" userId="S::ststal01@louisville.edu::5b65b0e7-e88b-4844-a922-92ee8e1c9235" providerId="AD" clId="Web-{6E268690-6EDC-BB23-CFFA-DB7A7D5359F5}"/>
+    <pc:docChg chg="addSld delSld modSld sldOrd">
+      <pc:chgData name="Staley, Sean" userId="S::ststal01@louisville.edu::5b65b0e7-e88b-4844-a922-92ee8e1c9235" providerId="AD" clId="Web-{6E268690-6EDC-BB23-CFFA-DB7A7D5359F5}" dt="2025-09-12T04:04:38.232" v="281" actId="20577"/>
+      <pc:docMkLst>
+        <pc:docMk/>
+      </pc:docMkLst>
+      <pc:sldChg chg="modSp ord">
+        <pc:chgData name="Staley, Sean" userId="S::ststal01@louisville.edu::5b65b0e7-e88b-4844-a922-92ee8e1c9235" providerId="AD" clId="Web-{6E268690-6EDC-BB23-CFFA-DB7A7D5359F5}" dt="2025-09-12T03:54:08.747" v="8"/>
+        <pc:sldMkLst>
+          <pc:docMk/>
+          <pc:sldMk cId="2103210548" sldId="257"/>
+        </pc:sldMkLst>
+      </pc:sldChg>
+      <pc:sldChg chg="ord">
+        <pc:chgData name="Staley, Sean" userId="S::ststal01@louisville.edu::5b65b0e7-e88b-4844-a922-92ee8e1c9235" providerId="AD" clId="Web-{6E268690-6EDC-BB23-CFFA-DB7A7D5359F5}" dt="2025-09-12T03:54:10.934" v="9"/>
+        <pc:sldMkLst>
+          <pc:docMk/>
+          <pc:sldMk cId="651332071" sldId="258"/>
+        </pc:sldMkLst>
+      </pc:sldChg>
+      <pc:sldChg chg="modSp ord">
+        <pc:chgData name="Staley, Sean" userId="S::ststal01@louisville.edu::5b65b0e7-e88b-4844-a922-92ee8e1c9235" providerId="AD" clId="Web-{6E268690-6EDC-BB23-CFFA-DB7A7D5359F5}" dt="2025-09-12T03:53:58.200" v="7" actId="20577"/>
+        <pc:sldMkLst>
+          <pc:docMk/>
+          <pc:sldMk cId="1203497075" sldId="259"/>
+        </pc:sldMkLst>
+      </pc:sldChg>
+      <pc:sldChg chg="del">
+        <pc:chgData name="Staley, Sean" userId="S::ststal01@louisville.edu::5b65b0e7-e88b-4844-a922-92ee8e1c9235" providerId="AD" clId="Web-{6E268690-6EDC-BB23-CFFA-DB7A7D5359F5}" dt="2025-09-12T03:54:20.169" v="10"/>
+        <pc:sldMkLst>
+          <pc:docMk/>
+          <pc:sldMk cId="3109130739" sldId="260"/>
+        </pc:sldMkLst>
+      </pc:sldChg>
+      <pc:sldChg chg="modSp">
+        <pc:chgData name="Staley, Sean" userId="S::ststal01@louisville.edu::5b65b0e7-e88b-4844-a922-92ee8e1c9235" providerId="AD" clId="Web-{6E268690-6EDC-BB23-CFFA-DB7A7D5359F5}" dt="2025-09-12T03:59:06.153" v="104" actId="20577"/>
+        <pc:sldMkLst>
+          <pc:docMk/>
+          <pc:sldMk cId="2835959447" sldId="263"/>
+        </pc:sldMkLst>
+        <pc:spChg chg="mod">
+          <ac:chgData name="Staley, Sean" userId="S::ststal01@louisville.edu::5b65b0e7-e88b-4844-a922-92ee8e1c9235" providerId="AD" clId="Web-{6E268690-6EDC-BB23-CFFA-DB7A7D5359F5}" dt="2025-09-12T03:59:06.153" v="104" actId="20577"/>
+          <ac:spMkLst>
+            <pc:docMk/>
+            <pc:sldMk cId="2835959447" sldId="263"/>
+            <ac:spMk id="3" creationId="{FD21E7DD-17EB-7AAE-18F0-3811F164F20C}"/>
+          </ac:spMkLst>
+        </pc:spChg>
+      </pc:sldChg>
+      <pc:sldChg chg="modSp">
+        <pc:chgData name="Staley, Sean" userId="S::ststal01@louisville.edu::5b65b0e7-e88b-4844-a922-92ee8e1c9235" providerId="AD" clId="Web-{6E268690-6EDC-BB23-CFFA-DB7A7D5359F5}" dt="2025-09-12T03:55:33.919" v="24" actId="20577"/>
+        <pc:sldMkLst>
+          <pc:docMk/>
+          <pc:sldMk cId="3361632356" sldId="264"/>
+        </pc:sldMkLst>
+        <pc:spChg chg="mod">
+          <ac:chgData name="Staley, Sean" userId="S::ststal01@louisville.edu::5b65b0e7-e88b-4844-a922-92ee8e1c9235" providerId="AD" clId="Web-{6E268690-6EDC-BB23-CFFA-DB7A7D5359F5}" dt="2025-09-12T03:55:33.919" v="24" actId="20577"/>
+          <ac:spMkLst>
+            <pc:docMk/>
+            <pc:sldMk cId="3361632356" sldId="264"/>
+            <ac:spMk id="3" creationId="{3EB76FBE-AAE9-8202-E038-8C6A1184DF99}"/>
+          </ac:spMkLst>
+        </pc:spChg>
+      </pc:sldChg>
+      <pc:sldChg chg="modSp">
+        <pc:chgData name="Staley, Sean" userId="S::ststal01@louisville.edu::5b65b0e7-e88b-4844-a922-92ee8e1c9235" providerId="AD" clId="Web-{6E268690-6EDC-BB23-CFFA-DB7A7D5359F5}" dt="2025-09-12T03:58:41.700" v="102" actId="20577"/>
+        <pc:sldMkLst>
+          <pc:docMk/>
+          <pc:sldMk cId="1331313356" sldId="265"/>
+        </pc:sldMkLst>
+        <pc:spChg chg="mod">
+          <ac:chgData name="Staley, Sean" userId="S::ststal01@louisville.edu::5b65b0e7-e88b-4844-a922-92ee8e1c9235" providerId="AD" clId="Web-{6E268690-6EDC-BB23-CFFA-DB7A7D5359F5}" dt="2025-09-12T03:58:41.700" v="102" actId="20577"/>
+          <ac:spMkLst>
+            <pc:docMk/>
+            <pc:sldMk cId="1331313356" sldId="265"/>
+            <ac:spMk id="3" creationId="{50051190-FAC9-608A-B999-7887E434E599}"/>
+          </ac:spMkLst>
+        </pc:spChg>
+      </pc:sldChg>
+      <pc:sldChg chg="modSp">
+        <pc:chgData name="Staley, Sean" userId="S::ststal01@louisville.edu::5b65b0e7-e88b-4844-a922-92ee8e1c9235" providerId="AD" clId="Web-{6E268690-6EDC-BB23-CFFA-DB7A7D5359F5}" dt="2025-09-12T04:02:22.107" v="198" actId="20577"/>
+        <pc:sldMkLst>
+          <pc:docMk/>
+          <pc:sldMk cId="2626683754" sldId="266"/>
+        </pc:sldMkLst>
+        <pc:spChg chg="mod">
+          <ac:chgData name="Staley, Sean" userId="S::ststal01@louisville.edu::5b65b0e7-e88b-4844-a922-92ee8e1c9235" providerId="AD" clId="Web-{6E268690-6EDC-BB23-CFFA-DB7A7D5359F5}" dt="2025-09-12T04:02:22.107" v="198" actId="20577"/>
+          <ac:spMkLst>
+            <pc:docMk/>
+            <pc:sldMk cId="2626683754" sldId="266"/>
+            <ac:spMk id="3" creationId="{39660FE2-EB95-4EE1-FCD9-D7A320C01092}"/>
+          </ac:spMkLst>
+        </pc:spChg>
+      </pc:sldChg>
+      <pc:sldChg chg="modSp add replId">
+        <pc:chgData name="Staley, Sean" userId="S::ststal01@louisville.edu::5b65b0e7-e88b-4844-a922-92ee8e1c9235" providerId="AD" clId="Web-{6E268690-6EDC-BB23-CFFA-DB7A7D5359F5}" dt="2025-09-12T04:04:38.232" v="281" actId="20577"/>
+        <pc:sldMkLst>
+          <pc:docMk/>
+          <pc:sldMk cId="2910431911" sldId="267"/>
+        </pc:sldMkLst>
+        <pc:spChg chg="mod">
+          <ac:chgData name="Staley, Sean" userId="S::ststal01@louisville.edu::5b65b0e7-e88b-4844-a922-92ee8e1c9235" providerId="AD" clId="Web-{6E268690-6EDC-BB23-CFFA-DB7A7D5359F5}" dt="2025-09-12T04:04:38.232" v="281" actId="20577"/>
+          <ac:spMkLst>
+            <pc:docMk/>
+            <pc:sldMk cId="2910431911" sldId="267"/>
+            <ac:spMk id="3" creationId="{DFB20121-A57A-8A22-129F-2C0D0ACD4ADD}"/>
+          </ac:spMkLst>
+        </pc:spChg>
+      </pc:sldChg>
+      <pc:sldChg chg="new del">
+        <pc:chgData name="Staley, Sean" userId="S::ststal01@louisville.edu::5b65b0e7-e88b-4844-a922-92ee8e1c9235" providerId="AD" clId="Web-{6E268690-6EDC-BB23-CFFA-DB7A7D5359F5}" dt="2025-09-12T04:02:43.169" v="200"/>
+        <pc:sldMkLst>
+          <pc:docMk/>
+          <pc:sldMk cId="3723843586" sldId="267"/>
+        </pc:sldMkLst>
+      </pc:sldChg>
+    </pc:docChg>
+  </pc:docChgLst>
+  <pc:docChgLst>
+    <pc:chgData name="Wattley, Jaden" userId="S::jtwatt03@louisville.edu::473f42a4-82b8-4bb1-b33a-3982d1502758" providerId="AD" clId="Web-{AE1B7785-1AAA-6F66-193C-42FBE3AFD947}"/>
+    <pc:docChg chg="modSld">
+      <pc:chgData name="Wattley, Jaden" userId="S::jtwatt03@louisville.edu::473f42a4-82b8-4bb1-b33a-3982d1502758" providerId="AD" clId="Web-{AE1B7785-1AAA-6F66-193C-42FBE3AFD947}" dt="2025-09-16T12:33:57.688" v="0" actId="1076"/>
+      <pc:docMkLst>
+        <pc:docMk/>
+      </pc:docMkLst>
+      <pc:sldChg chg="modSp">
+        <pc:chgData name="Wattley, Jaden" userId="S::jtwatt03@louisville.edu::473f42a4-82b8-4bb1-b33a-3982d1502758" providerId="AD" clId="Web-{AE1B7785-1AAA-6F66-193C-42FBE3AFD947}" dt="2025-09-16T12:33:57.688" v="0" actId="1076"/>
+        <pc:sldMkLst>
+          <pc:docMk/>
+          <pc:sldMk cId="3752665594" sldId="261"/>
+        </pc:sldMkLst>
+        <pc:graphicFrameChg chg="mod">
+          <ac:chgData name="Wattley, Jaden" userId="S::jtwatt03@louisville.edu::473f42a4-82b8-4bb1-b33a-3982d1502758" providerId="AD" clId="Web-{AE1B7785-1AAA-6F66-193C-42FBE3AFD947}" dt="2025-09-16T12:33:57.688" v="0" actId="1076"/>
+          <ac:graphicFrameMkLst>
+            <pc:docMk/>
+            <pc:sldMk cId="3752665594" sldId="261"/>
+            <ac:graphicFrameMk id="5" creationId="{89EE04C2-4725-5169-C7F4-51E4EE5D9AB0}"/>
+          </ac:graphicFrameMkLst>
+        </pc:graphicFrameChg>
+      </pc:sldChg>
+    </pc:docChg>
+  </pc:docChgLst>
   <pc:docChgLst>
     <pc:chgData name="Staley, Sean" userId="S::ststal01@louisville.edu::5b65b0e7-e88b-4844-a922-92ee8e1c9235" providerId="AD" clId="Web-{B8EBD0BA-A7F4-EBE7-AEFD-E412CBF8902F}"/>
     <pc:docChg chg="addSld delSld modSld">
@@ -393,48 +537,109 @@
     </pc:docChg>
   </pc:docChgLst>
   <pc:docChgLst>
-    <pc:chgData name="Staley, Sean" userId="S::ststal01@louisville.edu::5b65b0e7-e88b-4844-a922-92ee8e1c9235" providerId="AD" clId="Web-{6E268690-6EDC-BB23-CFFA-DB7A7D5359F5}"/>
-    <pc:docChg chg="addSld delSld modSld sldOrd">
-      <pc:chgData name="Staley, Sean" userId="S::ststal01@louisville.edu::5b65b0e7-e88b-4844-a922-92ee8e1c9235" providerId="AD" clId="Web-{6E268690-6EDC-BB23-CFFA-DB7A7D5359F5}" dt="2025-09-12T04:04:38.232" v="281" actId="20577"/>
+    <pc:chgData name="Staley, Sean" userId="5b65b0e7-e88b-4844-a922-92ee8e1c9235" providerId="ADAL" clId="{7FC9E883-C68B-4964-A306-A09B374A8666}"/>
+    <pc:docChg chg="custSel addSld modSld sldOrd">
+      <pc:chgData name="Staley, Sean" userId="5b65b0e7-e88b-4844-a922-92ee8e1c9235" providerId="ADAL" clId="{7FC9E883-C68B-4964-A306-A09B374A8666}" dt="2025-09-15T19:46:58.800" v="1583" actId="20577"/>
       <pc:docMkLst>
         <pc:docMk/>
       </pc:docMkLst>
-      <pc:sldChg chg="modSp ord">
-        <pc:chgData name="Staley, Sean" userId="S::ststal01@louisville.edu::5b65b0e7-e88b-4844-a922-92ee8e1c9235" providerId="AD" clId="Web-{6E268690-6EDC-BB23-CFFA-DB7A7D5359F5}" dt="2025-09-12T03:54:08.747" v="8"/>
+      <pc:sldChg chg="modSp mod">
+        <pc:chgData name="Staley, Sean" userId="5b65b0e7-e88b-4844-a922-92ee8e1c9235" providerId="ADAL" clId="{7FC9E883-C68B-4964-A306-A09B374A8666}" dt="2025-09-15T17:34:32.096" v="1568" actId="20577"/>
+        <pc:sldMkLst>
+          <pc:docMk/>
+          <pc:sldMk cId="109857222" sldId="256"/>
+        </pc:sldMkLst>
+        <pc:spChg chg="mod">
+          <ac:chgData name="Staley, Sean" userId="5b65b0e7-e88b-4844-a922-92ee8e1c9235" providerId="ADAL" clId="{7FC9E883-C68B-4964-A306-A09B374A8666}" dt="2025-09-11T18:38:04.094" v="120" actId="20577"/>
+          <ac:spMkLst>
+            <pc:docMk/>
+            <pc:sldMk cId="109857222" sldId="256"/>
+            <ac:spMk id="2" creationId="{00000000-0000-0000-0000-000000000000}"/>
+          </ac:spMkLst>
+        </pc:spChg>
+        <pc:spChg chg="mod">
+          <ac:chgData name="Staley, Sean" userId="5b65b0e7-e88b-4844-a922-92ee8e1c9235" providerId="ADAL" clId="{7FC9E883-C68B-4964-A306-A09B374A8666}" dt="2025-09-15T17:34:32.096" v="1568" actId="20577"/>
+          <ac:spMkLst>
+            <pc:docMk/>
+            <pc:sldMk cId="109857222" sldId="256"/>
+            <ac:spMk id="3" creationId="{00000000-0000-0000-0000-000000000000}"/>
+          </ac:spMkLst>
+        </pc:spChg>
+      </pc:sldChg>
+      <pc:sldChg chg="modSp new mod ord">
+        <pc:chgData name="Staley, Sean" userId="5b65b0e7-e88b-4844-a922-92ee8e1c9235" providerId="ADAL" clId="{7FC9E883-C68B-4964-A306-A09B374A8666}" dt="2025-09-11T18:46:01.458" v="180"/>
         <pc:sldMkLst>
           <pc:docMk/>
           <pc:sldMk cId="2103210548" sldId="257"/>
         </pc:sldMkLst>
       </pc:sldChg>
-      <pc:sldChg chg="ord">
-        <pc:chgData name="Staley, Sean" userId="S::ststal01@louisville.edu::5b65b0e7-e88b-4844-a922-92ee8e1c9235" providerId="AD" clId="Web-{6E268690-6EDC-BB23-CFFA-DB7A7D5359F5}" dt="2025-09-12T03:54:10.934" v="9"/>
+      <pc:sldChg chg="modSp new mod ord">
+        <pc:chgData name="Staley, Sean" userId="5b65b0e7-e88b-4844-a922-92ee8e1c9235" providerId="ADAL" clId="{7FC9E883-C68B-4964-A306-A09B374A8666}" dt="2025-09-11T18:46:02.645" v="182"/>
         <pc:sldMkLst>
           <pc:docMk/>
           <pc:sldMk cId="651332071" sldId="258"/>
         </pc:sldMkLst>
       </pc:sldChg>
-      <pc:sldChg chg="modSp ord">
-        <pc:chgData name="Staley, Sean" userId="S::ststal01@louisville.edu::5b65b0e7-e88b-4844-a922-92ee8e1c9235" providerId="AD" clId="Web-{6E268690-6EDC-BB23-CFFA-DB7A7D5359F5}" dt="2025-09-12T03:53:58.200" v="7" actId="20577"/>
+      <pc:sldChg chg="modSp new mod ord">
+        <pc:chgData name="Staley, Sean" userId="5b65b0e7-e88b-4844-a922-92ee8e1c9235" providerId="ADAL" clId="{7FC9E883-C68B-4964-A306-A09B374A8666}" dt="2025-09-11T19:45:32.862" v="859"/>
         <pc:sldMkLst>
           <pc:docMk/>
           <pc:sldMk cId="1203497075" sldId="259"/>
         </pc:sldMkLst>
+        <pc:spChg chg="mod">
+          <ac:chgData name="Staley, Sean" userId="5b65b0e7-e88b-4844-a922-92ee8e1c9235" providerId="ADAL" clId="{7FC9E883-C68B-4964-A306-A09B374A8666}" dt="2025-09-11T18:45:47.730" v="176" actId="20577"/>
+          <ac:spMkLst>
+            <pc:docMk/>
+            <pc:sldMk cId="1203497075" sldId="259"/>
+            <ac:spMk id="2" creationId="{F679F07B-D825-751A-767B-C738909C15C6}"/>
+          </ac:spMkLst>
+        </pc:spChg>
       </pc:sldChg>
-      <pc:sldChg chg="del">
-        <pc:chgData name="Staley, Sean" userId="S::ststal01@louisville.edu::5b65b0e7-e88b-4844-a922-92ee8e1c9235" providerId="AD" clId="Web-{6E268690-6EDC-BB23-CFFA-DB7A7D5359F5}" dt="2025-09-12T03:54:20.169" v="10"/>
+      <pc:sldChg chg="modSp new mod ord">
+        <pc:chgData name="Staley, Sean" userId="5b65b0e7-e88b-4844-a922-92ee8e1c9235" providerId="ADAL" clId="{7FC9E883-C68B-4964-A306-A09B374A8666}" dt="2025-09-11T19:48:06.346" v="962" actId="20577"/>
         <pc:sldMkLst>
           <pc:docMk/>
           <pc:sldMk cId="3109130739" sldId="260"/>
         </pc:sldMkLst>
       </pc:sldChg>
-      <pc:sldChg chg="modSp">
-        <pc:chgData name="Staley, Sean" userId="S::ststal01@louisville.edu::5b65b0e7-e88b-4844-a922-92ee8e1c9235" providerId="AD" clId="Web-{6E268690-6EDC-BB23-CFFA-DB7A7D5359F5}" dt="2025-09-12T03:59:06.153" v="104" actId="20577"/>
+      <pc:sldChg chg="modSp new mod">
+        <pc:chgData name="Staley, Sean" userId="5b65b0e7-e88b-4844-a922-92ee8e1c9235" providerId="ADAL" clId="{7FC9E883-C68B-4964-A306-A09B374A8666}" dt="2025-09-11T18:46:28.494" v="216" actId="20577"/>
+        <pc:sldMkLst>
+          <pc:docMk/>
+          <pc:sldMk cId="3752665594" sldId="261"/>
+        </pc:sldMkLst>
+        <pc:spChg chg="mod">
+          <ac:chgData name="Staley, Sean" userId="5b65b0e7-e88b-4844-a922-92ee8e1c9235" providerId="ADAL" clId="{7FC9E883-C68B-4964-A306-A09B374A8666}" dt="2025-09-11T18:46:28.494" v="216" actId="20577"/>
+          <ac:spMkLst>
+            <pc:docMk/>
+            <pc:sldMk cId="3752665594" sldId="261"/>
+            <ac:spMk id="2" creationId="{0D3F6A2D-1E9A-23C7-F636-E9BCC9CC4070}"/>
+          </ac:spMkLst>
+        </pc:spChg>
+      </pc:sldChg>
+      <pc:sldChg chg="modSp new mod">
+        <pc:chgData name="Staley, Sean" userId="5b65b0e7-e88b-4844-a922-92ee8e1c9235" providerId="ADAL" clId="{7FC9E883-C68B-4964-A306-A09B374A8666}" dt="2025-09-11T18:46:59.616" v="233" actId="20577"/>
+        <pc:sldMkLst>
+          <pc:docMk/>
+          <pc:sldMk cId="841713580" sldId="262"/>
+        </pc:sldMkLst>
+        <pc:spChg chg="mod">
+          <ac:chgData name="Staley, Sean" userId="5b65b0e7-e88b-4844-a922-92ee8e1c9235" providerId="ADAL" clId="{7FC9E883-C68B-4964-A306-A09B374A8666}" dt="2025-09-11T18:46:59.616" v="233" actId="20577"/>
+          <ac:spMkLst>
+            <pc:docMk/>
+            <pc:sldMk cId="841713580" sldId="262"/>
+            <ac:spMk id="2" creationId="{9FF8F889-CF76-D5A4-E7B2-B45D441500C2}"/>
+          </ac:spMkLst>
+        </pc:spChg>
+      </pc:sldChg>
+      <pc:sldChg chg="modSp add mod">
+        <pc:chgData name="Staley, Sean" userId="5b65b0e7-e88b-4844-a922-92ee8e1c9235" providerId="ADAL" clId="{7FC9E883-C68B-4964-A306-A09B374A8666}" dt="2025-09-11T19:52:30.114" v="1515" actId="20577"/>
         <pc:sldMkLst>
           <pc:docMk/>
           <pc:sldMk cId="2835959447" sldId="263"/>
         </pc:sldMkLst>
         <pc:spChg chg="mod">
-          <ac:chgData name="Staley, Sean" userId="S::ststal01@louisville.edu::5b65b0e7-e88b-4844-a922-92ee8e1c9235" providerId="AD" clId="Web-{6E268690-6EDC-BB23-CFFA-DB7A7D5359F5}" dt="2025-09-12T03:59:06.153" v="104" actId="20577"/>
+          <ac:chgData name="Staley, Sean" userId="5b65b0e7-e88b-4844-a922-92ee8e1c9235" providerId="ADAL" clId="{7FC9E883-C68B-4964-A306-A09B374A8666}" dt="2025-09-11T19:52:30.114" v="1515" actId="20577"/>
           <ac:spMkLst>
             <pc:docMk/>
             <pc:sldMk cId="2835959447" sldId="263"/>
@@ -442,14 +647,14 @@
           </ac:spMkLst>
         </pc:spChg>
       </pc:sldChg>
-      <pc:sldChg chg="modSp">
-        <pc:chgData name="Staley, Sean" userId="S::ststal01@louisville.edu::5b65b0e7-e88b-4844-a922-92ee8e1c9235" providerId="AD" clId="Web-{6E268690-6EDC-BB23-CFFA-DB7A7D5359F5}" dt="2025-09-12T03:55:33.919" v="24" actId="20577"/>
+      <pc:sldChg chg="modSp add mod">
+        <pc:chgData name="Staley, Sean" userId="5b65b0e7-e88b-4844-a922-92ee8e1c9235" providerId="ADAL" clId="{7FC9E883-C68B-4964-A306-A09B374A8666}" dt="2025-09-11T19:52:43.724" v="1542" actId="20577"/>
         <pc:sldMkLst>
           <pc:docMk/>
           <pc:sldMk cId="3361632356" sldId="264"/>
         </pc:sldMkLst>
         <pc:spChg chg="mod">
-          <ac:chgData name="Staley, Sean" userId="S::ststal01@louisville.edu::5b65b0e7-e88b-4844-a922-92ee8e1c9235" providerId="AD" clId="Web-{6E268690-6EDC-BB23-CFFA-DB7A7D5359F5}" dt="2025-09-12T03:55:33.919" v="24" actId="20577"/>
+          <ac:chgData name="Staley, Sean" userId="5b65b0e7-e88b-4844-a922-92ee8e1c9235" providerId="ADAL" clId="{7FC9E883-C68B-4964-A306-A09B374A8666}" dt="2025-09-11T19:52:43.724" v="1542" actId="20577"/>
           <ac:spMkLst>
             <pc:docMk/>
             <pc:sldMk cId="3361632356" sldId="264"/>
@@ -457,14 +662,14 @@
           </ac:spMkLst>
         </pc:spChg>
       </pc:sldChg>
-      <pc:sldChg chg="modSp">
-        <pc:chgData name="Staley, Sean" userId="S::ststal01@louisville.edu::5b65b0e7-e88b-4844-a922-92ee8e1c9235" providerId="AD" clId="Web-{6E268690-6EDC-BB23-CFFA-DB7A7D5359F5}" dt="2025-09-12T03:58:41.700" v="102" actId="20577"/>
+      <pc:sldChg chg="modSp add mod">
+        <pc:chgData name="Staley, Sean" userId="5b65b0e7-e88b-4844-a922-92ee8e1c9235" providerId="ADAL" clId="{7FC9E883-C68B-4964-A306-A09B374A8666}" dt="2025-09-11T19:48:30.704" v="971" actId="20577"/>
         <pc:sldMkLst>
           <pc:docMk/>
           <pc:sldMk cId="1331313356" sldId="265"/>
         </pc:sldMkLst>
         <pc:spChg chg="mod">
-          <ac:chgData name="Staley, Sean" userId="S::ststal01@louisville.edu::5b65b0e7-e88b-4844-a922-92ee8e1c9235" providerId="AD" clId="Web-{6E268690-6EDC-BB23-CFFA-DB7A7D5359F5}" dt="2025-09-12T03:58:41.700" v="102" actId="20577"/>
+          <ac:chgData name="Staley, Sean" userId="5b65b0e7-e88b-4844-a922-92ee8e1c9235" providerId="ADAL" clId="{7FC9E883-C68B-4964-A306-A09B374A8666}" dt="2025-09-11T19:48:30.704" v="971" actId="20577"/>
           <ac:spMkLst>
             <pc:docMk/>
             <pc:sldMk cId="1331313356" sldId="265"/>
@@ -472,14 +677,14 @@
           </ac:spMkLst>
         </pc:spChg>
       </pc:sldChg>
-      <pc:sldChg chg="modSp">
-        <pc:chgData name="Staley, Sean" userId="S::ststal01@louisville.edu::5b65b0e7-e88b-4844-a922-92ee8e1c9235" providerId="AD" clId="Web-{6E268690-6EDC-BB23-CFFA-DB7A7D5359F5}" dt="2025-09-12T04:02:22.107" v="198" actId="20577"/>
+      <pc:sldChg chg="modSp add mod">
+        <pc:chgData name="Staley, Sean" userId="5b65b0e7-e88b-4844-a922-92ee8e1c9235" providerId="ADAL" clId="{7FC9E883-C68B-4964-A306-A09B374A8666}" dt="2025-09-11T19:48:40.137" v="974" actId="20577"/>
         <pc:sldMkLst>
           <pc:docMk/>
           <pc:sldMk cId="2626683754" sldId="266"/>
         </pc:sldMkLst>
         <pc:spChg chg="mod">
-          <ac:chgData name="Staley, Sean" userId="S::ststal01@louisville.edu::5b65b0e7-e88b-4844-a922-92ee8e1c9235" providerId="AD" clId="Web-{6E268690-6EDC-BB23-CFFA-DB7A7D5359F5}" dt="2025-09-12T04:02:22.107" v="198" actId="20577"/>
+          <ac:chgData name="Staley, Sean" userId="5b65b0e7-e88b-4844-a922-92ee8e1c9235" providerId="ADAL" clId="{7FC9E883-C68B-4964-A306-A09B374A8666}" dt="2025-09-11T19:48:40.137" v="974" actId="20577"/>
           <ac:spMkLst>
             <pc:docMk/>
             <pc:sldMk cId="2626683754" sldId="266"/>
@@ -487,27 +692,91 @@
           </ac:spMkLst>
         </pc:spChg>
       </pc:sldChg>
-      <pc:sldChg chg="modSp add replId">
-        <pc:chgData name="Staley, Sean" userId="S::ststal01@louisville.edu::5b65b0e7-e88b-4844-a922-92ee8e1c9235" providerId="AD" clId="Web-{6E268690-6EDC-BB23-CFFA-DB7A7D5359F5}" dt="2025-09-12T04:04:38.232" v="281" actId="20577"/>
+      <pc:sldChg chg="modSp">
+        <pc:chgData name="Staley, Sean" userId="5b65b0e7-e88b-4844-a922-92ee8e1c9235" providerId="ADAL" clId="{7FC9E883-C68B-4964-A306-A09B374A8666}" dt="2025-09-15T19:46:58.800" v="1583" actId="20577"/>
         <pc:sldMkLst>
           <pc:docMk/>
-          <pc:sldMk cId="2910431911" sldId="267"/>
+          <pc:sldMk cId="2470439829" sldId="269"/>
+        </pc:sldMkLst>
+        <pc:graphicFrameChg chg="mod">
+          <ac:chgData name="Staley, Sean" userId="5b65b0e7-e88b-4844-a922-92ee8e1c9235" providerId="ADAL" clId="{7FC9E883-C68B-4964-A306-A09B374A8666}" dt="2025-09-15T19:46:58.800" v="1583" actId="20577"/>
+          <ac:graphicFrameMkLst>
+            <pc:docMk/>
+            <pc:sldMk cId="2470439829" sldId="269"/>
+            <ac:graphicFrameMk id="5" creationId="{D560014D-43C3-C8AB-BF42-E9B676CB26D9}"/>
+          </ac:graphicFrameMkLst>
+        </pc:graphicFrameChg>
+      </pc:sldChg>
+    </pc:docChg>
+  </pc:docChgLst>
+  <pc:docChgLst>
+    <pc:chgData name="Staley, Sean" userId="S::ststal01@louisville.edu::5b65b0e7-e88b-4844-a922-92ee8e1c9235" providerId="AD" clId="Web-{0B628515-F15E-3094-62B4-A5FD419F3608}"/>
+    <pc:docChg chg="modSld">
+      <pc:chgData name="Staley, Sean" userId="S::ststal01@louisville.edu::5b65b0e7-e88b-4844-a922-92ee8e1c9235" providerId="AD" clId="Web-{0B628515-F15E-3094-62B4-A5FD419F3608}" dt="2025-09-16T01:11:31.941" v="13" actId="1076"/>
+      <pc:docMkLst>
+        <pc:docMk/>
+      </pc:docMkLst>
+      <pc:sldChg chg="modSp">
+        <pc:chgData name="Staley, Sean" userId="S::ststal01@louisville.edu::5b65b0e7-e88b-4844-a922-92ee8e1c9235" providerId="AD" clId="Web-{0B628515-F15E-3094-62B4-A5FD419F3608}" dt="2025-09-16T01:11:31.941" v="13" actId="1076"/>
+        <pc:sldMkLst>
+          <pc:docMk/>
+          <pc:sldMk cId="2470439829" sldId="269"/>
+        </pc:sldMkLst>
+        <pc:graphicFrameChg chg="mod modGraphic">
+          <ac:chgData name="Staley, Sean" userId="S::ststal01@louisville.edu::5b65b0e7-e88b-4844-a922-92ee8e1c9235" providerId="AD" clId="Web-{0B628515-F15E-3094-62B4-A5FD419F3608}" dt="2025-09-16T01:11:31.941" v="13" actId="1076"/>
+          <ac:graphicFrameMkLst>
+            <pc:docMk/>
+            <pc:sldMk cId="2470439829" sldId="269"/>
+            <ac:graphicFrameMk id="5" creationId="{D560014D-43C3-C8AB-BF42-E9B676CB26D9}"/>
+          </ac:graphicFrameMkLst>
+        </pc:graphicFrameChg>
+      </pc:sldChg>
+    </pc:docChg>
+  </pc:docChgLst>
+  <pc:docChgLst>
+    <pc:chgData name="Staley, Sean" userId="S::ststal01@louisville.edu::5b65b0e7-e88b-4844-a922-92ee8e1c9235" providerId="AD" clId="Web-{765B6454-1945-B9A9-DB4F-4D8891203318}"/>
+    <pc:docChg chg="modSld">
+      <pc:chgData name="Staley, Sean" userId="S::ststal01@louisville.edu::5b65b0e7-e88b-4844-a922-92ee8e1c9235" providerId="AD" clId="Web-{765B6454-1945-B9A9-DB4F-4D8891203318}" dt="2025-09-16T01:10:09.903" v="45" actId="20577"/>
+      <pc:docMkLst>
+        <pc:docMk/>
+      </pc:docMkLst>
+      <pc:sldChg chg="modSp">
+        <pc:chgData name="Staley, Sean" userId="S::ststal01@louisville.edu::5b65b0e7-e88b-4844-a922-92ee8e1c9235" providerId="AD" clId="Web-{765B6454-1945-B9A9-DB4F-4D8891203318}" dt="2025-09-16T01:10:09.903" v="45" actId="20577"/>
+        <pc:sldMkLst>
+          <pc:docMk/>
+          <pc:sldMk cId="841713580" sldId="262"/>
         </pc:sldMkLst>
         <pc:spChg chg="mod">
-          <ac:chgData name="Staley, Sean" userId="S::ststal01@louisville.edu::5b65b0e7-e88b-4844-a922-92ee8e1c9235" providerId="AD" clId="Web-{6E268690-6EDC-BB23-CFFA-DB7A7D5359F5}" dt="2025-09-12T04:04:38.232" v="281" actId="20577"/>
+          <ac:chgData name="Staley, Sean" userId="S::ststal01@louisville.edu::5b65b0e7-e88b-4844-a922-92ee8e1c9235" providerId="AD" clId="Web-{765B6454-1945-B9A9-DB4F-4D8891203318}" dt="2025-09-16T01:10:09.903" v="45" actId="20577"/>
           <ac:spMkLst>
             <pc:docMk/>
-            <pc:sldMk cId="2910431911" sldId="267"/>
-            <ac:spMk id="3" creationId="{DFB20121-A57A-8A22-129F-2C0D0ACD4ADD}"/>
+            <pc:sldMk cId="841713580" sldId="262"/>
+            <ac:spMk id="2" creationId="{9FF8F889-CF76-D5A4-E7B2-B45D441500C2}"/>
           </ac:spMkLst>
         </pc:spChg>
+        <pc:graphicFrameChg chg="modGraphic">
+          <ac:chgData name="Staley, Sean" userId="S::ststal01@louisville.edu::5b65b0e7-e88b-4844-a922-92ee8e1c9235" providerId="AD" clId="Web-{765B6454-1945-B9A9-DB4F-4D8891203318}" dt="2025-09-16T00:55:28.751" v="17" actId="20577"/>
+          <ac:graphicFrameMkLst>
+            <pc:docMk/>
+            <pc:sldMk cId="841713580" sldId="262"/>
+            <ac:graphicFrameMk id="14" creationId="{868F9BFE-6833-8CBF-8623-01001157DB58}"/>
+          </ac:graphicFrameMkLst>
+        </pc:graphicFrameChg>
       </pc:sldChg>
-      <pc:sldChg chg="new del">
-        <pc:chgData name="Staley, Sean" userId="S::ststal01@louisville.edu::5b65b0e7-e88b-4844-a922-92ee8e1c9235" providerId="AD" clId="Web-{6E268690-6EDC-BB23-CFFA-DB7A7D5359F5}" dt="2025-09-12T04:02:43.169" v="200"/>
+      <pc:sldChg chg="modSp">
+        <pc:chgData name="Staley, Sean" userId="S::ststal01@louisville.edu::5b65b0e7-e88b-4844-a922-92ee8e1c9235" providerId="AD" clId="Web-{765B6454-1945-B9A9-DB4F-4D8891203318}" dt="2025-09-16T01:10:05.809" v="43" actId="20577"/>
         <pc:sldMkLst>
           <pc:docMk/>
-          <pc:sldMk cId="3723843586" sldId="267"/>
+          <pc:sldMk cId="2470439829" sldId="269"/>
         </pc:sldMkLst>
+        <pc:graphicFrameChg chg="modGraphic">
+          <ac:chgData name="Staley, Sean" userId="S::ststal01@louisville.edu::5b65b0e7-e88b-4844-a922-92ee8e1c9235" providerId="AD" clId="Web-{765B6454-1945-B9A9-DB4F-4D8891203318}" dt="2025-09-16T01:10:05.809" v="43" actId="20577"/>
+          <ac:graphicFrameMkLst>
+            <pc:docMk/>
+            <pc:sldMk cId="2470439829" sldId="269"/>
+            <ac:graphicFrameMk id="5" creationId="{D560014D-43C3-C8AB-BF42-E9B676CB26D9}"/>
+          </ac:graphicFrameMkLst>
+        </pc:graphicFrameChg>
       </pc:sldChg>
     </pc:docChg>
   </pc:docChgLst>
@@ -891,179 +1160,6 @@
       </pc:sldMasterChg>
     </pc:docChg>
   </pc:docChgLst>
-  <pc:docChgLst>
-    <pc:chgData name="Staley, Sean" userId="5b65b0e7-e88b-4844-a922-92ee8e1c9235" providerId="ADAL" clId="{7FC9E883-C68B-4964-A306-A09B374A8666}"/>
-    <pc:docChg chg="custSel addSld modSld sldOrd">
-      <pc:chgData name="Staley, Sean" userId="5b65b0e7-e88b-4844-a922-92ee8e1c9235" providerId="ADAL" clId="{7FC9E883-C68B-4964-A306-A09B374A8666}" dt="2025-09-15T19:46:58.800" v="1583" actId="20577"/>
-      <pc:docMkLst>
-        <pc:docMk/>
-      </pc:docMkLst>
-      <pc:sldChg chg="modSp mod">
-        <pc:chgData name="Staley, Sean" userId="5b65b0e7-e88b-4844-a922-92ee8e1c9235" providerId="ADAL" clId="{7FC9E883-C68B-4964-A306-A09B374A8666}" dt="2025-09-15T17:34:32.096" v="1568" actId="20577"/>
-        <pc:sldMkLst>
-          <pc:docMk/>
-          <pc:sldMk cId="109857222" sldId="256"/>
-        </pc:sldMkLst>
-        <pc:spChg chg="mod">
-          <ac:chgData name="Staley, Sean" userId="5b65b0e7-e88b-4844-a922-92ee8e1c9235" providerId="ADAL" clId="{7FC9E883-C68B-4964-A306-A09B374A8666}" dt="2025-09-11T18:38:04.094" v="120" actId="20577"/>
-          <ac:spMkLst>
-            <pc:docMk/>
-            <pc:sldMk cId="109857222" sldId="256"/>
-            <ac:spMk id="2" creationId="{00000000-0000-0000-0000-000000000000}"/>
-          </ac:spMkLst>
-        </pc:spChg>
-        <pc:spChg chg="mod">
-          <ac:chgData name="Staley, Sean" userId="5b65b0e7-e88b-4844-a922-92ee8e1c9235" providerId="ADAL" clId="{7FC9E883-C68B-4964-A306-A09B374A8666}" dt="2025-09-15T17:34:32.096" v="1568" actId="20577"/>
-          <ac:spMkLst>
-            <pc:docMk/>
-            <pc:sldMk cId="109857222" sldId="256"/>
-            <ac:spMk id="3" creationId="{00000000-0000-0000-0000-000000000000}"/>
-          </ac:spMkLst>
-        </pc:spChg>
-      </pc:sldChg>
-      <pc:sldChg chg="modSp new mod ord">
-        <pc:chgData name="Staley, Sean" userId="5b65b0e7-e88b-4844-a922-92ee8e1c9235" providerId="ADAL" clId="{7FC9E883-C68B-4964-A306-A09B374A8666}" dt="2025-09-11T18:46:01.458" v="180"/>
-        <pc:sldMkLst>
-          <pc:docMk/>
-          <pc:sldMk cId="2103210548" sldId="257"/>
-        </pc:sldMkLst>
-      </pc:sldChg>
-      <pc:sldChg chg="modSp new mod ord">
-        <pc:chgData name="Staley, Sean" userId="5b65b0e7-e88b-4844-a922-92ee8e1c9235" providerId="ADAL" clId="{7FC9E883-C68B-4964-A306-A09B374A8666}" dt="2025-09-11T18:46:02.645" v="182"/>
-        <pc:sldMkLst>
-          <pc:docMk/>
-          <pc:sldMk cId="651332071" sldId="258"/>
-        </pc:sldMkLst>
-      </pc:sldChg>
-      <pc:sldChg chg="modSp new mod ord">
-        <pc:chgData name="Staley, Sean" userId="5b65b0e7-e88b-4844-a922-92ee8e1c9235" providerId="ADAL" clId="{7FC9E883-C68B-4964-A306-A09B374A8666}" dt="2025-09-11T19:45:32.862" v="859"/>
-        <pc:sldMkLst>
-          <pc:docMk/>
-          <pc:sldMk cId="1203497075" sldId="259"/>
-        </pc:sldMkLst>
-        <pc:spChg chg="mod">
-          <ac:chgData name="Staley, Sean" userId="5b65b0e7-e88b-4844-a922-92ee8e1c9235" providerId="ADAL" clId="{7FC9E883-C68B-4964-A306-A09B374A8666}" dt="2025-09-11T18:45:47.730" v="176" actId="20577"/>
-          <ac:spMkLst>
-            <pc:docMk/>
-            <pc:sldMk cId="1203497075" sldId="259"/>
-            <ac:spMk id="2" creationId="{F679F07B-D825-751A-767B-C738909C15C6}"/>
-          </ac:spMkLst>
-        </pc:spChg>
-      </pc:sldChg>
-      <pc:sldChg chg="modSp new mod ord">
-        <pc:chgData name="Staley, Sean" userId="5b65b0e7-e88b-4844-a922-92ee8e1c9235" providerId="ADAL" clId="{7FC9E883-C68B-4964-A306-A09B374A8666}" dt="2025-09-11T19:48:06.346" v="962" actId="20577"/>
-        <pc:sldMkLst>
-          <pc:docMk/>
-          <pc:sldMk cId="3109130739" sldId="260"/>
-        </pc:sldMkLst>
-      </pc:sldChg>
-      <pc:sldChg chg="modSp new mod">
-        <pc:chgData name="Staley, Sean" userId="5b65b0e7-e88b-4844-a922-92ee8e1c9235" providerId="ADAL" clId="{7FC9E883-C68B-4964-A306-A09B374A8666}" dt="2025-09-11T18:46:28.494" v="216" actId="20577"/>
-        <pc:sldMkLst>
-          <pc:docMk/>
-          <pc:sldMk cId="3752665594" sldId="261"/>
-        </pc:sldMkLst>
-        <pc:spChg chg="mod">
-          <ac:chgData name="Staley, Sean" userId="5b65b0e7-e88b-4844-a922-92ee8e1c9235" providerId="ADAL" clId="{7FC9E883-C68B-4964-A306-A09B374A8666}" dt="2025-09-11T18:46:28.494" v="216" actId="20577"/>
-          <ac:spMkLst>
-            <pc:docMk/>
-            <pc:sldMk cId="3752665594" sldId="261"/>
-            <ac:spMk id="2" creationId="{0D3F6A2D-1E9A-23C7-F636-E9BCC9CC4070}"/>
-          </ac:spMkLst>
-        </pc:spChg>
-      </pc:sldChg>
-      <pc:sldChg chg="modSp new mod">
-        <pc:chgData name="Staley, Sean" userId="5b65b0e7-e88b-4844-a922-92ee8e1c9235" providerId="ADAL" clId="{7FC9E883-C68B-4964-A306-A09B374A8666}" dt="2025-09-11T18:46:59.616" v="233" actId="20577"/>
-        <pc:sldMkLst>
-          <pc:docMk/>
-          <pc:sldMk cId="841713580" sldId="262"/>
-        </pc:sldMkLst>
-        <pc:spChg chg="mod">
-          <ac:chgData name="Staley, Sean" userId="5b65b0e7-e88b-4844-a922-92ee8e1c9235" providerId="ADAL" clId="{7FC9E883-C68B-4964-A306-A09B374A8666}" dt="2025-09-11T18:46:59.616" v="233" actId="20577"/>
-          <ac:spMkLst>
-            <pc:docMk/>
-            <pc:sldMk cId="841713580" sldId="262"/>
-            <ac:spMk id="2" creationId="{9FF8F889-CF76-D5A4-E7B2-B45D441500C2}"/>
-          </ac:spMkLst>
-        </pc:spChg>
-      </pc:sldChg>
-      <pc:sldChg chg="modSp add mod">
-        <pc:chgData name="Staley, Sean" userId="5b65b0e7-e88b-4844-a922-92ee8e1c9235" providerId="ADAL" clId="{7FC9E883-C68B-4964-A306-A09B374A8666}" dt="2025-09-11T19:52:30.114" v="1515" actId="20577"/>
-        <pc:sldMkLst>
-          <pc:docMk/>
-          <pc:sldMk cId="2835959447" sldId="263"/>
-        </pc:sldMkLst>
-        <pc:spChg chg="mod">
-          <ac:chgData name="Staley, Sean" userId="5b65b0e7-e88b-4844-a922-92ee8e1c9235" providerId="ADAL" clId="{7FC9E883-C68B-4964-A306-A09B374A8666}" dt="2025-09-11T19:52:30.114" v="1515" actId="20577"/>
-          <ac:spMkLst>
-            <pc:docMk/>
-            <pc:sldMk cId="2835959447" sldId="263"/>
-            <ac:spMk id="3" creationId="{FD21E7DD-17EB-7AAE-18F0-3811F164F20C}"/>
-          </ac:spMkLst>
-        </pc:spChg>
-      </pc:sldChg>
-      <pc:sldChg chg="modSp add mod">
-        <pc:chgData name="Staley, Sean" userId="5b65b0e7-e88b-4844-a922-92ee8e1c9235" providerId="ADAL" clId="{7FC9E883-C68B-4964-A306-A09B374A8666}" dt="2025-09-11T19:52:43.724" v="1542" actId="20577"/>
-        <pc:sldMkLst>
-          <pc:docMk/>
-          <pc:sldMk cId="3361632356" sldId="264"/>
-        </pc:sldMkLst>
-        <pc:spChg chg="mod">
-          <ac:chgData name="Staley, Sean" userId="5b65b0e7-e88b-4844-a922-92ee8e1c9235" providerId="ADAL" clId="{7FC9E883-C68B-4964-A306-A09B374A8666}" dt="2025-09-11T19:52:43.724" v="1542" actId="20577"/>
-          <ac:spMkLst>
-            <pc:docMk/>
-            <pc:sldMk cId="3361632356" sldId="264"/>
-            <ac:spMk id="3" creationId="{3EB76FBE-AAE9-8202-E038-8C6A1184DF99}"/>
-          </ac:spMkLst>
-        </pc:spChg>
-      </pc:sldChg>
-      <pc:sldChg chg="modSp add mod">
-        <pc:chgData name="Staley, Sean" userId="5b65b0e7-e88b-4844-a922-92ee8e1c9235" providerId="ADAL" clId="{7FC9E883-C68B-4964-A306-A09B374A8666}" dt="2025-09-11T19:48:30.704" v="971" actId="20577"/>
-        <pc:sldMkLst>
-          <pc:docMk/>
-          <pc:sldMk cId="1331313356" sldId="265"/>
-        </pc:sldMkLst>
-        <pc:spChg chg="mod">
-          <ac:chgData name="Staley, Sean" userId="5b65b0e7-e88b-4844-a922-92ee8e1c9235" providerId="ADAL" clId="{7FC9E883-C68B-4964-A306-A09B374A8666}" dt="2025-09-11T19:48:30.704" v="971" actId="20577"/>
-          <ac:spMkLst>
-            <pc:docMk/>
-            <pc:sldMk cId="1331313356" sldId="265"/>
-            <ac:spMk id="3" creationId="{50051190-FAC9-608A-B999-7887E434E599}"/>
-          </ac:spMkLst>
-        </pc:spChg>
-      </pc:sldChg>
-      <pc:sldChg chg="modSp add mod">
-        <pc:chgData name="Staley, Sean" userId="5b65b0e7-e88b-4844-a922-92ee8e1c9235" providerId="ADAL" clId="{7FC9E883-C68B-4964-A306-A09B374A8666}" dt="2025-09-11T19:48:40.137" v="974" actId="20577"/>
-        <pc:sldMkLst>
-          <pc:docMk/>
-          <pc:sldMk cId="2626683754" sldId="266"/>
-        </pc:sldMkLst>
-        <pc:spChg chg="mod">
-          <ac:chgData name="Staley, Sean" userId="5b65b0e7-e88b-4844-a922-92ee8e1c9235" providerId="ADAL" clId="{7FC9E883-C68B-4964-A306-A09B374A8666}" dt="2025-09-11T19:48:40.137" v="974" actId="20577"/>
-          <ac:spMkLst>
-            <pc:docMk/>
-            <pc:sldMk cId="2626683754" sldId="266"/>
-            <ac:spMk id="3" creationId="{39660FE2-EB95-4EE1-FCD9-D7A320C01092}"/>
-          </ac:spMkLst>
-        </pc:spChg>
-      </pc:sldChg>
-      <pc:sldChg chg="modSp">
-        <pc:chgData name="Staley, Sean" userId="5b65b0e7-e88b-4844-a922-92ee8e1c9235" providerId="ADAL" clId="{7FC9E883-C68B-4964-A306-A09B374A8666}" dt="2025-09-15T19:46:58.800" v="1583" actId="20577"/>
-        <pc:sldMkLst>
-          <pc:docMk/>
-          <pc:sldMk cId="2470439829" sldId="269"/>
-        </pc:sldMkLst>
-        <pc:graphicFrameChg chg="mod">
-          <ac:chgData name="Staley, Sean" userId="5b65b0e7-e88b-4844-a922-92ee8e1c9235" providerId="ADAL" clId="{7FC9E883-C68B-4964-A306-A09B374A8666}" dt="2025-09-15T19:46:58.800" v="1583" actId="20577"/>
-          <ac:graphicFrameMkLst>
-            <pc:docMk/>
-            <pc:sldMk cId="2470439829" sldId="269"/>
-            <ac:graphicFrameMk id="5" creationId="{D560014D-43C3-C8AB-BF42-E9B676CB26D9}"/>
-          </ac:graphicFrameMkLst>
-        </pc:graphicFrameChg>
-      </pc:sldChg>
-    </pc:docChg>
-  </pc:docChgLst>
 </pc:chgInfo>
 </file>
 
@@ -4572,13 +4668,17 @@
         <a:bodyPr/>
         <a:lstStyle/>
         <a:p>
-          <a:pPr>
+          <a:pPr algn="l">
             <a:lnSpc>
               <a:spcPct val="100000"/>
             </a:lnSpc>
           </a:pPr>
           <a:r>
-            <a:rPr lang="en-US"/>
+            <a:rPr lang="en-US" sz="2600" dirty="0">
+              <a:latin typeface="Franklin Gothic Medium"/>
+              <a:ea typeface="+mn-ea"/>
+              <a:cs typeface="+mn-cs"/>
+            </a:rPr>
             <a:t>FR1 – Website Form Submission</a:t>
           </a:r>
         </a:p>
@@ -4613,13 +4713,17 @@
         <a:bodyPr/>
         <a:lstStyle/>
         <a:p>
-          <a:pPr>
+          <a:pPr algn="l">
             <a:lnSpc>
               <a:spcPct val="100000"/>
             </a:lnSpc>
           </a:pPr>
           <a:r>
-            <a:rPr lang="en-US"/>
+            <a:rPr lang="en-US" sz="2600" dirty="0">
+              <a:latin typeface="Franklin Gothic Medium"/>
+              <a:ea typeface="+mn-ea"/>
+              <a:cs typeface="+mn-cs"/>
+            </a:rPr>
             <a:t>FR2 – Submission Handling in Backend</a:t>
           </a:r>
         </a:p>
@@ -4654,13 +4758,17 @@
         <a:bodyPr/>
         <a:lstStyle/>
         <a:p>
-          <a:pPr>
+          <a:pPr algn="l">
             <a:lnSpc>
               <a:spcPct val="100000"/>
             </a:lnSpc>
           </a:pPr>
           <a:r>
-            <a:rPr lang="en-US"/>
+            <a:rPr lang="en-US" sz="2600" dirty="0">
+              <a:latin typeface="Franklin Gothic Medium"/>
+              <a:ea typeface="+mn-ea"/>
+              <a:cs typeface="+mn-cs"/>
+            </a:rPr>
             <a:t>FR5 – Live Order Queue</a:t>
           </a:r>
         </a:p>
@@ -4695,13 +4803,17 @@
         <a:bodyPr/>
         <a:lstStyle/>
         <a:p>
-          <a:pPr>
+          <a:pPr algn="l">
             <a:lnSpc>
               <a:spcPct val="100000"/>
             </a:lnSpc>
           </a:pPr>
           <a:r>
-            <a:rPr lang="en-US"/>
+            <a:rPr lang="en-US" sz="2600" dirty="0">
+              <a:latin typeface="Franklin Gothic Medium"/>
+              <a:ea typeface="+mn-ea"/>
+              <a:cs typeface="+mn-cs"/>
+            </a:rPr>
             <a:t>NFR3 – Cart list</a:t>
           </a:r>
         </a:p>
@@ -4736,13 +4848,17 @@
         <a:bodyPr/>
         <a:lstStyle/>
         <a:p>
-          <a:pPr>
+          <a:pPr algn="l">
             <a:lnSpc>
               <a:spcPct val="100000"/>
             </a:lnSpc>
           </a:pPr>
           <a:r>
-            <a:rPr lang="en-US"/>
+            <a:rPr lang="en-US" sz="2600" dirty="0">
+              <a:latin typeface="Franklin Gothic Medium"/>
+              <a:ea typeface="+mn-ea"/>
+              <a:cs typeface="+mn-cs"/>
+            </a:rPr>
             <a:t>NFR4 – Order Confirmation</a:t>
           </a:r>
         </a:p>
@@ -4894,16 +5010,29 @@
         <a:bodyPr/>
         <a:lstStyle/>
         <a:p>
-          <a:pPr>
+          <a:pPr rtl="0">
             <a:lnSpc>
               <a:spcPct val="100000"/>
             </a:lnSpc>
             <a:defRPr cap="all"/>
           </a:pPr>
           <a:r>
-            <a:rPr lang="en-US"/>
-            <a:t>Requirement work assignment</a:t>
+            <a:rPr lang="en-US" dirty="0">
+              <a:latin typeface="Franklin Gothic Demi Cond" panose="020B0706030402020204"/>
+            </a:rPr>
+            <a:t>Assign work</a:t>
           </a:r>
+          <a:r>
+            <a:rPr lang="en-US" dirty="0"/>
+            <a:t> </a:t>
+          </a:r>
+          <a:r>
+            <a:rPr lang="en-US" dirty="0">
+              <a:latin typeface="Franklin Gothic Demi Cond" panose="020B0706030402020204"/>
+            </a:rPr>
+            <a:t>to team</a:t>
+          </a:r>
+          <a:endParaRPr lang="en-US" dirty="0"/>
         </a:p>
       </dgm:t>
     </dgm:pt>
@@ -4943,7 +5072,7 @@
             <a:defRPr cap="all"/>
           </a:pPr>
           <a:r>
-            <a:rPr lang="en-US"/>
+            <a:rPr lang="en-US" dirty="0"/>
             <a:t>Design WebApp UI</a:t>
           </a:r>
         </a:p>
@@ -4985,7 +5114,7 @@
             <a:defRPr cap="all"/>
           </a:pPr>
           <a:r>
-            <a:rPr lang="en-US"/>
+            <a:rPr lang="en-US" dirty="0"/>
             <a:t>Develop the backend order handling</a:t>
           </a:r>
         </a:p>
@@ -5027,7 +5156,7 @@
             <a:defRPr cap="all"/>
           </a:pPr>
           <a:r>
-            <a:rPr lang="en-US"/>
+            <a:rPr lang="en-US" dirty="0"/>
             <a:t>Ensure Client Requests Reach Backend</a:t>
           </a:r>
         </a:p>
@@ -5069,7 +5198,7 @@
             <a:defRPr cap="all"/>
           </a:pPr>
           <a:r>
-            <a:rPr lang="en-US"/>
+            <a:rPr lang="en-US" dirty="0"/>
             <a:t>Testing and bug-fixing</a:t>
           </a:r>
         </a:p>
@@ -5111,7 +5240,7 @@
             <a:defRPr cap="all"/>
           </a:pPr>
           <a:r>
-            <a:rPr lang="en-US"/>
+            <a:rPr lang="en-US" dirty="0"/>
             <a:t>Release</a:t>
           </a:r>
         </a:p>
@@ -5526,11 +5655,24 @@
         <a:bodyPr/>
         <a:lstStyle/>
         <a:p>
+          <a:pPr algn="ctr">
+            <a:lnSpc>
+              <a:spcPct val="90000"/>
+            </a:lnSpc>
+          </a:pPr>
           <a:r>
-            <a:rPr lang="en-US" baseline="0"/>
+            <a:rPr lang="en-US" sz="2000" baseline="0" dirty="0">
+              <a:latin typeface="Franklin Gothic Medium" panose="020B0603020102020204"/>
+              <a:ea typeface="+mn-ea"/>
+              <a:cs typeface="+mn-cs"/>
+            </a:rPr>
             <a:t>Sean Staley – Project Manager / Frontend Engineer</a:t>
           </a:r>
-          <a:endParaRPr lang="en-US"/>
+          <a:endParaRPr lang="en-US" sz="2000" dirty="0">
+            <a:latin typeface="Franklin Gothic Medium" panose="020B0603020102020204"/>
+            <a:ea typeface="+mn-ea"/>
+            <a:cs typeface="+mn-cs"/>
+          </a:endParaRPr>
         </a:p>
       </dgm:t>
     </dgm:pt>
@@ -5563,11 +5705,24 @@
         <a:bodyPr/>
         <a:lstStyle/>
         <a:p>
+          <a:pPr algn="ctr">
+            <a:lnSpc>
+              <a:spcPct val="90000"/>
+            </a:lnSpc>
+          </a:pPr>
           <a:r>
-            <a:rPr lang="en-US" baseline="0" dirty="0"/>
+            <a:rPr lang="en-US" sz="2000" baseline="0" dirty="0">
+              <a:latin typeface="Franklin Gothic Medium" panose="020B0603020102020204"/>
+              <a:ea typeface="+mn-ea"/>
+              <a:cs typeface="+mn-cs"/>
+            </a:rPr>
             <a:t>Jaden Wattley – Backend Engineer / Product Engineer</a:t>
           </a:r>
-          <a:endParaRPr lang="en-US" dirty="0"/>
+          <a:endParaRPr lang="en-US" sz="2000" dirty="0">
+            <a:latin typeface="Franklin Gothic Medium" panose="020B0603020102020204"/>
+            <a:ea typeface="+mn-ea"/>
+            <a:cs typeface="+mn-cs"/>
+          </a:endParaRPr>
         </a:p>
       </dgm:t>
     </dgm:pt>
@@ -5600,11 +5755,27 @@
         <a:bodyPr/>
         <a:lstStyle/>
         <a:p>
+          <a:pPr algn="ctr" rtl="0">
+            <a:lnSpc>
+              <a:spcPct val="90000"/>
+            </a:lnSpc>
+          </a:pPr>
           <a:r>
-            <a:rPr lang="en-US" baseline="0" dirty="0"/>
-            <a:t>Connor Raque – None</a:t>
+            <a:rPr lang="en-US" sz="2000" baseline="0" dirty="0">
+              <a:latin typeface="Franklin Gothic Medium" panose="020B0603020102020204"/>
+              <a:ea typeface="+mn-ea"/>
+              <a:cs typeface="+mn-cs"/>
+            </a:rPr>
+            <a:t>Connor Raque – </a:t>
           </a:r>
-          <a:endParaRPr lang="en-US" dirty="0"/>
+          <a:r>
+            <a:rPr lang="en-US" sz="2000" b="1" baseline="0" dirty="0">
+              <a:latin typeface="Franklin Gothic Demi Cond" panose="020B0706030402020204"/>
+              <a:ea typeface="+mn-ea"/>
+              <a:cs typeface="+mn-cs"/>
+            </a:rPr>
+            <a:t>None</a:t>
+          </a:r>
         </a:p>
       </dgm:t>
     </dgm:pt>
@@ -5630,42 +5801,41 @@
         </a:p>
       </dgm:t>
     </dgm:pt>
-    <dgm:pt modelId="{9A95E03E-DC01-4B1B-A778-987E552C4A37}">
-      <dgm:prSet/>
+    <dgm:pt modelId="{21FD537B-64B1-480D-8097-9ED46EA0F852}">
+      <dgm:prSet phldr="0"/>
       <dgm:spPr/>
       <dgm:t>
         <a:bodyPr/>
         <a:lstStyle/>
         <a:p>
+          <a:pPr algn="ctr" rtl="0">
+            <a:lnSpc>
+              <a:spcPct val="90000"/>
+            </a:lnSpc>
+          </a:pPr>
           <a:r>
-            <a:rPr lang="en-US" baseline="0" dirty="0"/>
+            <a:rPr lang="en-US" sz="2000" baseline="0" dirty="0">
+              <a:latin typeface="Franklin Gothic Medium"/>
+              <a:ea typeface="Calibri"/>
+              <a:cs typeface="Calibri"/>
+            </a:rPr>
             <a:t>Robert Wickliffe – Full Stack Dev</a:t>
           </a:r>
-          <a:endParaRPr lang="en-US" dirty="0"/>
+          <a:endParaRPr lang="en-US" sz="2000" baseline="0" dirty="0">
+            <a:latin typeface="Franklin Gothic Medium"/>
+            <a:ea typeface="+mn-ea"/>
+            <a:cs typeface="+mn-cs"/>
+          </a:endParaRPr>
         </a:p>
       </dgm:t>
     </dgm:pt>
-    <dgm:pt modelId="{83A844AE-4F36-443B-A0D5-791049FB10C1}" type="parTrans" cxnId="{F00199F2-C0E4-449C-8056-5BA195A3BE22}">
+    <dgm:pt modelId="{55232BC7-9D25-4340-8A46-DEB64294B476}" type="parTrans" cxnId="{16937194-3172-4521-9B96-E0AB75DC8CEE}">
       <dgm:prSet/>
       <dgm:spPr/>
-      <dgm:t>
-        <a:bodyPr/>
-        <a:lstStyle/>
-        <a:p>
-          <a:endParaRPr lang="en-US"/>
-        </a:p>
-      </dgm:t>
     </dgm:pt>
-    <dgm:pt modelId="{49871633-9C95-4A64-ABD2-BEE24AF8C735}" type="sibTrans" cxnId="{F00199F2-C0E4-449C-8056-5BA195A3BE22}">
+    <dgm:pt modelId="{60A3A506-9D37-4933-8161-823955E3C611}" type="sibTrans" cxnId="{16937194-3172-4521-9B96-E0AB75DC8CEE}">
       <dgm:prSet/>
       <dgm:spPr/>
-      <dgm:t>
-        <a:bodyPr/>
-        <a:lstStyle/>
-        <a:p>
-          <a:endParaRPr lang="en-US"/>
-        </a:p>
-      </dgm:t>
     </dgm:pt>
     <dgm:pt modelId="{665A7224-D66A-45F7-ADCF-B121A06EB3AB}" type="pres">
       <dgm:prSet presAssocID="{803F9C41-0B7C-46D5-A84A-51E688A3D601}" presName="hierChild1" presStyleCnt="0">
@@ -5727,6 +5897,30 @@
       <dgm:prSet presAssocID="{C4698E69-17CF-4858-B15F-B6028C352A2D}" presName="hierChild2" presStyleCnt="0"/>
       <dgm:spPr/>
     </dgm:pt>
+    <dgm:pt modelId="{9549A2D0-7975-4C25-BCA2-6AED093AEAA1}" type="pres">
+      <dgm:prSet presAssocID="{21FD537B-64B1-480D-8097-9ED46EA0F852}" presName="hierRoot1" presStyleCnt="0"/>
+      <dgm:spPr/>
+    </dgm:pt>
+    <dgm:pt modelId="{79A734A8-9E64-4892-B7DD-62DD6A1999FD}" type="pres">
+      <dgm:prSet presAssocID="{21FD537B-64B1-480D-8097-9ED46EA0F852}" presName="composite" presStyleCnt="0"/>
+      <dgm:spPr/>
+    </dgm:pt>
+    <dgm:pt modelId="{23DBA986-D6A4-459F-927C-6C8164FF1B1C}" type="pres">
+      <dgm:prSet presAssocID="{21FD537B-64B1-480D-8097-9ED46EA0F852}" presName="background" presStyleLbl="node0" presStyleIdx="2" presStyleCnt="4"/>
+      <dgm:spPr/>
+    </dgm:pt>
+    <dgm:pt modelId="{3B264F07-3314-4445-BE95-79F6325640B9}" type="pres">
+      <dgm:prSet presAssocID="{21FD537B-64B1-480D-8097-9ED46EA0F852}" presName="text" presStyleLbl="fgAcc0" presStyleIdx="2" presStyleCnt="4">
+        <dgm:presLayoutVars>
+          <dgm:chPref val="3"/>
+        </dgm:presLayoutVars>
+      </dgm:prSet>
+      <dgm:spPr/>
+    </dgm:pt>
+    <dgm:pt modelId="{297E22DE-B0A9-44D6-A316-A6B304F62F28}" type="pres">
+      <dgm:prSet presAssocID="{21FD537B-64B1-480D-8097-9ED46EA0F852}" presName="hierChild2" presStyleCnt="0"/>
+      <dgm:spPr/>
+    </dgm:pt>
     <dgm:pt modelId="{D8B4281E-F199-4868-8408-9067B2DECB4E}" type="pres">
       <dgm:prSet presAssocID="{6C30B1F0-A681-4A70-A6F8-00657A10747A}" presName="hierRoot1" presStyleCnt="0"/>
       <dgm:spPr/>
@@ -5736,11 +5930,11 @@
       <dgm:spPr/>
     </dgm:pt>
     <dgm:pt modelId="{0C161332-3E82-4DD7-B9E2-603B911773F0}" type="pres">
-      <dgm:prSet presAssocID="{6C30B1F0-A681-4A70-A6F8-00657A10747A}" presName="background" presStyleLbl="node0" presStyleIdx="2" presStyleCnt="4"/>
+      <dgm:prSet presAssocID="{6C30B1F0-A681-4A70-A6F8-00657A10747A}" presName="background" presStyleLbl="node0" presStyleIdx="3" presStyleCnt="4"/>
       <dgm:spPr/>
     </dgm:pt>
     <dgm:pt modelId="{49D4FDDE-A372-454F-B0A1-04381E09C6CE}" type="pres">
-      <dgm:prSet presAssocID="{6C30B1F0-A681-4A70-A6F8-00657A10747A}" presName="text" presStyleLbl="fgAcc0" presStyleIdx="2" presStyleCnt="4">
+      <dgm:prSet presAssocID="{6C30B1F0-A681-4A70-A6F8-00657A10747A}" presName="text" presStyleLbl="fgAcc0" presStyleIdx="3" presStyleCnt="4">
         <dgm:presLayoutVars>
           <dgm:chPref val="3"/>
         </dgm:presLayoutVars>
@@ -5751,61 +5945,37 @@
       <dgm:prSet presAssocID="{6C30B1F0-A681-4A70-A6F8-00657A10747A}" presName="hierChild2" presStyleCnt="0"/>
       <dgm:spPr/>
     </dgm:pt>
-    <dgm:pt modelId="{F60B5E69-5795-4AA8-A6B1-9E5063BCDB52}" type="pres">
-      <dgm:prSet presAssocID="{9A95E03E-DC01-4B1B-A778-987E552C4A37}" presName="hierRoot1" presStyleCnt="0"/>
-      <dgm:spPr/>
-    </dgm:pt>
-    <dgm:pt modelId="{68B8E39B-0792-40BA-A740-6E9DA83CC650}" type="pres">
-      <dgm:prSet presAssocID="{9A95E03E-DC01-4B1B-A778-987E552C4A37}" presName="composite" presStyleCnt="0"/>
-      <dgm:spPr/>
-    </dgm:pt>
-    <dgm:pt modelId="{2B16FC6A-3383-4265-B565-CE52B1A983C1}" type="pres">
-      <dgm:prSet presAssocID="{9A95E03E-DC01-4B1B-A778-987E552C4A37}" presName="background" presStyleLbl="node0" presStyleIdx="3" presStyleCnt="4"/>
-      <dgm:spPr/>
-    </dgm:pt>
-    <dgm:pt modelId="{2097F72E-D9D0-4B61-91A3-C99B30BE14F7}" type="pres">
-      <dgm:prSet presAssocID="{9A95E03E-DC01-4B1B-A778-987E552C4A37}" presName="text" presStyleLbl="fgAcc0" presStyleIdx="3" presStyleCnt="4">
-        <dgm:presLayoutVars>
-          <dgm:chPref val="3"/>
-        </dgm:presLayoutVars>
-      </dgm:prSet>
-      <dgm:spPr/>
-    </dgm:pt>
-    <dgm:pt modelId="{1751C7C6-5914-4AE8-9EE6-08EF8C51F4DA}" type="pres">
-      <dgm:prSet presAssocID="{9A95E03E-DC01-4B1B-A778-987E552C4A37}" presName="hierChild2" presStyleCnt="0"/>
-      <dgm:spPr/>
-    </dgm:pt>
   </dgm:ptLst>
   <dgm:cxnLst>
     <dgm:cxn modelId="{3B399211-8AB1-4658-AF00-8F8667C815DB}" srcId="{803F9C41-0B7C-46D5-A84A-51E688A3D601}" destId="{C4698E69-17CF-4858-B15F-B6028C352A2D}" srcOrd="1" destOrd="0" parTransId="{113C0813-F207-4909-ADB5-AD4CDD65DCD4}" sibTransId="{12E58754-C7A1-4407-8554-5FD1270AEEF3}"/>
-    <dgm:cxn modelId="{D7F3A021-0058-42BF-ADEF-555453320E0A}" type="presOf" srcId="{C4698E69-17CF-4858-B15F-B6028C352A2D}" destId="{BA862F6B-170A-4E57-8233-5BE4F9905BCB}" srcOrd="0" destOrd="0" presId="urn:microsoft.com/office/officeart/2005/8/layout/hierarchy1"/>
     <dgm:cxn modelId="{1B69592C-B706-4F02-9FD2-8C7E3BB48CB4}" srcId="{803F9C41-0B7C-46D5-A84A-51E688A3D601}" destId="{0D2E4E2E-25B5-4D4E-A9F7-956137CB4B16}" srcOrd="0" destOrd="0" parTransId="{7B80C90D-AC2E-4BFD-8489-32E96BCEB3E8}" sibTransId="{E0610B52-3D9F-436A-809A-6B74703EEE32}"/>
+    <dgm:cxn modelId="{E528816A-BC48-4C51-A874-B29F393F83E1}" type="presOf" srcId="{C4698E69-17CF-4858-B15F-B6028C352A2D}" destId="{BA862F6B-170A-4E57-8233-5BE4F9905BCB}" srcOrd="0" destOrd="0" presId="urn:microsoft.com/office/officeart/2005/8/layout/hierarchy1"/>
     <dgm:cxn modelId="{271CBC4B-81C9-4BAE-A558-76C49AAA23D6}" type="presOf" srcId="{803F9C41-0B7C-46D5-A84A-51E688A3D601}" destId="{665A7224-D66A-45F7-ADCF-B121A06EB3AB}" srcOrd="0" destOrd="0" presId="urn:microsoft.com/office/officeart/2005/8/layout/hierarchy1"/>
-    <dgm:cxn modelId="{99DE5B53-3158-4A89-B387-AD209C3E9D96}" srcId="{803F9C41-0B7C-46D5-A84A-51E688A3D601}" destId="{6C30B1F0-A681-4A70-A6F8-00657A10747A}" srcOrd="2" destOrd="0" parTransId="{D1E94301-3270-44A7-BAA3-FB8323867ED3}" sibTransId="{0D683FBA-3A0F-4045-B92E-A93D82450B87}"/>
-    <dgm:cxn modelId="{2C1A4084-B813-4A28-9884-8B255D1224EF}" type="presOf" srcId="{9A95E03E-DC01-4B1B-A778-987E552C4A37}" destId="{2097F72E-D9D0-4B61-91A3-C99B30BE14F7}" srcOrd="0" destOrd="0" presId="urn:microsoft.com/office/officeart/2005/8/layout/hierarchy1"/>
-    <dgm:cxn modelId="{1D978B96-FD91-45C9-A809-FA7D5D7242F4}" type="presOf" srcId="{0D2E4E2E-25B5-4D4E-A9F7-956137CB4B16}" destId="{2E0DEFD8-165E-470D-9BD4-7E3610D974D9}" srcOrd="0" destOrd="0" presId="urn:microsoft.com/office/officeart/2005/8/layout/hierarchy1"/>
-    <dgm:cxn modelId="{CC9EA6EF-7647-4CE6-B57E-1B20AFE0DD08}" type="presOf" srcId="{6C30B1F0-A681-4A70-A6F8-00657A10747A}" destId="{49D4FDDE-A372-454F-B0A1-04381E09C6CE}" srcOrd="0" destOrd="0" presId="urn:microsoft.com/office/officeart/2005/8/layout/hierarchy1"/>
-    <dgm:cxn modelId="{F00199F2-C0E4-449C-8056-5BA195A3BE22}" srcId="{803F9C41-0B7C-46D5-A84A-51E688A3D601}" destId="{9A95E03E-DC01-4B1B-A778-987E552C4A37}" srcOrd="3" destOrd="0" parTransId="{83A844AE-4F36-443B-A0D5-791049FB10C1}" sibTransId="{49871633-9C95-4A64-ABD2-BEE24AF8C735}"/>
-    <dgm:cxn modelId="{27568764-E37E-442E-9421-E78852B5A64D}" type="presParOf" srcId="{665A7224-D66A-45F7-ADCF-B121A06EB3AB}" destId="{8938048F-8CE6-4E77-BA83-CC172148D889}" srcOrd="0" destOrd="0" presId="urn:microsoft.com/office/officeart/2005/8/layout/hierarchy1"/>
-    <dgm:cxn modelId="{CE371965-82BE-42A7-933E-73F0DF41AAED}" type="presParOf" srcId="{8938048F-8CE6-4E77-BA83-CC172148D889}" destId="{C5041EBF-9FE1-48AD-9135-E1F048DA3680}" srcOrd="0" destOrd="0" presId="urn:microsoft.com/office/officeart/2005/8/layout/hierarchy1"/>
-    <dgm:cxn modelId="{9A3E4B02-635F-4727-8668-5A76D9580730}" type="presParOf" srcId="{C5041EBF-9FE1-48AD-9135-E1F048DA3680}" destId="{8219765C-8A42-4132-A060-9C8C72D1E00A}" srcOrd="0" destOrd="0" presId="urn:microsoft.com/office/officeart/2005/8/layout/hierarchy1"/>
-    <dgm:cxn modelId="{C084BD38-7B20-45EB-90FE-17A794599741}" type="presParOf" srcId="{C5041EBF-9FE1-48AD-9135-E1F048DA3680}" destId="{2E0DEFD8-165E-470D-9BD4-7E3610D974D9}" srcOrd="1" destOrd="0" presId="urn:microsoft.com/office/officeart/2005/8/layout/hierarchy1"/>
-    <dgm:cxn modelId="{3AF6DCA9-6593-4E9D-A81E-2FDE39FFFABA}" type="presParOf" srcId="{8938048F-8CE6-4E77-BA83-CC172148D889}" destId="{D7676F09-C35C-47F9-8346-AE8B95B250BC}" srcOrd="1" destOrd="0" presId="urn:microsoft.com/office/officeart/2005/8/layout/hierarchy1"/>
-    <dgm:cxn modelId="{0D26A251-9162-4167-945F-475CBB8C8B99}" type="presParOf" srcId="{665A7224-D66A-45F7-ADCF-B121A06EB3AB}" destId="{7E252FDA-8A84-4AF9-BF84-CD1F0B0F827D}" srcOrd="1" destOrd="0" presId="urn:microsoft.com/office/officeart/2005/8/layout/hierarchy1"/>
-    <dgm:cxn modelId="{653ED488-F7CD-4C6F-ACF9-5A165A1DA543}" type="presParOf" srcId="{7E252FDA-8A84-4AF9-BF84-CD1F0B0F827D}" destId="{29DCDA3F-2D81-41CE-9D8B-5B033FF65CBC}" srcOrd="0" destOrd="0" presId="urn:microsoft.com/office/officeart/2005/8/layout/hierarchy1"/>
-    <dgm:cxn modelId="{434E276A-86BC-4C52-AC7E-D2B2D3A27DAA}" type="presParOf" srcId="{29DCDA3F-2D81-41CE-9D8B-5B033FF65CBC}" destId="{630871FA-6A53-44AE-B752-918DA73742AE}" srcOrd="0" destOrd="0" presId="urn:microsoft.com/office/officeart/2005/8/layout/hierarchy1"/>
-    <dgm:cxn modelId="{FF0D7C9B-BC09-4891-9455-2A456C8D528B}" type="presParOf" srcId="{29DCDA3F-2D81-41CE-9D8B-5B033FF65CBC}" destId="{BA862F6B-170A-4E57-8233-5BE4F9905BCB}" srcOrd="1" destOrd="0" presId="urn:microsoft.com/office/officeart/2005/8/layout/hierarchy1"/>
-    <dgm:cxn modelId="{74D43A6F-9CCA-43D0-B6A3-A0C622F24BD6}" type="presParOf" srcId="{7E252FDA-8A84-4AF9-BF84-CD1F0B0F827D}" destId="{9E47F350-F8C8-4D57-BF22-8177D1A23E1C}" srcOrd="1" destOrd="0" presId="urn:microsoft.com/office/officeart/2005/8/layout/hierarchy1"/>
-    <dgm:cxn modelId="{40FE790B-AECA-4AC3-AAE8-BE6EB5FFC8E1}" type="presParOf" srcId="{665A7224-D66A-45F7-ADCF-B121A06EB3AB}" destId="{D8B4281E-F199-4868-8408-9067B2DECB4E}" srcOrd="2" destOrd="0" presId="urn:microsoft.com/office/officeart/2005/8/layout/hierarchy1"/>
-    <dgm:cxn modelId="{7A13B7E3-2C7D-4C0F-8A73-62BD4EE2FDA1}" type="presParOf" srcId="{D8B4281E-F199-4868-8408-9067B2DECB4E}" destId="{A8564459-9EFC-4DB4-905A-6C492AEB54EB}" srcOrd="0" destOrd="0" presId="urn:microsoft.com/office/officeart/2005/8/layout/hierarchy1"/>
-    <dgm:cxn modelId="{5A489B22-DF68-4252-9888-3D95317854FE}" type="presParOf" srcId="{A8564459-9EFC-4DB4-905A-6C492AEB54EB}" destId="{0C161332-3E82-4DD7-B9E2-603B911773F0}" srcOrd="0" destOrd="0" presId="urn:microsoft.com/office/officeart/2005/8/layout/hierarchy1"/>
-    <dgm:cxn modelId="{40E2C468-A32E-412A-9AC5-74C005AFACD5}" type="presParOf" srcId="{A8564459-9EFC-4DB4-905A-6C492AEB54EB}" destId="{49D4FDDE-A372-454F-B0A1-04381E09C6CE}" srcOrd="1" destOrd="0" presId="urn:microsoft.com/office/officeart/2005/8/layout/hierarchy1"/>
-    <dgm:cxn modelId="{1A2DF042-038B-4446-95C7-09735EB78DBF}" type="presParOf" srcId="{D8B4281E-F199-4868-8408-9067B2DECB4E}" destId="{0EAD1C06-B919-4B8C-BBC3-597B1E8C1383}" srcOrd="1" destOrd="0" presId="urn:microsoft.com/office/officeart/2005/8/layout/hierarchy1"/>
-    <dgm:cxn modelId="{349FCB51-F491-4E1B-B62D-B414C38BAC5B}" type="presParOf" srcId="{665A7224-D66A-45F7-ADCF-B121A06EB3AB}" destId="{F60B5E69-5795-4AA8-A6B1-9E5063BCDB52}" srcOrd="3" destOrd="0" presId="urn:microsoft.com/office/officeart/2005/8/layout/hierarchy1"/>
-    <dgm:cxn modelId="{5171BD0B-4638-4EAD-9DD1-2B68F25C8269}" type="presParOf" srcId="{F60B5E69-5795-4AA8-A6B1-9E5063BCDB52}" destId="{68B8E39B-0792-40BA-A740-6E9DA83CC650}" srcOrd="0" destOrd="0" presId="urn:microsoft.com/office/officeart/2005/8/layout/hierarchy1"/>
-    <dgm:cxn modelId="{E4ED3602-B6AD-4A17-85A6-81072DD01F01}" type="presParOf" srcId="{68B8E39B-0792-40BA-A740-6E9DA83CC650}" destId="{2B16FC6A-3383-4265-B565-CE52B1A983C1}" srcOrd="0" destOrd="0" presId="urn:microsoft.com/office/officeart/2005/8/layout/hierarchy1"/>
-    <dgm:cxn modelId="{7C591E33-BDF2-4D0C-B35D-D83AC0CBDEDC}" type="presParOf" srcId="{68B8E39B-0792-40BA-A740-6E9DA83CC650}" destId="{2097F72E-D9D0-4B61-91A3-C99B30BE14F7}" srcOrd="1" destOrd="0" presId="urn:microsoft.com/office/officeart/2005/8/layout/hierarchy1"/>
-    <dgm:cxn modelId="{37B64807-0A55-4B87-BA53-CAAA8BB9AA05}" type="presParOf" srcId="{F60B5E69-5795-4AA8-A6B1-9E5063BCDB52}" destId="{1751C7C6-5914-4AE8-9EE6-08EF8C51F4DA}" srcOrd="1" destOrd="0" presId="urn:microsoft.com/office/officeart/2005/8/layout/hierarchy1"/>
+    <dgm:cxn modelId="{35FFA970-E9CB-43AA-8833-FE9594640E58}" type="presOf" srcId="{0D2E4E2E-25B5-4D4E-A9F7-956137CB4B16}" destId="{2E0DEFD8-165E-470D-9BD4-7E3610D974D9}" srcOrd="0" destOrd="0" presId="urn:microsoft.com/office/officeart/2005/8/layout/hierarchy1"/>
+    <dgm:cxn modelId="{34C13353-A7E8-4F7B-947F-1DB14830948A}" type="presOf" srcId="{6C30B1F0-A681-4A70-A6F8-00657A10747A}" destId="{49D4FDDE-A372-454F-B0A1-04381E09C6CE}" srcOrd="0" destOrd="0" presId="urn:microsoft.com/office/officeart/2005/8/layout/hierarchy1"/>
+    <dgm:cxn modelId="{99DE5B53-3158-4A89-B387-AD209C3E9D96}" srcId="{803F9C41-0B7C-46D5-A84A-51E688A3D601}" destId="{6C30B1F0-A681-4A70-A6F8-00657A10747A}" srcOrd="3" destOrd="0" parTransId="{D1E94301-3270-44A7-BAA3-FB8323867ED3}" sibTransId="{0D683FBA-3A0F-4045-B92E-A93D82450B87}"/>
+    <dgm:cxn modelId="{405E497E-61E3-4FB8-A2A1-2FE842274476}" type="presOf" srcId="{21FD537B-64B1-480D-8097-9ED46EA0F852}" destId="{3B264F07-3314-4445-BE95-79F6325640B9}" srcOrd="0" destOrd="0" presId="urn:microsoft.com/office/officeart/2005/8/layout/hierarchy1"/>
+    <dgm:cxn modelId="{16937194-3172-4521-9B96-E0AB75DC8CEE}" srcId="{803F9C41-0B7C-46D5-A84A-51E688A3D601}" destId="{21FD537B-64B1-480D-8097-9ED46EA0F852}" srcOrd="2" destOrd="0" parTransId="{55232BC7-9D25-4340-8A46-DEB64294B476}" sibTransId="{60A3A506-9D37-4933-8161-823955E3C611}"/>
+    <dgm:cxn modelId="{F2F3D770-6810-4FF0-B763-89EF7168837B}" type="presParOf" srcId="{665A7224-D66A-45F7-ADCF-B121A06EB3AB}" destId="{8938048F-8CE6-4E77-BA83-CC172148D889}" srcOrd="0" destOrd="0" presId="urn:microsoft.com/office/officeart/2005/8/layout/hierarchy1"/>
+    <dgm:cxn modelId="{D41C4AD5-4E7F-4511-A426-DBB94351BE4D}" type="presParOf" srcId="{8938048F-8CE6-4E77-BA83-CC172148D889}" destId="{C5041EBF-9FE1-48AD-9135-E1F048DA3680}" srcOrd="0" destOrd="0" presId="urn:microsoft.com/office/officeart/2005/8/layout/hierarchy1"/>
+    <dgm:cxn modelId="{7488CCA9-5523-455E-8E64-894A8FC987D2}" type="presParOf" srcId="{C5041EBF-9FE1-48AD-9135-E1F048DA3680}" destId="{8219765C-8A42-4132-A060-9C8C72D1E00A}" srcOrd="0" destOrd="0" presId="urn:microsoft.com/office/officeart/2005/8/layout/hierarchy1"/>
+    <dgm:cxn modelId="{90198C37-4AD6-47D3-9714-702E490D16F4}" type="presParOf" srcId="{C5041EBF-9FE1-48AD-9135-E1F048DA3680}" destId="{2E0DEFD8-165E-470D-9BD4-7E3610D974D9}" srcOrd="1" destOrd="0" presId="urn:microsoft.com/office/officeart/2005/8/layout/hierarchy1"/>
+    <dgm:cxn modelId="{75B81038-AAA6-4124-84B0-765AB1CF2888}" type="presParOf" srcId="{8938048F-8CE6-4E77-BA83-CC172148D889}" destId="{D7676F09-C35C-47F9-8346-AE8B95B250BC}" srcOrd="1" destOrd="0" presId="urn:microsoft.com/office/officeart/2005/8/layout/hierarchy1"/>
+    <dgm:cxn modelId="{BCBA8063-BE3F-499E-B888-6B6F8960D457}" type="presParOf" srcId="{665A7224-D66A-45F7-ADCF-B121A06EB3AB}" destId="{7E252FDA-8A84-4AF9-BF84-CD1F0B0F827D}" srcOrd="1" destOrd="0" presId="urn:microsoft.com/office/officeart/2005/8/layout/hierarchy1"/>
+    <dgm:cxn modelId="{E7BD3284-82BA-4CC0-9FF6-208D93F8C7E8}" type="presParOf" srcId="{7E252FDA-8A84-4AF9-BF84-CD1F0B0F827D}" destId="{29DCDA3F-2D81-41CE-9D8B-5B033FF65CBC}" srcOrd="0" destOrd="0" presId="urn:microsoft.com/office/officeart/2005/8/layout/hierarchy1"/>
+    <dgm:cxn modelId="{F63B4D91-4624-4E3C-9614-5DEF709BD963}" type="presParOf" srcId="{29DCDA3F-2D81-41CE-9D8B-5B033FF65CBC}" destId="{630871FA-6A53-44AE-B752-918DA73742AE}" srcOrd="0" destOrd="0" presId="urn:microsoft.com/office/officeart/2005/8/layout/hierarchy1"/>
+    <dgm:cxn modelId="{BE496B20-DC5A-449A-9FA3-13AD3D2E2739}" type="presParOf" srcId="{29DCDA3F-2D81-41CE-9D8B-5B033FF65CBC}" destId="{BA862F6B-170A-4E57-8233-5BE4F9905BCB}" srcOrd="1" destOrd="0" presId="urn:microsoft.com/office/officeart/2005/8/layout/hierarchy1"/>
+    <dgm:cxn modelId="{66F31631-ED58-4BC2-B08B-029E68AC27AF}" type="presParOf" srcId="{7E252FDA-8A84-4AF9-BF84-CD1F0B0F827D}" destId="{9E47F350-F8C8-4D57-BF22-8177D1A23E1C}" srcOrd="1" destOrd="0" presId="urn:microsoft.com/office/officeart/2005/8/layout/hierarchy1"/>
+    <dgm:cxn modelId="{82B052C1-F953-46E5-91EE-3D8C4A27D7FA}" type="presParOf" srcId="{665A7224-D66A-45F7-ADCF-B121A06EB3AB}" destId="{9549A2D0-7975-4C25-BCA2-6AED093AEAA1}" srcOrd="2" destOrd="0" presId="urn:microsoft.com/office/officeart/2005/8/layout/hierarchy1"/>
+    <dgm:cxn modelId="{EE35AB8F-E97F-4DD6-85DD-15B2C5DDE20F}" type="presParOf" srcId="{9549A2D0-7975-4C25-BCA2-6AED093AEAA1}" destId="{79A734A8-9E64-4892-B7DD-62DD6A1999FD}" srcOrd="0" destOrd="0" presId="urn:microsoft.com/office/officeart/2005/8/layout/hierarchy1"/>
+    <dgm:cxn modelId="{A67CA752-92D7-4F03-8C4B-FAE8F223C506}" type="presParOf" srcId="{79A734A8-9E64-4892-B7DD-62DD6A1999FD}" destId="{23DBA986-D6A4-459F-927C-6C8164FF1B1C}" srcOrd="0" destOrd="0" presId="urn:microsoft.com/office/officeart/2005/8/layout/hierarchy1"/>
+    <dgm:cxn modelId="{743CE299-C431-4ED0-9FE8-0C4A5B776E37}" type="presParOf" srcId="{79A734A8-9E64-4892-B7DD-62DD6A1999FD}" destId="{3B264F07-3314-4445-BE95-79F6325640B9}" srcOrd="1" destOrd="0" presId="urn:microsoft.com/office/officeart/2005/8/layout/hierarchy1"/>
+    <dgm:cxn modelId="{7E473135-931C-4213-BC01-33B40A55E7BD}" type="presParOf" srcId="{9549A2D0-7975-4C25-BCA2-6AED093AEAA1}" destId="{297E22DE-B0A9-44D6-A316-A6B304F62F28}" srcOrd="1" destOrd="0" presId="urn:microsoft.com/office/officeart/2005/8/layout/hierarchy1"/>
+    <dgm:cxn modelId="{9A4E6487-DF15-4D78-9D16-561761E2ED1A}" type="presParOf" srcId="{665A7224-D66A-45F7-ADCF-B121A06EB3AB}" destId="{D8B4281E-F199-4868-8408-9067B2DECB4E}" srcOrd="3" destOrd="0" presId="urn:microsoft.com/office/officeart/2005/8/layout/hierarchy1"/>
+    <dgm:cxn modelId="{4D4C8B9A-0C50-463E-BBBC-1640E54B1190}" type="presParOf" srcId="{D8B4281E-F199-4868-8408-9067B2DECB4E}" destId="{A8564459-9EFC-4DB4-905A-6C492AEB54EB}" srcOrd="0" destOrd="0" presId="urn:microsoft.com/office/officeart/2005/8/layout/hierarchy1"/>
+    <dgm:cxn modelId="{6056CCCE-B8ED-4B8F-B8B7-9FAB2AFD81B4}" type="presParOf" srcId="{A8564459-9EFC-4DB4-905A-6C492AEB54EB}" destId="{0C161332-3E82-4DD7-B9E2-603B911773F0}" srcOrd="0" destOrd="0" presId="urn:microsoft.com/office/officeart/2005/8/layout/hierarchy1"/>
+    <dgm:cxn modelId="{1A27AE5E-001A-4A66-87D1-3EE8882A58AB}" type="presParOf" srcId="{A8564459-9EFC-4DB4-905A-6C492AEB54EB}" destId="{49D4FDDE-A372-454F-B0A1-04381E09C6CE}" srcOrd="1" destOrd="0" presId="urn:microsoft.com/office/officeart/2005/8/layout/hierarchy1"/>
+    <dgm:cxn modelId="{1E0E0CA5-2B45-43EF-858B-D1B68ED18AAC}" type="presParOf" srcId="{D8B4281E-F199-4868-8408-9067B2DECB4E}" destId="{0EAD1C06-B919-4B8C-BBC3-597B1E8C1383}" srcOrd="1" destOrd="0" presId="urn:microsoft.com/office/officeart/2005/8/layout/hierarchy1"/>
   </dgm:cxnLst>
   <dgm:bg/>
   <dgm:whole/>
@@ -6169,7 +6339,11 @@
             <a:buNone/>
           </a:pPr>
           <a:r>
-            <a:rPr lang="en-US" sz="2600" kern="1200"/>
+            <a:rPr lang="en-US" sz="2600" kern="1200" dirty="0">
+              <a:latin typeface="Franklin Gothic Medium"/>
+              <a:ea typeface="+mn-ea"/>
+              <a:cs typeface="+mn-cs"/>
+            </a:rPr>
             <a:t>FR1 – Website Form Submission</a:t>
           </a:r>
         </a:p>
@@ -6277,7 +6451,11 @@
             <a:buNone/>
           </a:pPr>
           <a:r>
-            <a:rPr lang="en-US" sz="2600" kern="1200"/>
+            <a:rPr lang="en-US" sz="2600" kern="1200" dirty="0">
+              <a:latin typeface="Franklin Gothic Medium"/>
+              <a:ea typeface="+mn-ea"/>
+              <a:cs typeface="+mn-cs"/>
+            </a:rPr>
             <a:t>FR2 – Submission Handling in Backend</a:t>
           </a:r>
         </a:p>
@@ -6385,7 +6563,11 @@
             <a:buNone/>
           </a:pPr>
           <a:r>
-            <a:rPr lang="en-US" sz="2600" kern="1200"/>
+            <a:rPr lang="en-US" sz="2600" kern="1200" dirty="0">
+              <a:latin typeface="Franklin Gothic Medium"/>
+              <a:ea typeface="+mn-ea"/>
+              <a:cs typeface="+mn-cs"/>
+            </a:rPr>
             <a:t>FR5 – Live Order Queue</a:t>
           </a:r>
         </a:p>
@@ -6493,7 +6675,11 @@
             <a:buNone/>
           </a:pPr>
           <a:r>
-            <a:rPr lang="en-US" sz="2600" kern="1200"/>
+            <a:rPr lang="en-US" sz="2600" kern="1200" dirty="0">
+              <a:latin typeface="Franklin Gothic Medium"/>
+              <a:ea typeface="+mn-ea"/>
+              <a:cs typeface="+mn-cs"/>
+            </a:rPr>
             <a:t>NFR3 – Cart list</a:t>
           </a:r>
         </a:p>
@@ -6601,7 +6787,11 @@
             <a:buNone/>
           </a:pPr>
           <a:r>
-            <a:rPr lang="en-US" sz="2600" kern="1200"/>
+            <a:rPr lang="en-US" sz="2600" kern="1200" dirty="0">
+              <a:latin typeface="Franklin Gothic Medium"/>
+              <a:ea typeface="+mn-ea"/>
+              <a:cs typeface="+mn-cs"/>
+            </a:rPr>
             <a:t>NFR4 – Order Confirmation</a:t>
           </a:r>
         </a:p>
@@ -6757,7 +6947,7 @@
         </a:bodyPr>
         <a:lstStyle/>
         <a:p>
-          <a:pPr marL="0" lvl="0" indent="0" algn="ctr" defTabSz="577850">
+          <a:pPr marL="0" lvl="0" indent="0" algn="ctr" defTabSz="577850" rtl="0">
             <a:lnSpc>
               <a:spcPct val="100000"/>
             </a:lnSpc>
@@ -6771,9 +6961,22 @@
             <a:defRPr cap="all"/>
           </a:pPr>
           <a:r>
-            <a:rPr lang="en-US" sz="1300" kern="1200"/>
-            <a:t>Requirement work assignment</a:t>
+            <a:rPr lang="en-US" sz="1300" kern="1200" dirty="0">
+              <a:latin typeface="Franklin Gothic Demi Cond" panose="020B0706030402020204"/>
+            </a:rPr>
+            <a:t>Assign work</a:t>
           </a:r>
+          <a:r>
+            <a:rPr lang="en-US" sz="1300" kern="1200" dirty="0"/>
+            <a:t> </a:t>
+          </a:r>
+          <a:r>
+            <a:rPr lang="en-US" sz="1300" kern="1200" dirty="0">
+              <a:latin typeface="Franklin Gothic Demi Cond" panose="020B0706030402020204"/>
+            </a:rPr>
+            <a:t>to team</a:t>
+          </a:r>
+          <a:endParaRPr lang="en-US" sz="1300" kern="1200" dirty="0"/>
         </a:p>
       </dsp:txBody>
       <dsp:txXfrm>
@@ -6929,7 +7132,7 @@
             <a:defRPr cap="all"/>
           </a:pPr>
           <a:r>
-            <a:rPr lang="en-US" sz="1300" kern="1200"/>
+            <a:rPr lang="en-US" sz="1300" kern="1200" dirty="0"/>
             <a:t>Design WebApp UI</a:t>
           </a:r>
         </a:p>
@@ -7087,7 +7290,7 @@
             <a:defRPr cap="all"/>
           </a:pPr>
           <a:r>
-            <a:rPr lang="en-US" sz="1300" kern="1200"/>
+            <a:rPr lang="en-US" sz="1300" kern="1200" dirty="0"/>
             <a:t>Develop the backend order handling</a:t>
           </a:r>
         </a:p>
@@ -7245,7 +7448,7 @@
             <a:defRPr cap="all"/>
           </a:pPr>
           <a:r>
-            <a:rPr lang="en-US" sz="1300" kern="1200"/>
+            <a:rPr lang="en-US" sz="1300" kern="1200" dirty="0"/>
             <a:t>Ensure Client Requests Reach Backend</a:t>
           </a:r>
         </a:p>
@@ -7403,7 +7606,7 @@
             <a:defRPr cap="all"/>
           </a:pPr>
           <a:r>
-            <a:rPr lang="en-US" sz="1300" kern="1200"/>
+            <a:rPr lang="en-US" sz="1300" kern="1200" dirty="0"/>
             <a:t>Testing and bug-fixing</a:t>
           </a:r>
         </a:p>
@@ -7561,7 +7764,7 @@
             <a:defRPr cap="all"/>
           </a:pPr>
           <a:r>
-            <a:rPr lang="en-US" sz="1300" kern="1200"/>
+            <a:rPr lang="en-US" sz="1300" kern="1200" dirty="0"/>
             <a:t>Release</a:t>
           </a:r>
         </a:p>
@@ -7590,8 +7793,8 @@
       </dsp:nvSpPr>
       <dsp:spPr>
         <a:xfrm>
-          <a:off x="3008" y="1001437"/>
-          <a:ext cx="2148005" cy="1363983"/>
+          <a:off x="3491" y="1149482"/>
+          <a:ext cx="2492713" cy="1582873"/>
         </a:xfrm>
         <a:prstGeom prst="roundRect">
           <a:avLst>
@@ -7642,8 +7845,8 @@
       </dsp:nvSpPr>
       <dsp:spPr>
         <a:xfrm>
-          <a:off x="241675" y="1228171"/>
-          <a:ext cx="2148005" cy="1363983"/>
+          <a:off x="280459" y="1412601"/>
+          <a:ext cx="2492713" cy="1582873"/>
         </a:xfrm>
         <a:prstGeom prst="roundRect">
           <a:avLst>
@@ -7686,12 +7889,12 @@
         <a:fontRef idx="minor"/>
       </dsp:style>
       <dsp:txBody>
-        <a:bodyPr spcFirstLastPara="0" vert="horz" wrap="square" lIns="76200" tIns="76200" rIns="76200" bIns="76200" numCol="1" spcCol="1270" anchor="ctr" anchorCtr="0">
+        <a:bodyPr spcFirstLastPara="0" vert="horz" wrap="square" lIns="87630" tIns="87630" rIns="87630" bIns="87630" numCol="1" spcCol="1270" anchor="ctr" anchorCtr="0">
           <a:noAutofit/>
         </a:bodyPr>
         <a:lstStyle/>
         <a:p>
-          <a:pPr marL="0" lvl="0" indent="0" algn="ctr" defTabSz="889000">
+          <a:pPr marL="0" lvl="0" indent="0" algn="ctr" defTabSz="1022350">
             <a:lnSpc>
               <a:spcPct val="90000"/>
             </a:lnSpc>
@@ -7704,15 +7907,23 @@
             <a:buNone/>
           </a:pPr>
           <a:r>
-            <a:rPr lang="en-US" sz="2000" kern="1200" baseline="0"/>
+            <a:rPr lang="en-US" sz="2300" kern="1200" baseline="0" dirty="0">
+              <a:latin typeface="Franklin Gothic Medium" panose="020B0603020102020204"/>
+              <a:ea typeface="+mn-ea"/>
+              <a:cs typeface="+mn-cs"/>
+            </a:rPr>
             <a:t>Sean Staley – Project Manager / Frontend Engineer</a:t>
           </a:r>
-          <a:endParaRPr lang="en-US" sz="2000" kern="1200"/>
+          <a:endParaRPr lang="en-US" sz="2300" kern="1200" dirty="0">
+            <a:latin typeface="Franklin Gothic Medium" panose="020B0603020102020204"/>
+            <a:ea typeface="+mn-ea"/>
+            <a:cs typeface="+mn-cs"/>
+          </a:endParaRPr>
         </a:p>
       </dsp:txBody>
       <dsp:txXfrm>
-        <a:off x="281625" y="1268121"/>
-        <a:ext cx="2068105" cy="1284083"/>
+        <a:off x="326820" y="1458962"/>
+        <a:ext cx="2399991" cy="1490151"/>
       </dsp:txXfrm>
     </dsp:sp>
     <dsp:sp modelId="{630871FA-6A53-44AE-B752-918DA73742AE}">
@@ -7722,8 +7933,8 @@
       </dsp:nvSpPr>
       <dsp:spPr>
         <a:xfrm>
-          <a:off x="2628349" y="1001437"/>
-          <a:ext cx="2148005" cy="1363983"/>
+          <a:off x="3050141" y="1149482"/>
+          <a:ext cx="2492713" cy="1582873"/>
         </a:xfrm>
         <a:prstGeom prst="roundRect">
           <a:avLst>
@@ -7774,8 +7985,8 @@
       </dsp:nvSpPr>
       <dsp:spPr>
         <a:xfrm>
-          <a:off x="2867016" y="1228171"/>
-          <a:ext cx="2148005" cy="1363983"/>
+          <a:off x="3327109" y="1412601"/>
+          <a:ext cx="2492713" cy="1582873"/>
         </a:xfrm>
         <a:prstGeom prst="roundRect">
           <a:avLst>
@@ -7818,12 +8029,12 @@
         <a:fontRef idx="minor"/>
       </dsp:style>
       <dsp:txBody>
-        <a:bodyPr spcFirstLastPara="0" vert="horz" wrap="square" lIns="76200" tIns="76200" rIns="76200" bIns="76200" numCol="1" spcCol="1270" anchor="ctr" anchorCtr="0">
+        <a:bodyPr spcFirstLastPara="0" vert="horz" wrap="square" lIns="87630" tIns="87630" rIns="87630" bIns="87630" numCol="1" spcCol="1270" anchor="ctr" anchorCtr="0">
           <a:noAutofit/>
         </a:bodyPr>
         <a:lstStyle/>
         <a:p>
-          <a:pPr marL="0" lvl="0" indent="0" algn="ctr" defTabSz="889000">
+          <a:pPr marL="0" lvl="0" indent="0" algn="ctr" defTabSz="1022350">
             <a:lnSpc>
               <a:spcPct val="90000"/>
             </a:lnSpc>
@@ -7836,15 +8047,163 @@
             <a:buNone/>
           </a:pPr>
           <a:r>
-            <a:rPr lang="en-US" sz="2000" kern="1200" baseline="0" dirty="0"/>
+            <a:rPr lang="en-US" sz="2300" kern="1200" baseline="0" dirty="0">
+              <a:latin typeface="Franklin Gothic Medium" panose="020B0603020102020204"/>
+              <a:ea typeface="+mn-ea"/>
+              <a:cs typeface="+mn-cs"/>
+            </a:rPr>
             <a:t>Jaden Wattley – Backend Engineer / Product Engineer</a:t>
           </a:r>
-          <a:endParaRPr lang="en-US" sz="2000" kern="1200" dirty="0"/>
+          <a:endParaRPr lang="en-US" sz="2300" kern="1200" dirty="0">
+            <a:latin typeface="Franklin Gothic Medium" panose="020B0603020102020204"/>
+            <a:ea typeface="+mn-ea"/>
+            <a:cs typeface="+mn-cs"/>
+          </a:endParaRPr>
         </a:p>
       </dsp:txBody>
       <dsp:txXfrm>
-        <a:off x="2906966" y="1268121"/>
-        <a:ext cx="2068105" cy="1284083"/>
+        <a:off x="3373470" y="1458962"/>
+        <a:ext cx="2399991" cy="1490151"/>
+      </dsp:txXfrm>
+    </dsp:sp>
+    <dsp:sp modelId="{23DBA986-D6A4-459F-927C-6C8164FF1B1C}">
+      <dsp:nvSpPr>
+        <dsp:cNvPr id="0" name=""/>
+        <dsp:cNvSpPr/>
+      </dsp:nvSpPr>
+      <dsp:spPr>
+        <a:xfrm>
+          <a:off x="6096791" y="1149482"/>
+          <a:ext cx="2492713" cy="1582873"/>
+        </a:xfrm>
+        <a:prstGeom prst="roundRect">
+          <a:avLst>
+            <a:gd name="adj" fmla="val 10000"/>
+          </a:avLst>
+        </a:prstGeom>
+        <a:solidFill>
+          <a:schemeClr val="accent4">
+            <a:hueOff val="0"/>
+            <a:satOff val="0"/>
+            <a:lumOff val="0"/>
+            <a:alphaOff val="0"/>
+          </a:schemeClr>
+        </a:solidFill>
+        <a:ln w="19050" cap="flat" cmpd="sng" algn="ctr">
+          <a:solidFill>
+            <a:schemeClr val="lt1">
+              <a:hueOff val="0"/>
+              <a:satOff val="0"/>
+              <a:lumOff val="0"/>
+              <a:alphaOff val="0"/>
+            </a:schemeClr>
+          </a:solidFill>
+          <a:prstDash val="solid"/>
+          <a:miter lim="800000"/>
+        </a:ln>
+        <a:effectLst/>
+      </dsp:spPr>
+      <dsp:style>
+        <a:lnRef idx="3">
+          <a:scrgbClr r="0" g="0" b="0"/>
+        </a:lnRef>
+        <a:fillRef idx="1">
+          <a:scrgbClr r="0" g="0" b="0"/>
+        </a:fillRef>
+        <a:effectRef idx="1">
+          <a:scrgbClr r="0" g="0" b="0"/>
+        </a:effectRef>
+        <a:fontRef idx="minor">
+          <a:schemeClr val="lt1"/>
+        </a:fontRef>
+      </dsp:style>
+    </dsp:sp>
+    <dsp:sp modelId="{3B264F07-3314-4445-BE95-79F6325640B9}">
+      <dsp:nvSpPr>
+        <dsp:cNvPr id="0" name=""/>
+        <dsp:cNvSpPr/>
+      </dsp:nvSpPr>
+      <dsp:spPr>
+        <a:xfrm>
+          <a:off x="6373759" y="1412601"/>
+          <a:ext cx="2492713" cy="1582873"/>
+        </a:xfrm>
+        <a:prstGeom prst="roundRect">
+          <a:avLst>
+            <a:gd name="adj" fmla="val 10000"/>
+          </a:avLst>
+        </a:prstGeom>
+        <a:solidFill>
+          <a:schemeClr val="lt1">
+            <a:alpha val="90000"/>
+            <a:hueOff val="0"/>
+            <a:satOff val="0"/>
+            <a:lumOff val="0"/>
+            <a:alphaOff val="0"/>
+          </a:schemeClr>
+        </a:solidFill>
+        <a:ln w="12700" cap="flat" cmpd="sng" algn="ctr">
+          <a:solidFill>
+            <a:schemeClr val="accent4">
+              <a:hueOff val="0"/>
+              <a:satOff val="0"/>
+              <a:lumOff val="0"/>
+              <a:alphaOff val="0"/>
+            </a:schemeClr>
+          </a:solidFill>
+          <a:prstDash val="solid"/>
+          <a:miter lim="800000"/>
+        </a:ln>
+        <a:effectLst/>
+      </dsp:spPr>
+      <dsp:style>
+        <a:lnRef idx="2">
+          <a:scrgbClr r="0" g="0" b="0"/>
+        </a:lnRef>
+        <a:fillRef idx="1">
+          <a:scrgbClr r="0" g="0" b="0"/>
+        </a:fillRef>
+        <a:effectRef idx="0">
+          <a:scrgbClr r="0" g="0" b="0"/>
+        </a:effectRef>
+        <a:fontRef idx="minor"/>
+      </dsp:style>
+      <dsp:txBody>
+        <a:bodyPr spcFirstLastPara="0" vert="horz" wrap="square" lIns="87630" tIns="87630" rIns="87630" bIns="87630" numCol="1" spcCol="1270" anchor="ctr" anchorCtr="0">
+          <a:noAutofit/>
+        </a:bodyPr>
+        <a:lstStyle/>
+        <a:p>
+          <a:pPr marL="0" lvl="0" indent="0" algn="ctr" defTabSz="1022350" rtl="0">
+            <a:lnSpc>
+              <a:spcPct val="90000"/>
+            </a:lnSpc>
+            <a:spcBef>
+              <a:spcPct val="0"/>
+            </a:spcBef>
+            <a:spcAft>
+              <a:spcPct val="35000"/>
+            </a:spcAft>
+            <a:buNone/>
+          </a:pPr>
+          <a:r>
+            <a:rPr lang="en-US" sz="2300" kern="1200" baseline="0" dirty="0">
+              <a:latin typeface="Franklin Gothic Medium"/>
+              <a:ea typeface="Calibri"/>
+              <a:cs typeface="Calibri"/>
+            </a:rPr>
+            <a:t>Robert Wickliffe – Full Stack Dev</a:t>
+          </a:r>
+          <a:endParaRPr lang="en-US" sz="2300" kern="1200" baseline="0" dirty="0">
+            <a:latin typeface="Franklin Gothic Medium"/>
+            <a:ea typeface="+mn-ea"/>
+            <a:cs typeface="+mn-cs"/>
+          </a:endParaRPr>
+        </a:p>
+      </dsp:txBody>
+      <dsp:txXfrm>
+        <a:off x="6420120" y="1458962"/>
+        <a:ext cx="2399991" cy="1490151"/>
       </dsp:txXfrm>
     </dsp:sp>
     <dsp:sp modelId="{0C161332-3E82-4DD7-B9E2-603B911773F0}">
@@ -7854,8 +8213,8 @@
       </dsp:nvSpPr>
       <dsp:spPr>
         <a:xfrm>
-          <a:off x="5253689" y="1001437"/>
-          <a:ext cx="2148005" cy="1363983"/>
+          <a:off x="9143441" y="1149482"/>
+          <a:ext cx="2492713" cy="1582873"/>
         </a:xfrm>
         <a:prstGeom prst="roundRect">
           <a:avLst>
@@ -7906,8 +8265,8 @@
       </dsp:nvSpPr>
       <dsp:spPr>
         <a:xfrm>
-          <a:off x="5492356" y="1228171"/>
-          <a:ext cx="2148005" cy="1363983"/>
+          <a:off x="9420409" y="1412601"/>
+          <a:ext cx="2492713" cy="1582873"/>
         </a:xfrm>
         <a:prstGeom prst="roundRect">
           <a:avLst>
@@ -7950,12 +8309,12 @@
         <a:fontRef idx="minor"/>
       </dsp:style>
       <dsp:txBody>
-        <a:bodyPr spcFirstLastPara="0" vert="horz" wrap="square" lIns="76200" tIns="76200" rIns="76200" bIns="76200" numCol="1" spcCol="1270" anchor="ctr" anchorCtr="0">
+        <a:bodyPr spcFirstLastPara="0" vert="horz" wrap="square" lIns="87630" tIns="87630" rIns="87630" bIns="87630" numCol="1" spcCol="1270" anchor="ctr" anchorCtr="0">
           <a:noAutofit/>
         </a:bodyPr>
         <a:lstStyle/>
         <a:p>
-          <a:pPr marL="0" lvl="0" indent="0" algn="ctr" defTabSz="889000">
+          <a:pPr marL="0" lvl="0" indent="0" algn="ctr" defTabSz="1022350" rtl="0">
             <a:lnSpc>
               <a:spcPct val="90000"/>
             </a:lnSpc>
@@ -7968,147 +8327,26 @@
             <a:buNone/>
           </a:pPr>
           <a:r>
-            <a:rPr lang="en-US" sz="2000" kern="1200" baseline="0" dirty="0"/>
-            <a:t>Connor Raque – None</a:t>
+            <a:rPr lang="en-US" sz="2300" kern="1200" baseline="0" dirty="0">
+              <a:latin typeface="Franklin Gothic Medium" panose="020B0603020102020204"/>
+              <a:ea typeface="+mn-ea"/>
+              <a:cs typeface="+mn-cs"/>
+            </a:rPr>
+            <a:t>Connor Raque – </a:t>
           </a:r>
-          <a:endParaRPr lang="en-US" sz="2000" kern="1200" dirty="0"/>
+          <a:r>
+            <a:rPr lang="en-US" sz="2300" b="1" kern="1200" baseline="0" dirty="0">
+              <a:latin typeface="Franklin Gothic Demi Cond" panose="020B0706030402020204"/>
+              <a:ea typeface="+mn-ea"/>
+              <a:cs typeface="+mn-cs"/>
+            </a:rPr>
+            <a:t>None</a:t>
+          </a:r>
         </a:p>
       </dsp:txBody>
       <dsp:txXfrm>
-        <a:off x="5532306" y="1268121"/>
-        <a:ext cx="2068105" cy="1284083"/>
-      </dsp:txXfrm>
-    </dsp:sp>
-    <dsp:sp modelId="{2B16FC6A-3383-4265-B565-CE52B1A983C1}">
-      <dsp:nvSpPr>
-        <dsp:cNvPr id="0" name=""/>
-        <dsp:cNvSpPr/>
-      </dsp:nvSpPr>
-      <dsp:spPr>
-        <a:xfrm>
-          <a:off x="7879030" y="1001437"/>
-          <a:ext cx="2148005" cy="1363983"/>
-        </a:xfrm>
-        <a:prstGeom prst="roundRect">
-          <a:avLst>
-            <a:gd name="adj" fmla="val 10000"/>
-          </a:avLst>
-        </a:prstGeom>
-        <a:solidFill>
-          <a:schemeClr val="accent4">
-            <a:hueOff val="0"/>
-            <a:satOff val="0"/>
-            <a:lumOff val="0"/>
-            <a:alphaOff val="0"/>
-          </a:schemeClr>
-        </a:solidFill>
-        <a:ln w="19050" cap="flat" cmpd="sng" algn="ctr">
-          <a:solidFill>
-            <a:schemeClr val="lt1">
-              <a:hueOff val="0"/>
-              <a:satOff val="0"/>
-              <a:lumOff val="0"/>
-              <a:alphaOff val="0"/>
-            </a:schemeClr>
-          </a:solidFill>
-          <a:prstDash val="solid"/>
-          <a:miter lim="800000"/>
-        </a:ln>
-        <a:effectLst/>
-      </dsp:spPr>
-      <dsp:style>
-        <a:lnRef idx="3">
-          <a:scrgbClr r="0" g="0" b="0"/>
-        </a:lnRef>
-        <a:fillRef idx="1">
-          <a:scrgbClr r="0" g="0" b="0"/>
-        </a:fillRef>
-        <a:effectRef idx="1">
-          <a:scrgbClr r="0" g="0" b="0"/>
-        </a:effectRef>
-        <a:fontRef idx="minor">
-          <a:schemeClr val="lt1"/>
-        </a:fontRef>
-      </dsp:style>
-    </dsp:sp>
-    <dsp:sp modelId="{2097F72E-D9D0-4B61-91A3-C99B30BE14F7}">
-      <dsp:nvSpPr>
-        <dsp:cNvPr id="0" name=""/>
-        <dsp:cNvSpPr/>
-      </dsp:nvSpPr>
-      <dsp:spPr>
-        <a:xfrm>
-          <a:off x="8117697" y="1228171"/>
-          <a:ext cx="2148005" cy="1363983"/>
-        </a:xfrm>
-        <a:prstGeom prst="roundRect">
-          <a:avLst>
-            <a:gd name="adj" fmla="val 10000"/>
-          </a:avLst>
-        </a:prstGeom>
-        <a:solidFill>
-          <a:schemeClr val="lt1">
-            <a:alpha val="90000"/>
-            <a:hueOff val="0"/>
-            <a:satOff val="0"/>
-            <a:lumOff val="0"/>
-            <a:alphaOff val="0"/>
-          </a:schemeClr>
-        </a:solidFill>
-        <a:ln w="12700" cap="flat" cmpd="sng" algn="ctr">
-          <a:solidFill>
-            <a:schemeClr val="accent4">
-              <a:hueOff val="0"/>
-              <a:satOff val="0"/>
-              <a:lumOff val="0"/>
-              <a:alphaOff val="0"/>
-            </a:schemeClr>
-          </a:solidFill>
-          <a:prstDash val="solid"/>
-          <a:miter lim="800000"/>
-        </a:ln>
-        <a:effectLst/>
-      </dsp:spPr>
-      <dsp:style>
-        <a:lnRef idx="2">
-          <a:scrgbClr r="0" g="0" b="0"/>
-        </a:lnRef>
-        <a:fillRef idx="1">
-          <a:scrgbClr r="0" g="0" b="0"/>
-        </a:fillRef>
-        <a:effectRef idx="0">
-          <a:scrgbClr r="0" g="0" b="0"/>
-        </a:effectRef>
-        <a:fontRef idx="minor"/>
-      </dsp:style>
-      <dsp:txBody>
-        <a:bodyPr spcFirstLastPara="0" vert="horz" wrap="square" lIns="76200" tIns="76200" rIns="76200" bIns="76200" numCol="1" spcCol="1270" anchor="ctr" anchorCtr="0">
-          <a:noAutofit/>
-        </a:bodyPr>
-        <a:lstStyle/>
-        <a:p>
-          <a:pPr marL="0" lvl="0" indent="0" algn="ctr" defTabSz="889000">
-            <a:lnSpc>
-              <a:spcPct val="90000"/>
-            </a:lnSpc>
-            <a:spcBef>
-              <a:spcPct val="0"/>
-            </a:spcBef>
-            <a:spcAft>
-              <a:spcPct val="35000"/>
-            </a:spcAft>
-            <a:buNone/>
-          </a:pPr>
-          <a:r>
-            <a:rPr lang="en-US" sz="2000" kern="1200" baseline="0" dirty="0"/>
-            <a:t>Robert Wickliffe – Full Stack Dev</a:t>
-          </a:r>
-          <a:endParaRPr lang="en-US" sz="2000" kern="1200" dirty="0"/>
-        </a:p>
-      </dsp:txBody>
-      <dsp:txXfrm>
-        <a:off x="8157647" y="1268121"/>
-        <a:ext cx="2068105" cy="1284083"/>
+        <a:off x="9466770" y="1458962"/>
+        <a:ext cx="2399991" cy="1490151"/>
       </dsp:txXfrm>
     </dsp:sp>
   </dsp:spTree>
@@ -13576,7 +13814,7 @@
             <a:fld id="{A37D6D71-8B28-4ED6-B932-04B197003D23}" type="datetimeFigureOut">
               <a:rPr lang="en-US" dirty="0"/>
               <a:pPr algn="r"/>
-              <a:t>9/15/2025</a:t>
+              <a:t>9/16/2025</a:t>
             </a:fld>
             <a:endParaRPr lang="en-US" dirty="0"/>
           </a:p>
@@ -13798,7 +14036,7 @@
             <a:fld id="{A37D6D71-8B28-4ED6-B932-04B197003D23}" type="datetimeFigureOut">
               <a:rPr lang="en-US" dirty="0"/>
               <a:pPr algn="r"/>
-              <a:t>9/15/2025</a:t>
+              <a:t>9/16/2025</a:t>
             </a:fld>
             <a:endParaRPr lang="en-US" dirty="0"/>
           </a:p>
@@ -14071,7 +14309,7 @@
             <a:fld id="{A37D6D71-8B28-4ED6-B932-04B197003D23}" type="datetimeFigureOut">
               <a:rPr lang="en-US" dirty="0"/>
               <a:pPr algn="r"/>
-              <a:t>9/15/2025</a:t>
+              <a:t>9/16/2025</a:t>
             </a:fld>
             <a:endParaRPr lang="en-US" dirty="0"/>
           </a:p>
@@ -14285,7 +14523,7 @@
             <a:fld id="{A37D6D71-8B28-4ED6-B932-04B197003D23}" type="datetimeFigureOut">
               <a:rPr lang="en-US" dirty="0"/>
               <a:pPr algn="r"/>
-              <a:t>9/15/2025</a:t>
+              <a:t>9/16/2025</a:t>
             </a:fld>
             <a:endParaRPr lang="en-US" dirty="0"/>
           </a:p>
@@ -14614,7 +14852,7 @@
             <a:fld id="{A37D6D71-8B28-4ED6-B932-04B197003D23}" type="datetimeFigureOut">
               <a:rPr lang="en-US" dirty="0"/>
               <a:pPr algn="r"/>
-              <a:t>9/15/2025</a:t>
+              <a:t>9/16/2025</a:t>
             </a:fld>
             <a:endParaRPr lang="en-US" dirty="0"/>
           </a:p>
@@ -14887,7 +15125,7 @@
             <a:fld id="{A37D6D71-8B28-4ED6-B932-04B197003D23}" type="datetimeFigureOut">
               <a:rPr lang="en-US" dirty="0"/>
               <a:pPr algn="r"/>
-              <a:t>9/15/2025</a:t>
+              <a:t>9/16/2025</a:t>
             </a:fld>
             <a:endParaRPr lang="en-US" dirty="0"/>
           </a:p>
@@ -15274,7 +15512,7 @@
             <a:fld id="{A37D6D71-8B28-4ED6-B932-04B197003D23}" type="datetimeFigureOut">
               <a:rPr lang="en-US" dirty="0"/>
               <a:pPr algn="r"/>
-              <a:t>9/15/2025</a:t>
+              <a:t>9/16/2025</a:t>
             </a:fld>
             <a:endParaRPr lang="en-US" dirty="0"/>
           </a:p>
@@ -15451,7 +15689,7 @@
             <a:fld id="{A37D6D71-8B28-4ED6-B932-04B197003D23}" type="datetimeFigureOut">
               <a:rPr lang="en-US" dirty="0"/>
               <a:pPr algn="r"/>
-              <a:t>9/15/2025</a:t>
+              <a:t>9/16/2025</a:t>
             </a:fld>
             <a:endParaRPr lang="en-US" dirty="0"/>
           </a:p>
@@ -15572,7 +15810,7 @@
             <a:fld id="{A37D6D71-8B28-4ED6-B932-04B197003D23}" type="datetimeFigureOut">
               <a:rPr lang="en-US" dirty="0"/>
               <a:pPr algn="r"/>
-              <a:t>9/15/2025</a:t>
+              <a:t>9/16/2025</a:t>
             </a:fld>
             <a:endParaRPr lang="en-US" dirty="0"/>
           </a:p>
@@ -15856,7 +16094,7 @@
             <a:fld id="{A37D6D71-8B28-4ED6-B932-04B197003D23}" type="datetimeFigureOut">
               <a:rPr lang="en-US" dirty="0"/>
               <a:pPr algn="r"/>
-              <a:t>9/15/2025</a:t>
+              <a:t>9/16/2025</a:t>
             </a:fld>
             <a:endParaRPr lang="en-US" dirty="0"/>
           </a:p>
@@ -16153,7 +16391,7 @@
             <a:fld id="{A37D6D71-8B28-4ED6-B932-04B197003D23}" type="datetimeFigureOut">
               <a:rPr lang="en-US" dirty="0"/>
               <a:pPr algn="r"/>
-              <a:t>9/15/2025</a:t>
+              <a:t>9/16/2025</a:t>
             </a:fld>
             <a:endParaRPr lang="en-US" dirty="0"/>
           </a:p>
@@ -16491,7 +16729,7 @@
             <a:fld id="{A37D6D71-8B28-4ED6-B932-04B197003D23}" type="datetimeFigureOut">
               <a:rPr lang="en-US" dirty="0"/>
               <a:pPr algn="r"/>
-              <a:t>9/15/2025</a:t>
+              <a:t>9/16/2025</a:t>
             </a:fld>
             <a:endParaRPr lang="en-US" spc="50" dirty="0"/>
           </a:p>
@@ -17169,14 +17407,14 @@
             <p:ph idx="1"/>
             <p:extLst>
               <p:ext uri="{D42A27DB-BD31-4B8C-83A1-F6EECF244321}">
-                <p14:modId xmlns:p14="http://schemas.microsoft.com/office/powerpoint/2010/main" val="2980228904"/>
+                <p14:modId xmlns:p14="http://schemas.microsoft.com/office/powerpoint/2010/main" val="3975279817"/>
               </p:ext>
             </p:extLst>
           </p:nvPr>
         </p:nvGraphicFramePr>
         <p:xfrm>
-          <a:off x="960120" y="2587752"/>
-          <a:ext cx="10268712" cy="3593592"/>
+          <a:off x="61828" y="2439070"/>
+          <a:ext cx="11916614" cy="4144957"/>
         </p:xfrm>
         <a:graphic>
           <a:graphicData uri="http://schemas.openxmlformats.org/drawingml/2006/diagram">
@@ -18136,13 +18374,13 @@
             <p:ph idx="1"/>
             <p:extLst>
               <p:ext uri="{D42A27DB-BD31-4B8C-83A1-F6EECF244321}">
-                <p14:modId xmlns:p14="http://schemas.microsoft.com/office/powerpoint/2010/main" val="2073863025"/>
+                <p14:modId xmlns:p14="http://schemas.microsoft.com/office/powerpoint/2010/main" val="435427960"/>
               </p:ext>
             </p:extLst>
           </p:nvPr>
         </p:nvGraphicFramePr>
         <p:xfrm>
-          <a:off x="960120" y="2587752"/>
+          <a:off x="2291070" y="1239384"/>
           <a:ext cx="10268712" cy="3593592"/>
         </p:xfrm>
         <a:graphic>
@@ -18205,13 +18443,13 @@
         </p:spPr>
         <p:txBody>
           <a:bodyPr anchor="ctr">
-            <a:normAutofit/>
+            <a:normAutofit fontScale="90000"/>
           </a:bodyPr>
           <a:lstStyle/>
           <a:p>
             <a:r>
               <a:rPr lang="en-US" dirty="0"/>
-              <a:t>Development Plan - Agile</a:t>
+              <a:t>Development Plan – Agile/Iterative</a:t>
             </a:r>
           </a:p>
         </p:txBody>

--- a/homeworks/Homework 1/Homework 1.pptx
+++ b/homeworks/Homework 1/Homework 1.pptx
@@ -125,14 +125,191 @@
 <file path=ppt/revisionInfo.xml><?xml version="1.0" encoding="utf-8"?>
 <p1510:revInfo xmlns:a="http://schemas.openxmlformats.org/drawingml/2006/main" xmlns:r="http://schemas.openxmlformats.org/officeDocument/2006/relationships" xmlns:p1510="http://schemas.microsoft.com/office/powerpoint/2015/10/main">
   <p1510:revLst>
-    <p1510:client id="{765B6454-1945-B9A9-DB4F-4D8891203318}" v="18" dt="2025-09-16T01:10:11.372"/>
-    <p1510:client id="{7FC9E883-C68B-4964-A306-A09B374A8666}" v="26" dt="2025-09-15T19:46:58.800"/>
+    <p1510:client id="{12F6DB4C-41BF-476D-B56E-CD38919E27BC}" v="2" dt="2025-12-01T15:36:39.362"/>
   </p1510:revLst>
 </p1510:revInfo>
 </file>
 
 <file path=ppt/changesInfos/changesInfo1.xml><?xml version="1.0" encoding="utf-8"?>
 <pc:chgInfo xmlns:a="http://schemas.openxmlformats.org/drawingml/2006/main" xmlns:r="http://schemas.openxmlformats.org/officeDocument/2006/relationships" xmlns:ac="http://schemas.microsoft.com/office/drawing/2013/main/command" xmlns:pc="http://schemas.microsoft.com/office/powerpoint/2013/main/command">
+  <pc:docChgLst>
+    <pc:chgData name="Staley, Sean" userId="S::ststal01@louisville.edu::5b65b0e7-e88b-4844-a922-92ee8e1c9235" providerId="AD" clId="Web-{B8EBD0BA-A7F4-EBE7-AEFD-E412CBF8902F}"/>
+    <pc:docChg chg="addSld delSld modSld">
+      <pc:chgData name="Staley, Sean" userId="S::ststal01@louisville.edu::5b65b0e7-e88b-4844-a922-92ee8e1c9235" providerId="AD" clId="Web-{B8EBD0BA-A7F4-EBE7-AEFD-E412CBF8902F}" dt="2025-09-12T04:53:44.231" v="364"/>
+      <pc:docMkLst>
+        <pc:docMk/>
+      </pc:docMkLst>
+      <pc:sldChg chg="addSp delSp modSp mod modClrScheme chgLayout">
+        <pc:chgData name="Staley, Sean" userId="S::ststal01@louisville.edu::5b65b0e7-e88b-4844-a922-92ee8e1c9235" providerId="AD" clId="Web-{B8EBD0BA-A7F4-EBE7-AEFD-E412CBF8902F}" dt="2025-09-12T04:52:05.465" v="347"/>
+        <pc:sldMkLst>
+          <pc:docMk/>
+          <pc:sldMk cId="109857222" sldId="256"/>
+        </pc:sldMkLst>
+      </pc:sldChg>
+      <pc:sldChg chg="add del">
+        <pc:chgData name="Staley, Sean" userId="S::ststal01@louisville.edu::5b65b0e7-e88b-4844-a922-92ee8e1c9235" providerId="AD" clId="Web-{B8EBD0BA-A7F4-EBE7-AEFD-E412CBF8902F}" dt="2025-09-12T04:49:41.637" v="326"/>
+        <pc:sldMkLst>
+          <pc:docMk/>
+          <pc:sldMk cId="2103210548" sldId="257"/>
+        </pc:sldMkLst>
+      </pc:sldChg>
+      <pc:sldChg chg="del">
+        <pc:chgData name="Staley, Sean" userId="S::ststal01@louisville.edu::5b65b0e7-e88b-4844-a922-92ee8e1c9235" providerId="AD" clId="Web-{B8EBD0BA-A7F4-EBE7-AEFD-E412CBF8902F}" dt="2025-09-12T04:44:51.762" v="300"/>
+        <pc:sldMkLst>
+          <pc:docMk/>
+          <pc:sldMk cId="651332071" sldId="258"/>
+        </pc:sldMkLst>
+      </pc:sldChg>
+      <pc:sldChg chg="addSp delSp modSp mod modClrScheme chgLayout">
+        <pc:chgData name="Staley, Sean" userId="S::ststal01@louisville.edu::5b65b0e7-e88b-4844-a922-92ee8e1c9235" providerId="AD" clId="Web-{B8EBD0BA-A7F4-EBE7-AEFD-E412CBF8902F}" dt="2025-09-12T04:53:08.247" v="355"/>
+        <pc:sldMkLst>
+          <pc:docMk/>
+          <pc:sldMk cId="1203497075" sldId="259"/>
+        </pc:sldMkLst>
+      </pc:sldChg>
+      <pc:sldChg chg="addSp delSp modSp mod modClrScheme chgLayout">
+        <pc:chgData name="Staley, Sean" userId="S::ststal01@louisville.edu::5b65b0e7-e88b-4844-a922-92ee8e1c9235" providerId="AD" clId="Web-{B8EBD0BA-A7F4-EBE7-AEFD-E412CBF8902F}" dt="2025-09-12T04:52:35.997" v="351"/>
+        <pc:sldMkLst>
+          <pc:docMk/>
+          <pc:sldMk cId="3752665594" sldId="261"/>
+        </pc:sldMkLst>
+      </pc:sldChg>
+      <pc:sldChg chg="addSp delSp modSp mod modClrScheme chgLayout">
+        <pc:chgData name="Staley, Sean" userId="S::ststal01@louisville.edu::5b65b0e7-e88b-4844-a922-92ee8e1c9235" providerId="AD" clId="Web-{B8EBD0BA-A7F4-EBE7-AEFD-E412CBF8902F}" dt="2025-09-12T04:53:44.231" v="364"/>
+        <pc:sldMkLst>
+          <pc:docMk/>
+          <pc:sldMk cId="841713580" sldId="262"/>
+        </pc:sldMkLst>
+      </pc:sldChg>
+      <pc:sldChg chg="modSp">
+        <pc:chgData name="Staley, Sean" userId="S::ststal01@louisville.edu::5b65b0e7-e88b-4844-a922-92ee8e1c9235" providerId="AD" clId="Web-{B8EBD0BA-A7F4-EBE7-AEFD-E412CBF8902F}" dt="2025-09-12T04:06:49.702" v="13" actId="20577"/>
+        <pc:sldMkLst>
+          <pc:docMk/>
+          <pc:sldMk cId="2835959447" sldId="263"/>
+        </pc:sldMkLst>
+      </pc:sldChg>
+      <pc:sldChg chg="modSp">
+        <pc:chgData name="Staley, Sean" userId="S::ststal01@louisville.edu::5b65b0e7-e88b-4844-a922-92ee8e1c9235" providerId="AD" clId="Web-{B8EBD0BA-A7F4-EBE7-AEFD-E412CBF8902F}" dt="2025-09-12T04:06:14.296" v="8" actId="20577"/>
+        <pc:sldMkLst>
+          <pc:docMk/>
+          <pc:sldMk cId="3361632356" sldId="264"/>
+        </pc:sldMkLst>
+      </pc:sldChg>
+      <pc:sldChg chg="modSp">
+        <pc:chgData name="Staley, Sean" userId="S::ststal01@louisville.edu::5b65b0e7-e88b-4844-a922-92ee8e1c9235" providerId="AD" clId="Web-{B8EBD0BA-A7F4-EBE7-AEFD-E412CBF8902F}" dt="2025-09-12T04:08:00.562" v="34" actId="20577"/>
+        <pc:sldMkLst>
+          <pc:docMk/>
+          <pc:sldMk cId="1331313356" sldId="265"/>
+        </pc:sldMkLst>
+      </pc:sldChg>
+      <pc:sldChg chg="modSp">
+        <pc:chgData name="Staley, Sean" userId="S::ststal01@louisville.edu::5b65b0e7-e88b-4844-a922-92ee8e1c9235" providerId="AD" clId="Web-{B8EBD0BA-A7F4-EBE7-AEFD-E412CBF8902F}" dt="2025-09-12T04:07:41.187" v="22" actId="20577"/>
+        <pc:sldMkLst>
+          <pc:docMk/>
+          <pc:sldMk cId="2626683754" sldId="266"/>
+        </pc:sldMkLst>
+      </pc:sldChg>
+      <pc:sldChg chg="addSp delSp modSp new mod modClrScheme chgLayout">
+        <pc:chgData name="Staley, Sean" userId="S::ststal01@louisville.edu::5b65b0e7-e88b-4844-a922-92ee8e1c9235" providerId="AD" clId="Web-{B8EBD0BA-A7F4-EBE7-AEFD-E412CBF8902F}" dt="2025-09-12T04:37:45.885" v="213" actId="1076"/>
+        <pc:sldMkLst>
+          <pc:docMk/>
+          <pc:sldMk cId="458856151" sldId="268"/>
+        </pc:sldMkLst>
+      </pc:sldChg>
+      <pc:sldChg chg="addSp delSp modSp new mod modClrScheme chgLayout">
+        <pc:chgData name="Staley, Sean" userId="S::ststal01@louisville.edu::5b65b0e7-e88b-4844-a922-92ee8e1c9235" providerId="AD" clId="Web-{B8EBD0BA-A7F4-EBE7-AEFD-E412CBF8902F}" dt="2025-09-12T04:48:02.434" v="311"/>
+        <pc:sldMkLst>
+          <pc:docMk/>
+          <pc:sldMk cId="2470439829" sldId="269"/>
+        </pc:sldMkLst>
+      </pc:sldChg>
+    </pc:docChg>
+  </pc:docChgLst>
+  <pc:docChgLst>
+    <pc:chgData name="Staley, Sean" userId="S::ststal01@louisville.edu::5b65b0e7-e88b-4844-a922-92ee8e1c9235" providerId="AD" clId="Web-{765B6454-1945-B9A9-DB4F-4D8891203318}"/>
+    <pc:docChg chg="modSld">
+      <pc:chgData name="Staley, Sean" userId="S::ststal01@louisville.edu::5b65b0e7-e88b-4844-a922-92ee8e1c9235" providerId="AD" clId="Web-{765B6454-1945-B9A9-DB4F-4D8891203318}" dt="2025-09-16T01:10:09.903" v="45" actId="20577"/>
+      <pc:docMkLst>
+        <pc:docMk/>
+      </pc:docMkLst>
+      <pc:sldChg chg="modSp">
+        <pc:chgData name="Staley, Sean" userId="S::ststal01@louisville.edu::5b65b0e7-e88b-4844-a922-92ee8e1c9235" providerId="AD" clId="Web-{765B6454-1945-B9A9-DB4F-4D8891203318}" dt="2025-09-16T01:10:09.903" v="45" actId="20577"/>
+        <pc:sldMkLst>
+          <pc:docMk/>
+          <pc:sldMk cId="841713580" sldId="262"/>
+        </pc:sldMkLst>
+      </pc:sldChg>
+      <pc:sldChg chg="modSp">
+        <pc:chgData name="Staley, Sean" userId="S::ststal01@louisville.edu::5b65b0e7-e88b-4844-a922-92ee8e1c9235" providerId="AD" clId="Web-{765B6454-1945-B9A9-DB4F-4D8891203318}" dt="2025-09-16T01:10:05.809" v="43" actId="20577"/>
+        <pc:sldMkLst>
+          <pc:docMk/>
+          <pc:sldMk cId="2470439829" sldId="269"/>
+        </pc:sldMkLst>
+      </pc:sldChg>
+    </pc:docChg>
+  </pc:docChgLst>
+  <pc:docChgLst>
+    <pc:chgData name="Wattley, Jaden" userId="S::jtwatt03@louisville.edu::473f42a4-82b8-4bb1-b33a-3982d1502758" providerId="AD" clId="Web-{9D841F7C-06F4-5F03-FB3C-D0834532C3DE}"/>
+    <pc:docChg chg="modSld">
+      <pc:chgData name="Wattley, Jaden" userId="S::jtwatt03@louisville.edu::473f42a4-82b8-4bb1-b33a-3982d1502758" providerId="AD" clId="Web-{9D841F7C-06F4-5F03-FB3C-D0834532C3DE}" dt="2025-09-11T00:28:55.687" v="416" actId="20577"/>
+      <pc:docMkLst>
+        <pc:docMk/>
+      </pc:docMkLst>
+      <pc:sldChg chg="modSp">
+        <pc:chgData name="Wattley, Jaden" userId="S::jtwatt03@louisville.edu::473f42a4-82b8-4bb1-b33a-3982d1502758" providerId="AD" clId="Web-{9D841F7C-06F4-5F03-FB3C-D0834532C3DE}" dt="2025-09-11T00:28:55.687" v="416" actId="20577"/>
+        <pc:sldMkLst>
+          <pc:docMk/>
+          <pc:sldMk cId="2103210548" sldId="257"/>
+        </pc:sldMkLst>
+      </pc:sldChg>
+      <pc:sldChg chg="modSp">
+        <pc:chgData name="Wattley, Jaden" userId="S::jtwatt03@louisville.edu::473f42a4-82b8-4bb1-b33a-3982d1502758" providerId="AD" clId="Web-{9D841F7C-06F4-5F03-FB3C-D0834532C3DE}" dt="2025-09-11T00:25:53.245" v="218" actId="20577"/>
+        <pc:sldMkLst>
+          <pc:docMk/>
+          <pc:sldMk cId="651332071" sldId="258"/>
+        </pc:sldMkLst>
+      </pc:sldChg>
+    </pc:docChg>
+  </pc:docChgLst>
+  <pc:docChgLst>
+    <pc:chgData name="Staley, Sean" userId="5b65b0e7-e88b-4844-a922-92ee8e1c9235" providerId="ADAL" clId="{14A9758F-EF8A-4C4D-8490-95FBF7E0905E}"/>
+    <pc:docChg chg="modSld">
+      <pc:chgData name="Staley, Sean" userId="5b65b0e7-e88b-4844-a922-92ee8e1c9235" providerId="ADAL" clId="{14A9758F-EF8A-4C4D-8490-95FBF7E0905E}" dt="2025-12-01T15:36:39.360" v="1"/>
+      <pc:docMkLst>
+        <pc:docMk/>
+      </pc:docMkLst>
+      <pc:sldChg chg="modSp">
+        <pc:chgData name="Staley, Sean" userId="5b65b0e7-e88b-4844-a922-92ee8e1c9235" providerId="ADAL" clId="{14A9758F-EF8A-4C4D-8490-95FBF7E0905E}" dt="2025-12-01T15:34:17.590" v="0"/>
+        <pc:sldMkLst>
+          <pc:docMk/>
+          <pc:sldMk cId="1203497075" sldId="259"/>
+        </pc:sldMkLst>
+        <pc:graphicFrameChg chg="mod">
+          <ac:chgData name="Staley, Sean" userId="5b65b0e7-e88b-4844-a922-92ee8e1c9235" providerId="ADAL" clId="{14A9758F-EF8A-4C4D-8490-95FBF7E0905E}" dt="2025-12-01T15:34:17.590" v="0"/>
+          <ac:graphicFrameMkLst>
+            <pc:docMk/>
+            <pc:sldMk cId="1203497075" sldId="259"/>
+            <ac:graphicFrameMk id="14" creationId="{1D290BEB-60E6-D522-DCB8-66471537872A}"/>
+          </ac:graphicFrameMkLst>
+        </pc:graphicFrameChg>
+      </pc:sldChg>
+      <pc:sldChg chg="modSp">
+        <pc:chgData name="Staley, Sean" userId="5b65b0e7-e88b-4844-a922-92ee8e1c9235" providerId="ADAL" clId="{14A9758F-EF8A-4C4D-8490-95FBF7E0905E}" dt="2025-12-01T15:36:39.360" v="1"/>
+        <pc:sldMkLst>
+          <pc:docMk/>
+          <pc:sldMk cId="3752665594" sldId="261"/>
+        </pc:sldMkLst>
+        <pc:graphicFrameChg chg="mod">
+          <ac:chgData name="Staley, Sean" userId="5b65b0e7-e88b-4844-a922-92ee8e1c9235" providerId="ADAL" clId="{14A9758F-EF8A-4C4D-8490-95FBF7E0905E}" dt="2025-12-01T15:36:39.360" v="1"/>
+          <ac:graphicFrameMkLst>
+            <pc:docMk/>
+            <pc:sldMk cId="3752665594" sldId="261"/>
+            <ac:graphicFrameMk id="5" creationId="{89EE04C2-4725-5169-C7F4-51E4EE5D9AB0}"/>
+          </ac:graphicFrameMkLst>
+        </pc:graphicFrameChg>
+      </pc:sldChg>
+    </pc:docChg>
+  </pc:docChgLst>
   <pc:docChgLst>
     <pc:chgData name="Staley, Sean" userId="S::ststal01@louisville.edu::5b65b0e7-e88b-4844-a922-92ee8e1c9235" providerId="AD" clId="Web-{6E268690-6EDC-BB23-CFFA-DB7A7D5359F5}"/>
     <pc:docChg chg="addSld delSld modSld sldOrd">
@@ -174,14 +351,6 @@
           <pc:docMk/>
           <pc:sldMk cId="2835959447" sldId="263"/>
         </pc:sldMkLst>
-        <pc:spChg chg="mod">
-          <ac:chgData name="Staley, Sean" userId="S::ststal01@louisville.edu::5b65b0e7-e88b-4844-a922-92ee8e1c9235" providerId="AD" clId="Web-{6E268690-6EDC-BB23-CFFA-DB7A7D5359F5}" dt="2025-09-12T03:59:06.153" v="104" actId="20577"/>
-          <ac:spMkLst>
-            <pc:docMk/>
-            <pc:sldMk cId="2835959447" sldId="263"/>
-            <ac:spMk id="3" creationId="{FD21E7DD-17EB-7AAE-18F0-3811F164F20C}"/>
-          </ac:spMkLst>
-        </pc:spChg>
       </pc:sldChg>
       <pc:sldChg chg="modSp">
         <pc:chgData name="Staley, Sean" userId="S::ststal01@louisville.edu::5b65b0e7-e88b-4844-a922-92ee8e1c9235" providerId="AD" clId="Web-{6E268690-6EDC-BB23-CFFA-DB7A7D5359F5}" dt="2025-09-12T03:55:33.919" v="24" actId="20577"/>
@@ -189,14 +358,6 @@
           <pc:docMk/>
           <pc:sldMk cId="3361632356" sldId="264"/>
         </pc:sldMkLst>
-        <pc:spChg chg="mod">
-          <ac:chgData name="Staley, Sean" userId="S::ststal01@louisville.edu::5b65b0e7-e88b-4844-a922-92ee8e1c9235" providerId="AD" clId="Web-{6E268690-6EDC-BB23-CFFA-DB7A7D5359F5}" dt="2025-09-12T03:55:33.919" v="24" actId="20577"/>
-          <ac:spMkLst>
-            <pc:docMk/>
-            <pc:sldMk cId="3361632356" sldId="264"/>
-            <ac:spMk id="3" creationId="{3EB76FBE-AAE9-8202-E038-8C6A1184DF99}"/>
-          </ac:spMkLst>
-        </pc:spChg>
       </pc:sldChg>
       <pc:sldChg chg="modSp">
         <pc:chgData name="Staley, Sean" userId="S::ststal01@louisville.edu::5b65b0e7-e88b-4844-a922-92ee8e1c9235" providerId="AD" clId="Web-{6E268690-6EDC-BB23-CFFA-DB7A7D5359F5}" dt="2025-09-12T03:58:41.700" v="102" actId="20577"/>
@@ -204,14 +365,6 @@
           <pc:docMk/>
           <pc:sldMk cId="1331313356" sldId="265"/>
         </pc:sldMkLst>
-        <pc:spChg chg="mod">
-          <ac:chgData name="Staley, Sean" userId="S::ststal01@louisville.edu::5b65b0e7-e88b-4844-a922-92ee8e1c9235" providerId="AD" clId="Web-{6E268690-6EDC-BB23-CFFA-DB7A7D5359F5}" dt="2025-09-12T03:58:41.700" v="102" actId="20577"/>
-          <ac:spMkLst>
-            <pc:docMk/>
-            <pc:sldMk cId="1331313356" sldId="265"/>
-            <ac:spMk id="3" creationId="{50051190-FAC9-608A-B999-7887E434E599}"/>
-          </ac:spMkLst>
-        </pc:spChg>
       </pc:sldChg>
       <pc:sldChg chg="modSp">
         <pc:chgData name="Staley, Sean" userId="S::ststal01@louisville.edu::5b65b0e7-e88b-4844-a922-92ee8e1c9235" providerId="AD" clId="Web-{6E268690-6EDC-BB23-CFFA-DB7A7D5359F5}" dt="2025-09-12T04:02:22.107" v="198" actId="20577"/>
@@ -219,14 +372,6 @@
           <pc:docMk/>
           <pc:sldMk cId="2626683754" sldId="266"/>
         </pc:sldMkLst>
-        <pc:spChg chg="mod">
-          <ac:chgData name="Staley, Sean" userId="S::ststal01@louisville.edu::5b65b0e7-e88b-4844-a922-92ee8e1c9235" providerId="AD" clId="Web-{6E268690-6EDC-BB23-CFFA-DB7A7D5359F5}" dt="2025-09-12T04:02:22.107" v="198" actId="20577"/>
-          <ac:spMkLst>
-            <pc:docMk/>
-            <pc:sldMk cId="2626683754" sldId="266"/>
-            <ac:spMk id="3" creationId="{39660FE2-EB95-4EE1-FCD9-D7A320C01092}"/>
-          </ac:spMkLst>
-        </pc:spChg>
       </pc:sldChg>
       <pc:sldChg chg="modSp add replId">
         <pc:chgData name="Staley, Sean" userId="S::ststal01@louisville.edu::5b65b0e7-e88b-4844-a922-92ee8e1c9235" providerId="AD" clId="Web-{6E268690-6EDC-BB23-CFFA-DB7A7D5359F5}" dt="2025-09-12T04:04:38.232" v="281" actId="20577"/>
@@ -234,14 +379,6 @@
           <pc:docMk/>
           <pc:sldMk cId="2910431911" sldId="267"/>
         </pc:sldMkLst>
-        <pc:spChg chg="mod">
-          <ac:chgData name="Staley, Sean" userId="S::ststal01@louisville.edu::5b65b0e7-e88b-4844-a922-92ee8e1c9235" providerId="AD" clId="Web-{6E268690-6EDC-BB23-CFFA-DB7A7D5359F5}" dt="2025-09-12T04:04:38.232" v="281" actId="20577"/>
-          <ac:spMkLst>
-            <pc:docMk/>
-            <pc:sldMk cId="2910431911" sldId="267"/>
-            <ac:spMk id="3" creationId="{DFB20121-A57A-8A22-129F-2C0D0ACD4ADD}"/>
-          </ac:spMkLst>
-        </pc:spChg>
       </pc:sldChg>
       <pc:sldChg chg="new del">
         <pc:chgData name="Staley, Sean" userId="S::ststal01@louisville.edu::5b65b0e7-e88b-4844-a922-92ee8e1c9235" providerId="AD" clId="Web-{6E268690-6EDC-BB23-CFFA-DB7A7D5359F5}" dt="2025-09-12T04:02:43.169" v="200"/>
@@ -249,534 +386,6 @@
           <pc:docMk/>
           <pc:sldMk cId="3723843586" sldId="267"/>
         </pc:sldMkLst>
-      </pc:sldChg>
-    </pc:docChg>
-  </pc:docChgLst>
-  <pc:docChgLst>
-    <pc:chgData name="Wattley, Jaden" userId="S::jtwatt03@louisville.edu::473f42a4-82b8-4bb1-b33a-3982d1502758" providerId="AD" clId="Web-{AE1B7785-1AAA-6F66-193C-42FBE3AFD947}"/>
-    <pc:docChg chg="modSld">
-      <pc:chgData name="Wattley, Jaden" userId="S::jtwatt03@louisville.edu::473f42a4-82b8-4bb1-b33a-3982d1502758" providerId="AD" clId="Web-{AE1B7785-1AAA-6F66-193C-42FBE3AFD947}" dt="2025-09-16T12:33:57.688" v="0" actId="1076"/>
-      <pc:docMkLst>
-        <pc:docMk/>
-      </pc:docMkLst>
-      <pc:sldChg chg="modSp">
-        <pc:chgData name="Wattley, Jaden" userId="S::jtwatt03@louisville.edu::473f42a4-82b8-4bb1-b33a-3982d1502758" providerId="AD" clId="Web-{AE1B7785-1AAA-6F66-193C-42FBE3AFD947}" dt="2025-09-16T12:33:57.688" v="0" actId="1076"/>
-        <pc:sldMkLst>
-          <pc:docMk/>
-          <pc:sldMk cId="3752665594" sldId="261"/>
-        </pc:sldMkLst>
-        <pc:graphicFrameChg chg="mod">
-          <ac:chgData name="Wattley, Jaden" userId="S::jtwatt03@louisville.edu::473f42a4-82b8-4bb1-b33a-3982d1502758" providerId="AD" clId="Web-{AE1B7785-1AAA-6F66-193C-42FBE3AFD947}" dt="2025-09-16T12:33:57.688" v="0" actId="1076"/>
-          <ac:graphicFrameMkLst>
-            <pc:docMk/>
-            <pc:sldMk cId="3752665594" sldId="261"/>
-            <ac:graphicFrameMk id="5" creationId="{89EE04C2-4725-5169-C7F4-51E4EE5D9AB0}"/>
-          </ac:graphicFrameMkLst>
-        </pc:graphicFrameChg>
-      </pc:sldChg>
-    </pc:docChg>
-  </pc:docChgLst>
-  <pc:docChgLst>
-    <pc:chgData name="Staley, Sean" userId="S::ststal01@louisville.edu::5b65b0e7-e88b-4844-a922-92ee8e1c9235" providerId="AD" clId="Web-{B8EBD0BA-A7F4-EBE7-AEFD-E412CBF8902F}"/>
-    <pc:docChg chg="addSld delSld modSld">
-      <pc:chgData name="Staley, Sean" userId="S::ststal01@louisville.edu::5b65b0e7-e88b-4844-a922-92ee8e1c9235" providerId="AD" clId="Web-{B8EBD0BA-A7F4-EBE7-AEFD-E412CBF8902F}" dt="2025-09-12T04:53:44.231" v="364"/>
-      <pc:docMkLst>
-        <pc:docMk/>
-      </pc:docMkLst>
-      <pc:sldChg chg="addSp delSp modSp mod modClrScheme chgLayout">
-        <pc:chgData name="Staley, Sean" userId="S::ststal01@louisville.edu::5b65b0e7-e88b-4844-a922-92ee8e1c9235" providerId="AD" clId="Web-{B8EBD0BA-A7F4-EBE7-AEFD-E412CBF8902F}" dt="2025-09-12T04:52:05.465" v="347"/>
-        <pc:sldMkLst>
-          <pc:docMk/>
-          <pc:sldMk cId="109857222" sldId="256"/>
-        </pc:sldMkLst>
-        <pc:spChg chg="mod ord">
-          <ac:chgData name="Staley, Sean" userId="S::ststal01@louisville.edu::5b65b0e7-e88b-4844-a922-92ee8e1c9235" providerId="AD" clId="Web-{B8EBD0BA-A7F4-EBE7-AEFD-E412CBF8902F}" dt="2025-09-12T04:52:05.465" v="347"/>
-          <ac:spMkLst>
-            <pc:docMk/>
-            <pc:sldMk cId="109857222" sldId="256"/>
-            <ac:spMk id="2" creationId="{00000000-0000-0000-0000-000000000000}"/>
-          </ac:spMkLst>
-        </pc:spChg>
-        <pc:spChg chg="mod ord">
-          <ac:chgData name="Staley, Sean" userId="S::ststal01@louisville.edu::5b65b0e7-e88b-4844-a922-92ee8e1c9235" providerId="AD" clId="Web-{B8EBD0BA-A7F4-EBE7-AEFD-E412CBF8902F}" dt="2025-09-12T04:52:05.465" v="347"/>
-          <ac:spMkLst>
-            <pc:docMk/>
-            <pc:sldMk cId="109857222" sldId="256"/>
-            <ac:spMk id="3" creationId="{00000000-0000-0000-0000-000000000000}"/>
-          </ac:spMkLst>
-        </pc:spChg>
-      </pc:sldChg>
-      <pc:sldChg chg="add del">
-        <pc:chgData name="Staley, Sean" userId="S::ststal01@louisville.edu::5b65b0e7-e88b-4844-a922-92ee8e1c9235" providerId="AD" clId="Web-{B8EBD0BA-A7F4-EBE7-AEFD-E412CBF8902F}" dt="2025-09-12T04:49:41.637" v="326"/>
-        <pc:sldMkLst>
-          <pc:docMk/>
-          <pc:sldMk cId="2103210548" sldId="257"/>
-        </pc:sldMkLst>
-      </pc:sldChg>
-      <pc:sldChg chg="del">
-        <pc:chgData name="Staley, Sean" userId="S::ststal01@louisville.edu::5b65b0e7-e88b-4844-a922-92ee8e1c9235" providerId="AD" clId="Web-{B8EBD0BA-A7F4-EBE7-AEFD-E412CBF8902F}" dt="2025-09-12T04:44:51.762" v="300"/>
-        <pc:sldMkLst>
-          <pc:docMk/>
-          <pc:sldMk cId="651332071" sldId="258"/>
-        </pc:sldMkLst>
-      </pc:sldChg>
-      <pc:sldChg chg="addSp delSp modSp mod modClrScheme chgLayout">
-        <pc:chgData name="Staley, Sean" userId="S::ststal01@louisville.edu::5b65b0e7-e88b-4844-a922-92ee8e1c9235" providerId="AD" clId="Web-{B8EBD0BA-A7F4-EBE7-AEFD-E412CBF8902F}" dt="2025-09-12T04:53:08.247" v="355"/>
-        <pc:sldMkLst>
-          <pc:docMk/>
-          <pc:sldMk cId="1203497075" sldId="259"/>
-        </pc:sldMkLst>
-        <pc:spChg chg="mod">
-          <ac:chgData name="Staley, Sean" userId="S::ststal01@louisville.edu::5b65b0e7-e88b-4844-a922-92ee8e1c9235" providerId="AD" clId="Web-{B8EBD0BA-A7F4-EBE7-AEFD-E412CBF8902F}" dt="2025-09-12T04:48:44.121" v="319"/>
-          <ac:spMkLst>
-            <pc:docMk/>
-            <pc:sldMk cId="1203497075" sldId="259"/>
-            <ac:spMk id="2" creationId="{F679F07B-D825-751A-767B-C738909C15C6}"/>
-          </ac:spMkLst>
-        </pc:spChg>
-        <pc:spChg chg="add mod">
-          <ac:chgData name="Staley, Sean" userId="S::ststal01@louisville.edu::5b65b0e7-e88b-4844-a922-92ee8e1c9235" providerId="AD" clId="Web-{B8EBD0BA-A7F4-EBE7-AEFD-E412CBF8902F}" dt="2025-09-12T04:48:44.121" v="319"/>
-          <ac:spMkLst>
-            <pc:docMk/>
-            <pc:sldMk cId="1203497075" sldId="259"/>
-            <ac:spMk id="13" creationId="{0456F17F-E649-D6C9-C2CF-DBD50D115DB6}"/>
-          </ac:spMkLst>
-        </pc:spChg>
-        <pc:graphicFrameChg chg="add mod modGraphic">
-          <ac:chgData name="Staley, Sean" userId="S::ststal01@louisville.edu::5b65b0e7-e88b-4844-a922-92ee8e1c9235" providerId="AD" clId="Web-{B8EBD0BA-A7F4-EBE7-AEFD-E412CBF8902F}" dt="2025-09-12T04:53:08.247" v="355"/>
-          <ac:graphicFrameMkLst>
-            <pc:docMk/>
-            <pc:sldMk cId="1203497075" sldId="259"/>
-            <ac:graphicFrameMk id="14" creationId="{1D290BEB-60E6-D522-DCB8-66471537872A}"/>
-          </ac:graphicFrameMkLst>
-        </pc:graphicFrameChg>
-        <pc:picChg chg="add mod">
-          <ac:chgData name="Staley, Sean" userId="S::ststal01@louisville.edu::5b65b0e7-e88b-4844-a922-92ee8e1c9235" providerId="AD" clId="Web-{B8EBD0BA-A7F4-EBE7-AEFD-E412CBF8902F}" dt="2025-09-12T04:49:20.200" v="325" actId="1076"/>
-          <ac:picMkLst>
-            <pc:docMk/>
-            <pc:sldMk cId="1203497075" sldId="259"/>
-            <ac:picMk id="17" creationId="{301802B7-ABF1-611D-F107-F22419853095}"/>
-          </ac:picMkLst>
-        </pc:picChg>
-      </pc:sldChg>
-      <pc:sldChg chg="addSp delSp modSp mod modClrScheme chgLayout">
-        <pc:chgData name="Staley, Sean" userId="S::ststal01@louisville.edu::5b65b0e7-e88b-4844-a922-92ee8e1c9235" providerId="AD" clId="Web-{B8EBD0BA-A7F4-EBE7-AEFD-E412CBF8902F}" dt="2025-09-12T04:52:35.997" v="351"/>
-        <pc:sldMkLst>
-          <pc:docMk/>
-          <pc:sldMk cId="3752665594" sldId="261"/>
-        </pc:sldMkLst>
-        <pc:spChg chg="mod">
-          <ac:chgData name="Staley, Sean" userId="S::ststal01@louisville.edu::5b65b0e7-e88b-4844-a922-92ee8e1c9235" providerId="AD" clId="Web-{B8EBD0BA-A7F4-EBE7-AEFD-E412CBF8902F}" dt="2025-09-12T04:52:30.309" v="350"/>
-          <ac:spMkLst>
-            <pc:docMk/>
-            <pc:sldMk cId="3752665594" sldId="261"/>
-            <ac:spMk id="2" creationId="{0D3F6A2D-1E9A-23C7-F636-E9BCC9CC4070}"/>
-          </ac:spMkLst>
-        </pc:spChg>
-        <pc:graphicFrameChg chg="add mod modGraphic">
-          <ac:chgData name="Staley, Sean" userId="S::ststal01@louisville.edu::5b65b0e7-e88b-4844-a922-92ee8e1c9235" providerId="AD" clId="Web-{B8EBD0BA-A7F4-EBE7-AEFD-E412CBF8902F}" dt="2025-09-12T04:52:35.997" v="351"/>
-          <ac:graphicFrameMkLst>
-            <pc:docMk/>
-            <pc:sldMk cId="3752665594" sldId="261"/>
-            <ac:graphicFrameMk id="5" creationId="{89EE04C2-4725-5169-C7F4-51E4EE5D9AB0}"/>
-          </ac:graphicFrameMkLst>
-        </pc:graphicFrameChg>
-      </pc:sldChg>
-      <pc:sldChg chg="addSp delSp modSp mod modClrScheme chgLayout">
-        <pc:chgData name="Staley, Sean" userId="S::ststal01@louisville.edu::5b65b0e7-e88b-4844-a922-92ee8e1c9235" providerId="AD" clId="Web-{B8EBD0BA-A7F4-EBE7-AEFD-E412CBF8902F}" dt="2025-09-12T04:53:44.231" v="364"/>
-        <pc:sldMkLst>
-          <pc:docMk/>
-          <pc:sldMk cId="841713580" sldId="262"/>
-        </pc:sldMkLst>
-        <pc:spChg chg="mod">
-          <ac:chgData name="Staley, Sean" userId="S::ststal01@louisville.edu::5b65b0e7-e88b-4844-a922-92ee8e1c9235" providerId="AD" clId="Web-{B8EBD0BA-A7F4-EBE7-AEFD-E412CBF8902F}" dt="2025-09-12T04:17:50.829" v="196" actId="20577"/>
-          <ac:spMkLst>
-            <pc:docMk/>
-            <pc:sldMk cId="841713580" sldId="262"/>
-            <ac:spMk id="2" creationId="{9FF8F889-CF76-D5A4-E7B2-B45D441500C2}"/>
-          </ac:spMkLst>
-        </pc:spChg>
-        <pc:graphicFrameChg chg="add modGraphic">
-          <ac:chgData name="Staley, Sean" userId="S::ststal01@louisville.edu::5b65b0e7-e88b-4844-a922-92ee8e1c9235" providerId="AD" clId="Web-{B8EBD0BA-A7F4-EBE7-AEFD-E412CBF8902F}" dt="2025-09-12T04:53:44.231" v="364"/>
-          <ac:graphicFrameMkLst>
-            <pc:docMk/>
-            <pc:sldMk cId="841713580" sldId="262"/>
-            <ac:graphicFrameMk id="14" creationId="{868F9BFE-6833-8CBF-8623-01001157DB58}"/>
-          </ac:graphicFrameMkLst>
-        </pc:graphicFrameChg>
-      </pc:sldChg>
-      <pc:sldChg chg="modSp">
-        <pc:chgData name="Staley, Sean" userId="S::ststal01@louisville.edu::5b65b0e7-e88b-4844-a922-92ee8e1c9235" providerId="AD" clId="Web-{B8EBD0BA-A7F4-EBE7-AEFD-E412CBF8902F}" dt="2025-09-12T04:06:49.702" v="13" actId="20577"/>
-        <pc:sldMkLst>
-          <pc:docMk/>
-          <pc:sldMk cId="2835959447" sldId="263"/>
-        </pc:sldMkLst>
-        <pc:spChg chg="mod">
-          <ac:chgData name="Staley, Sean" userId="S::ststal01@louisville.edu::5b65b0e7-e88b-4844-a922-92ee8e1c9235" providerId="AD" clId="Web-{B8EBD0BA-A7F4-EBE7-AEFD-E412CBF8902F}" dt="2025-09-12T04:06:49.702" v="13" actId="20577"/>
-          <ac:spMkLst>
-            <pc:docMk/>
-            <pc:sldMk cId="2835959447" sldId="263"/>
-            <ac:spMk id="3" creationId="{FD21E7DD-17EB-7AAE-18F0-3811F164F20C}"/>
-          </ac:spMkLst>
-        </pc:spChg>
-      </pc:sldChg>
-      <pc:sldChg chg="modSp">
-        <pc:chgData name="Staley, Sean" userId="S::ststal01@louisville.edu::5b65b0e7-e88b-4844-a922-92ee8e1c9235" providerId="AD" clId="Web-{B8EBD0BA-A7F4-EBE7-AEFD-E412CBF8902F}" dt="2025-09-12T04:06:14.296" v="8" actId="20577"/>
-        <pc:sldMkLst>
-          <pc:docMk/>
-          <pc:sldMk cId="3361632356" sldId="264"/>
-        </pc:sldMkLst>
-        <pc:spChg chg="mod">
-          <ac:chgData name="Staley, Sean" userId="S::ststal01@louisville.edu::5b65b0e7-e88b-4844-a922-92ee8e1c9235" providerId="AD" clId="Web-{B8EBD0BA-A7F4-EBE7-AEFD-E412CBF8902F}" dt="2025-09-12T04:06:14.296" v="8" actId="20577"/>
-          <ac:spMkLst>
-            <pc:docMk/>
-            <pc:sldMk cId="3361632356" sldId="264"/>
-            <ac:spMk id="3" creationId="{3EB76FBE-AAE9-8202-E038-8C6A1184DF99}"/>
-          </ac:spMkLst>
-        </pc:spChg>
-      </pc:sldChg>
-      <pc:sldChg chg="modSp">
-        <pc:chgData name="Staley, Sean" userId="S::ststal01@louisville.edu::5b65b0e7-e88b-4844-a922-92ee8e1c9235" providerId="AD" clId="Web-{B8EBD0BA-A7F4-EBE7-AEFD-E412CBF8902F}" dt="2025-09-12T04:08:00.562" v="34" actId="20577"/>
-        <pc:sldMkLst>
-          <pc:docMk/>
-          <pc:sldMk cId="1331313356" sldId="265"/>
-        </pc:sldMkLst>
-        <pc:spChg chg="mod">
-          <ac:chgData name="Staley, Sean" userId="S::ststal01@louisville.edu::5b65b0e7-e88b-4844-a922-92ee8e1c9235" providerId="AD" clId="Web-{B8EBD0BA-A7F4-EBE7-AEFD-E412CBF8902F}" dt="2025-09-12T04:08:00.562" v="34" actId="20577"/>
-          <ac:spMkLst>
-            <pc:docMk/>
-            <pc:sldMk cId="1331313356" sldId="265"/>
-            <ac:spMk id="3" creationId="{50051190-FAC9-608A-B999-7887E434E599}"/>
-          </ac:spMkLst>
-        </pc:spChg>
-      </pc:sldChg>
-      <pc:sldChg chg="modSp">
-        <pc:chgData name="Staley, Sean" userId="S::ststal01@louisville.edu::5b65b0e7-e88b-4844-a922-92ee8e1c9235" providerId="AD" clId="Web-{B8EBD0BA-A7F4-EBE7-AEFD-E412CBF8902F}" dt="2025-09-12T04:07:41.187" v="22" actId="20577"/>
-        <pc:sldMkLst>
-          <pc:docMk/>
-          <pc:sldMk cId="2626683754" sldId="266"/>
-        </pc:sldMkLst>
-        <pc:spChg chg="mod">
-          <ac:chgData name="Staley, Sean" userId="S::ststal01@louisville.edu::5b65b0e7-e88b-4844-a922-92ee8e1c9235" providerId="AD" clId="Web-{B8EBD0BA-A7F4-EBE7-AEFD-E412CBF8902F}" dt="2025-09-12T04:07:41.187" v="22" actId="20577"/>
-          <ac:spMkLst>
-            <pc:docMk/>
-            <pc:sldMk cId="2626683754" sldId="266"/>
-            <ac:spMk id="3" creationId="{39660FE2-EB95-4EE1-FCD9-D7A320C01092}"/>
-          </ac:spMkLst>
-        </pc:spChg>
-      </pc:sldChg>
-      <pc:sldChg chg="addSp delSp modSp new mod modClrScheme chgLayout">
-        <pc:chgData name="Staley, Sean" userId="S::ststal01@louisville.edu::5b65b0e7-e88b-4844-a922-92ee8e1c9235" providerId="AD" clId="Web-{B8EBD0BA-A7F4-EBE7-AEFD-E412CBF8902F}" dt="2025-09-12T04:37:45.885" v="213" actId="1076"/>
-        <pc:sldMkLst>
-          <pc:docMk/>
-          <pc:sldMk cId="458856151" sldId="268"/>
-        </pc:sldMkLst>
-        <pc:spChg chg="mod ord">
-          <ac:chgData name="Staley, Sean" userId="S::ststal01@louisville.edu::5b65b0e7-e88b-4844-a922-92ee8e1c9235" providerId="AD" clId="Web-{B8EBD0BA-A7F4-EBE7-AEFD-E412CBF8902F}" dt="2025-09-12T04:37:23.463" v="210"/>
-          <ac:spMkLst>
-            <pc:docMk/>
-            <pc:sldMk cId="458856151" sldId="268"/>
-            <ac:spMk id="2" creationId="{381D45C2-2738-2CE7-1D8A-D282DB70B808}"/>
-          </ac:spMkLst>
-        </pc:spChg>
-        <pc:picChg chg="add mod ord">
-          <ac:chgData name="Staley, Sean" userId="S::ststal01@louisville.edu::5b65b0e7-e88b-4844-a922-92ee8e1c9235" providerId="AD" clId="Web-{B8EBD0BA-A7F4-EBE7-AEFD-E412CBF8902F}" dt="2025-09-12T04:37:45.885" v="213" actId="1076"/>
-          <ac:picMkLst>
-            <pc:docMk/>
-            <pc:sldMk cId="458856151" sldId="268"/>
-            <ac:picMk id="4" creationId="{795B4EE2-23DD-287B-8CD9-4D79A96B0DF2}"/>
-          </ac:picMkLst>
-        </pc:picChg>
-      </pc:sldChg>
-      <pc:sldChg chg="addSp delSp modSp new mod modClrScheme chgLayout">
-        <pc:chgData name="Staley, Sean" userId="S::ststal01@louisville.edu::5b65b0e7-e88b-4844-a922-92ee8e1c9235" providerId="AD" clId="Web-{B8EBD0BA-A7F4-EBE7-AEFD-E412CBF8902F}" dt="2025-09-12T04:48:02.434" v="311"/>
-        <pc:sldMkLst>
-          <pc:docMk/>
-          <pc:sldMk cId="2470439829" sldId="269"/>
-        </pc:sldMkLst>
-        <pc:spChg chg="mod ord">
-          <ac:chgData name="Staley, Sean" userId="S::ststal01@louisville.edu::5b65b0e7-e88b-4844-a922-92ee8e1c9235" providerId="AD" clId="Web-{B8EBD0BA-A7F4-EBE7-AEFD-E412CBF8902F}" dt="2025-09-12T04:47:44.512" v="309"/>
-          <ac:spMkLst>
-            <pc:docMk/>
-            <pc:sldMk cId="2470439829" sldId="269"/>
-            <ac:spMk id="2" creationId="{58C30C7C-9AA2-6EA3-BDCD-44AEA7EE146D}"/>
-          </ac:spMkLst>
-        </pc:spChg>
-        <pc:graphicFrameChg chg="add modGraphic">
-          <ac:chgData name="Staley, Sean" userId="S::ststal01@louisville.edu::5b65b0e7-e88b-4844-a922-92ee8e1c9235" providerId="AD" clId="Web-{B8EBD0BA-A7F4-EBE7-AEFD-E412CBF8902F}" dt="2025-09-12T04:48:02.434" v="311"/>
-          <ac:graphicFrameMkLst>
-            <pc:docMk/>
-            <pc:sldMk cId="2470439829" sldId="269"/>
-            <ac:graphicFrameMk id="5" creationId="{D560014D-43C3-C8AB-BF42-E9B676CB26D9}"/>
-          </ac:graphicFrameMkLst>
-        </pc:graphicFrameChg>
-      </pc:sldChg>
-    </pc:docChg>
-  </pc:docChgLst>
-  <pc:docChgLst>
-    <pc:chgData name="Wattley, Jaden" userId="S::jtwatt03@louisville.edu::473f42a4-82b8-4bb1-b33a-3982d1502758" providerId="AD" clId="Web-{9D841F7C-06F4-5F03-FB3C-D0834532C3DE}"/>
-    <pc:docChg chg="modSld">
-      <pc:chgData name="Wattley, Jaden" userId="S::jtwatt03@louisville.edu::473f42a4-82b8-4bb1-b33a-3982d1502758" providerId="AD" clId="Web-{9D841F7C-06F4-5F03-FB3C-D0834532C3DE}" dt="2025-09-11T00:28:55.687" v="416" actId="20577"/>
-      <pc:docMkLst>
-        <pc:docMk/>
-      </pc:docMkLst>
-      <pc:sldChg chg="modSp">
-        <pc:chgData name="Wattley, Jaden" userId="S::jtwatt03@louisville.edu::473f42a4-82b8-4bb1-b33a-3982d1502758" providerId="AD" clId="Web-{9D841F7C-06F4-5F03-FB3C-D0834532C3DE}" dt="2025-09-11T00:28:55.687" v="416" actId="20577"/>
-        <pc:sldMkLst>
-          <pc:docMk/>
-          <pc:sldMk cId="2103210548" sldId="257"/>
-        </pc:sldMkLst>
-      </pc:sldChg>
-      <pc:sldChg chg="modSp">
-        <pc:chgData name="Wattley, Jaden" userId="S::jtwatt03@louisville.edu::473f42a4-82b8-4bb1-b33a-3982d1502758" providerId="AD" clId="Web-{9D841F7C-06F4-5F03-FB3C-D0834532C3DE}" dt="2025-09-11T00:25:53.245" v="218" actId="20577"/>
-        <pc:sldMkLst>
-          <pc:docMk/>
-          <pc:sldMk cId="651332071" sldId="258"/>
-        </pc:sldMkLst>
-      </pc:sldChg>
-    </pc:docChg>
-  </pc:docChgLst>
-  <pc:docChgLst>
-    <pc:chgData name="Staley, Sean" userId="5b65b0e7-e88b-4844-a922-92ee8e1c9235" providerId="ADAL" clId="{7FC9E883-C68B-4964-A306-A09B374A8666}"/>
-    <pc:docChg chg="custSel addSld modSld sldOrd">
-      <pc:chgData name="Staley, Sean" userId="5b65b0e7-e88b-4844-a922-92ee8e1c9235" providerId="ADAL" clId="{7FC9E883-C68B-4964-A306-A09B374A8666}" dt="2025-09-15T19:46:58.800" v="1583" actId="20577"/>
-      <pc:docMkLst>
-        <pc:docMk/>
-      </pc:docMkLst>
-      <pc:sldChg chg="modSp mod">
-        <pc:chgData name="Staley, Sean" userId="5b65b0e7-e88b-4844-a922-92ee8e1c9235" providerId="ADAL" clId="{7FC9E883-C68B-4964-A306-A09B374A8666}" dt="2025-09-15T17:34:32.096" v="1568" actId="20577"/>
-        <pc:sldMkLst>
-          <pc:docMk/>
-          <pc:sldMk cId="109857222" sldId="256"/>
-        </pc:sldMkLst>
-        <pc:spChg chg="mod">
-          <ac:chgData name="Staley, Sean" userId="5b65b0e7-e88b-4844-a922-92ee8e1c9235" providerId="ADAL" clId="{7FC9E883-C68B-4964-A306-A09B374A8666}" dt="2025-09-11T18:38:04.094" v="120" actId="20577"/>
-          <ac:spMkLst>
-            <pc:docMk/>
-            <pc:sldMk cId="109857222" sldId="256"/>
-            <ac:spMk id="2" creationId="{00000000-0000-0000-0000-000000000000}"/>
-          </ac:spMkLst>
-        </pc:spChg>
-        <pc:spChg chg="mod">
-          <ac:chgData name="Staley, Sean" userId="5b65b0e7-e88b-4844-a922-92ee8e1c9235" providerId="ADAL" clId="{7FC9E883-C68B-4964-A306-A09B374A8666}" dt="2025-09-15T17:34:32.096" v="1568" actId="20577"/>
-          <ac:spMkLst>
-            <pc:docMk/>
-            <pc:sldMk cId="109857222" sldId="256"/>
-            <ac:spMk id="3" creationId="{00000000-0000-0000-0000-000000000000}"/>
-          </ac:spMkLst>
-        </pc:spChg>
-      </pc:sldChg>
-      <pc:sldChg chg="modSp new mod ord">
-        <pc:chgData name="Staley, Sean" userId="5b65b0e7-e88b-4844-a922-92ee8e1c9235" providerId="ADAL" clId="{7FC9E883-C68B-4964-A306-A09B374A8666}" dt="2025-09-11T18:46:01.458" v="180"/>
-        <pc:sldMkLst>
-          <pc:docMk/>
-          <pc:sldMk cId="2103210548" sldId="257"/>
-        </pc:sldMkLst>
-      </pc:sldChg>
-      <pc:sldChg chg="modSp new mod ord">
-        <pc:chgData name="Staley, Sean" userId="5b65b0e7-e88b-4844-a922-92ee8e1c9235" providerId="ADAL" clId="{7FC9E883-C68B-4964-A306-A09B374A8666}" dt="2025-09-11T18:46:02.645" v="182"/>
-        <pc:sldMkLst>
-          <pc:docMk/>
-          <pc:sldMk cId="651332071" sldId="258"/>
-        </pc:sldMkLst>
-      </pc:sldChg>
-      <pc:sldChg chg="modSp new mod ord">
-        <pc:chgData name="Staley, Sean" userId="5b65b0e7-e88b-4844-a922-92ee8e1c9235" providerId="ADAL" clId="{7FC9E883-C68B-4964-A306-A09B374A8666}" dt="2025-09-11T19:45:32.862" v="859"/>
-        <pc:sldMkLst>
-          <pc:docMk/>
-          <pc:sldMk cId="1203497075" sldId="259"/>
-        </pc:sldMkLst>
-        <pc:spChg chg="mod">
-          <ac:chgData name="Staley, Sean" userId="5b65b0e7-e88b-4844-a922-92ee8e1c9235" providerId="ADAL" clId="{7FC9E883-C68B-4964-A306-A09B374A8666}" dt="2025-09-11T18:45:47.730" v="176" actId="20577"/>
-          <ac:spMkLst>
-            <pc:docMk/>
-            <pc:sldMk cId="1203497075" sldId="259"/>
-            <ac:spMk id="2" creationId="{F679F07B-D825-751A-767B-C738909C15C6}"/>
-          </ac:spMkLst>
-        </pc:spChg>
-      </pc:sldChg>
-      <pc:sldChg chg="modSp new mod ord">
-        <pc:chgData name="Staley, Sean" userId="5b65b0e7-e88b-4844-a922-92ee8e1c9235" providerId="ADAL" clId="{7FC9E883-C68B-4964-A306-A09B374A8666}" dt="2025-09-11T19:48:06.346" v="962" actId="20577"/>
-        <pc:sldMkLst>
-          <pc:docMk/>
-          <pc:sldMk cId="3109130739" sldId="260"/>
-        </pc:sldMkLst>
-      </pc:sldChg>
-      <pc:sldChg chg="modSp new mod">
-        <pc:chgData name="Staley, Sean" userId="5b65b0e7-e88b-4844-a922-92ee8e1c9235" providerId="ADAL" clId="{7FC9E883-C68B-4964-A306-A09B374A8666}" dt="2025-09-11T18:46:28.494" v="216" actId="20577"/>
-        <pc:sldMkLst>
-          <pc:docMk/>
-          <pc:sldMk cId="3752665594" sldId="261"/>
-        </pc:sldMkLst>
-        <pc:spChg chg="mod">
-          <ac:chgData name="Staley, Sean" userId="5b65b0e7-e88b-4844-a922-92ee8e1c9235" providerId="ADAL" clId="{7FC9E883-C68B-4964-A306-A09B374A8666}" dt="2025-09-11T18:46:28.494" v="216" actId="20577"/>
-          <ac:spMkLst>
-            <pc:docMk/>
-            <pc:sldMk cId="3752665594" sldId="261"/>
-            <ac:spMk id="2" creationId="{0D3F6A2D-1E9A-23C7-F636-E9BCC9CC4070}"/>
-          </ac:spMkLst>
-        </pc:spChg>
-      </pc:sldChg>
-      <pc:sldChg chg="modSp new mod">
-        <pc:chgData name="Staley, Sean" userId="5b65b0e7-e88b-4844-a922-92ee8e1c9235" providerId="ADAL" clId="{7FC9E883-C68B-4964-A306-A09B374A8666}" dt="2025-09-11T18:46:59.616" v="233" actId="20577"/>
-        <pc:sldMkLst>
-          <pc:docMk/>
-          <pc:sldMk cId="841713580" sldId="262"/>
-        </pc:sldMkLst>
-        <pc:spChg chg="mod">
-          <ac:chgData name="Staley, Sean" userId="5b65b0e7-e88b-4844-a922-92ee8e1c9235" providerId="ADAL" clId="{7FC9E883-C68B-4964-A306-A09B374A8666}" dt="2025-09-11T18:46:59.616" v="233" actId="20577"/>
-          <ac:spMkLst>
-            <pc:docMk/>
-            <pc:sldMk cId="841713580" sldId="262"/>
-            <ac:spMk id="2" creationId="{9FF8F889-CF76-D5A4-E7B2-B45D441500C2}"/>
-          </ac:spMkLst>
-        </pc:spChg>
-      </pc:sldChg>
-      <pc:sldChg chg="modSp add mod">
-        <pc:chgData name="Staley, Sean" userId="5b65b0e7-e88b-4844-a922-92ee8e1c9235" providerId="ADAL" clId="{7FC9E883-C68B-4964-A306-A09B374A8666}" dt="2025-09-11T19:52:30.114" v="1515" actId="20577"/>
-        <pc:sldMkLst>
-          <pc:docMk/>
-          <pc:sldMk cId="2835959447" sldId="263"/>
-        </pc:sldMkLst>
-        <pc:spChg chg="mod">
-          <ac:chgData name="Staley, Sean" userId="5b65b0e7-e88b-4844-a922-92ee8e1c9235" providerId="ADAL" clId="{7FC9E883-C68B-4964-A306-A09B374A8666}" dt="2025-09-11T19:52:30.114" v="1515" actId="20577"/>
-          <ac:spMkLst>
-            <pc:docMk/>
-            <pc:sldMk cId="2835959447" sldId="263"/>
-            <ac:spMk id="3" creationId="{FD21E7DD-17EB-7AAE-18F0-3811F164F20C}"/>
-          </ac:spMkLst>
-        </pc:spChg>
-      </pc:sldChg>
-      <pc:sldChg chg="modSp add mod">
-        <pc:chgData name="Staley, Sean" userId="5b65b0e7-e88b-4844-a922-92ee8e1c9235" providerId="ADAL" clId="{7FC9E883-C68B-4964-A306-A09B374A8666}" dt="2025-09-11T19:52:43.724" v="1542" actId="20577"/>
-        <pc:sldMkLst>
-          <pc:docMk/>
-          <pc:sldMk cId="3361632356" sldId="264"/>
-        </pc:sldMkLst>
-        <pc:spChg chg="mod">
-          <ac:chgData name="Staley, Sean" userId="5b65b0e7-e88b-4844-a922-92ee8e1c9235" providerId="ADAL" clId="{7FC9E883-C68B-4964-A306-A09B374A8666}" dt="2025-09-11T19:52:43.724" v="1542" actId="20577"/>
-          <ac:spMkLst>
-            <pc:docMk/>
-            <pc:sldMk cId="3361632356" sldId="264"/>
-            <ac:spMk id="3" creationId="{3EB76FBE-AAE9-8202-E038-8C6A1184DF99}"/>
-          </ac:spMkLst>
-        </pc:spChg>
-      </pc:sldChg>
-      <pc:sldChg chg="modSp add mod">
-        <pc:chgData name="Staley, Sean" userId="5b65b0e7-e88b-4844-a922-92ee8e1c9235" providerId="ADAL" clId="{7FC9E883-C68B-4964-A306-A09B374A8666}" dt="2025-09-11T19:48:30.704" v="971" actId="20577"/>
-        <pc:sldMkLst>
-          <pc:docMk/>
-          <pc:sldMk cId="1331313356" sldId="265"/>
-        </pc:sldMkLst>
-        <pc:spChg chg="mod">
-          <ac:chgData name="Staley, Sean" userId="5b65b0e7-e88b-4844-a922-92ee8e1c9235" providerId="ADAL" clId="{7FC9E883-C68B-4964-A306-A09B374A8666}" dt="2025-09-11T19:48:30.704" v="971" actId="20577"/>
-          <ac:spMkLst>
-            <pc:docMk/>
-            <pc:sldMk cId="1331313356" sldId="265"/>
-            <ac:spMk id="3" creationId="{50051190-FAC9-608A-B999-7887E434E599}"/>
-          </ac:spMkLst>
-        </pc:spChg>
-      </pc:sldChg>
-      <pc:sldChg chg="modSp add mod">
-        <pc:chgData name="Staley, Sean" userId="5b65b0e7-e88b-4844-a922-92ee8e1c9235" providerId="ADAL" clId="{7FC9E883-C68B-4964-A306-A09B374A8666}" dt="2025-09-11T19:48:40.137" v="974" actId="20577"/>
-        <pc:sldMkLst>
-          <pc:docMk/>
-          <pc:sldMk cId="2626683754" sldId="266"/>
-        </pc:sldMkLst>
-        <pc:spChg chg="mod">
-          <ac:chgData name="Staley, Sean" userId="5b65b0e7-e88b-4844-a922-92ee8e1c9235" providerId="ADAL" clId="{7FC9E883-C68B-4964-A306-A09B374A8666}" dt="2025-09-11T19:48:40.137" v="974" actId="20577"/>
-          <ac:spMkLst>
-            <pc:docMk/>
-            <pc:sldMk cId="2626683754" sldId="266"/>
-            <ac:spMk id="3" creationId="{39660FE2-EB95-4EE1-FCD9-D7A320C01092}"/>
-          </ac:spMkLst>
-        </pc:spChg>
-      </pc:sldChg>
-      <pc:sldChg chg="modSp">
-        <pc:chgData name="Staley, Sean" userId="5b65b0e7-e88b-4844-a922-92ee8e1c9235" providerId="ADAL" clId="{7FC9E883-C68B-4964-A306-A09B374A8666}" dt="2025-09-15T19:46:58.800" v="1583" actId="20577"/>
-        <pc:sldMkLst>
-          <pc:docMk/>
-          <pc:sldMk cId="2470439829" sldId="269"/>
-        </pc:sldMkLst>
-        <pc:graphicFrameChg chg="mod">
-          <ac:chgData name="Staley, Sean" userId="5b65b0e7-e88b-4844-a922-92ee8e1c9235" providerId="ADAL" clId="{7FC9E883-C68B-4964-A306-A09B374A8666}" dt="2025-09-15T19:46:58.800" v="1583" actId="20577"/>
-          <ac:graphicFrameMkLst>
-            <pc:docMk/>
-            <pc:sldMk cId="2470439829" sldId="269"/>
-            <ac:graphicFrameMk id="5" creationId="{D560014D-43C3-C8AB-BF42-E9B676CB26D9}"/>
-          </ac:graphicFrameMkLst>
-        </pc:graphicFrameChg>
-      </pc:sldChg>
-    </pc:docChg>
-  </pc:docChgLst>
-  <pc:docChgLst>
-    <pc:chgData name="Staley, Sean" userId="S::ststal01@louisville.edu::5b65b0e7-e88b-4844-a922-92ee8e1c9235" providerId="AD" clId="Web-{0B628515-F15E-3094-62B4-A5FD419F3608}"/>
-    <pc:docChg chg="modSld">
-      <pc:chgData name="Staley, Sean" userId="S::ststal01@louisville.edu::5b65b0e7-e88b-4844-a922-92ee8e1c9235" providerId="AD" clId="Web-{0B628515-F15E-3094-62B4-A5FD419F3608}" dt="2025-09-16T01:11:31.941" v="13" actId="1076"/>
-      <pc:docMkLst>
-        <pc:docMk/>
-      </pc:docMkLst>
-      <pc:sldChg chg="modSp">
-        <pc:chgData name="Staley, Sean" userId="S::ststal01@louisville.edu::5b65b0e7-e88b-4844-a922-92ee8e1c9235" providerId="AD" clId="Web-{0B628515-F15E-3094-62B4-A5FD419F3608}" dt="2025-09-16T01:11:31.941" v="13" actId="1076"/>
-        <pc:sldMkLst>
-          <pc:docMk/>
-          <pc:sldMk cId="2470439829" sldId="269"/>
-        </pc:sldMkLst>
-        <pc:graphicFrameChg chg="mod modGraphic">
-          <ac:chgData name="Staley, Sean" userId="S::ststal01@louisville.edu::5b65b0e7-e88b-4844-a922-92ee8e1c9235" providerId="AD" clId="Web-{0B628515-F15E-3094-62B4-A5FD419F3608}" dt="2025-09-16T01:11:31.941" v="13" actId="1076"/>
-          <ac:graphicFrameMkLst>
-            <pc:docMk/>
-            <pc:sldMk cId="2470439829" sldId="269"/>
-            <ac:graphicFrameMk id="5" creationId="{D560014D-43C3-C8AB-BF42-E9B676CB26D9}"/>
-          </ac:graphicFrameMkLst>
-        </pc:graphicFrameChg>
-      </pc:sldChg>
-    </pc:docChg>
-  </pc:docChgLst>
-  <pc:docChgLst>
-    <pc:chgData name="Staley, Sean" userId="S::ststal01@louisville.edu::5b65b0e7-e88b-4844-a922-92ee8e1c9235" providerId="AD" clId="Web-{765B6454-1945-B9A9-DB4F-4D8891203318}"/>
-    <pc:docChg chg="modSld">
-      <pc:chgData name="Staley, Sean" userId="S::ststal01@louisville.edu::5b65b0e7-e88b-4844-a922-92ee8e1c9235" providerId="AD" clId="Web-{765B6454-1945-B9A9-DB4F-4D8891203318}" dt="2025-09-16T01:10:09.903" v="45" actId="20577"/>
-      <pc:docMkLst>
-        <pc:docMk/>
-      </pc:docMkLst>
-      <pc:sldChg chg="modSp">
-        <pc:chgData name="Staley, Sean" userId="S::ststal01@louisville.edu::5b65b0e7-e88b-4844-a922-92ee8e1c9235" providerId="AD" clId="Web-{765B6454-1945-B9A9-DB4F-4D8891203318}" dt="2025-09-16T01:10:09.903" v="45" actId="20577"/>
-        <pc:sldMkLst>
-          <pc:docMk/>
-          <pc:sldMk cId="841713580" sldId="262"/>
-        </pc:sldMkLst>
-        <pc:spChg chg="mod">
-          <ac:chgData name="Staley, Sean" userId="S::ststal01@louisville.edu::5b65b0e7-e88b-4844-a922-92ee8e1c9235" providerId="AD" clId="Web-{765B6454-1945-B9A9-DB4F-4D8891203318}" dt="2025-09-16T01:10:09.903" v="45" actId="20577"/>
-          <ac:spMkLst>
-            <pc:docMk/>
-            <pc:sldMk cId="841713580" sldId="262"/>
-            <ac:spMk id="2" creationId="{9FF8F889-CF76-D5A4-E7B2-B45D441500C2}"/>
-          </ac:spMkLst>
-        </pc:spChg>
-        <pc:graphicFrameChg chg="modGraphic">
-          <ac:chgData name="Staley, Sean" userId="S::ststal01@louisville.edu::5b65b0e7-e88b-4844-a922-92ee8e1c9235" providerId="AD" clId="Web-{765B6454-1945-B9A9-DB4F-4D8891203318}" dt="2025-09-16T00:55:28.751" v="17" actId="20577"/>
-          <ac:graphicFrameMkLst>
-            <pc:docMk/>
-            <pc:sldMk cId="841713580" sldId="262"/>
-            <ac:graphicFrameMk id="14" creationId="{868F9BFE-6833-8CBF-8623-01001157DB58}"/>
-          </ac:graphicFrameMkLst>
-        </pc:graphicFrameChg>
-      </pc:sldChg>
-      <pc:sldChg chg="modSp">
-        <pc:chgData name="Staley, Sean" userId="S::ststal01@louisville.edu::5b65b0e7-e88b-4844-a922-92ee8e1c9235" providerId="AD" clId="Web-{765B6454-1945-B9A9-DB4F-4D8891203318}" dt="2025-09-16T01:10:05.809" v="43" actId="20577"/>
-        <pc:sldMkLst>
-          <pc:docMk/>
-          <pc:sldMk cId="2470439829" sldId="269"/>
-        </pc:sldMkLst>
-        <pc:graphicFrameChg chg="modGraphic">
-          <ac:chgData name="Staley, Sean" userId="S::ststal01@louisville.edu::5b65b0e7-e88b-4844-a922-92ee8e1c9235" providerId="AD" clId="Web-{765B6454-1945-B9A9-DB4F-4D8891203318}" dt="2025-09-16T01:10:05.809" v="43" actId="20577"/>
-          <ac:graphicFrameMkLst>
-            <pc:docMk/>
-            <pc:sldMk cId="2470439829" sldId="269"/>
-            <ac:graphicFrameMk id="5" creationId="{D560014D-43C3-C8AB-BF42-E9B676CB26D9}"/>
-          </ac:graphicFrameMkLst>
-        </pc:graphicFrameChg>
       </pc:sldChg>
     </pc:docChg>
   </pc:docChgLst>
@@ -793,22 +402,6 @@
           <pc:docMk/>
           <pc:sldMk cId="109857222" sldId="256"/>
         </pc:sldMkLst>
-        <pc:spChg chg="mod ord">
-          <ac:chgData name="Wattley, Jaden" userId="S::jtwatt03@louisville.edu::473f42a4-82b8-4bb1-b33a-3982d1502758" providerId="AD" clId="Web-{8BCD7178-3C3E-E765-A533-CDA7CD3C42D8}" dt="2025-09-12T03:01:05.470" v="42"/>
-          <ac:spMkLst>
-            <pc:docMk/>
-            <pc:sldMk cId="109857222" sldId="256"/>
-            <ac:spMk id="2" creationId="{00000000-0000-0000-0000-000000000000}"/>
-          </ac:spMkLst>
-        </pc:spChg>
-        <pc:spChg chg="mod ord">
-          <ac:chgData name="Wattley, Jaden" userId="S::jtwatt03@louisville.edu::473f42a4-82b8-4bb1-b33a-3982d1502758" providerId="AD" clId="Web-{8BCD7178-3C3E-E765-A533-CDA7CD3C42D8}" dt="2025-09-12T03:01:05.470" v="42"/>
-          <ac:spMkLst>
-            <pc:docMk/>
-            <pc:sldMk cId="109857222" sldId="256"/>
-            <ac:spMk id="3" creationId="{00000000-0000-0000-0000-000000000000}"/>
-          </ac:spMkLst>
-        </pc:spChg>
       </pc:sldChg>
       <pc:sldChg chg="modSp mod modClrScheme chgLayout">
         <pc:chgData name="Wattley, Jaden" userId="S::jtwatt03@louisville.edu::473f42a4-82b8-4bb1-b33a-3982d1502758" providerId="AD" clId="Web-{8BCD7178-3C3E-E765-A533-CDA7CD3C42D8}" dt="2025-09-12T03:01:05.470" v="42"/>
@@ -830,14 +423,6 @@
           <pc:docMk/>
           <pc:sldMk cId="1203497075" sldId="259"/>
         </pc:sldMkLst>
-        <pc:spChg chg="mod ord">
-          <ac:chgData name="Wattley, Jaden" userId="S::jtwatt03@louisville.edu::473f42a4-82b8-4bb1-b33a-3982d1502758" providerId="AD" clId="Web-{8BCD7178-3C3E-E765-A533-CDA7CD3C42D8}" dt="2025-09-12T03:01:05.470" v="42"/>
-          <ac:spMkLst>
-            <pc:docMk/>
-            <pc:sldMk cId="1203497075" sldId="259"/>
-            <ac:spMk id="2" creationId="{F679F07B-D825-751A-767B-C738909C15C6}"/>
-          </ac:spMkLst>
-        </pc:spChg>
       </pc:sldChg>
       <pc:sldChg chg="modSp mod modClrScheme chgLayout">
         <pc:chgData name="Wattley, Jaden" userId="S::jtwatt03@louisville.edu::473f42a4-82b8-4bb1-b33a-3982d1502758" providerId="AD" clId="Web-{8BCD7178-3C3E-E765-A533-CDA7CD3C42D8}" dt="2025-09-12T03:01:05.470" v="42"/>
@@ -852,14 +437,6 @@
           <pc:docMk/>
           <pc:sldMk cId="3752665594" sldId="261"/>
         </pc:sldMkLst>
-        <pc:spChg chg="mod ord">
-          <ac:chgData name="Wattley, Jaden" userId="S::jtwatt03@louisville.edu::473f42a4-82b8-4bb1-b33a-3982d1502758" providerId="AD" clId="Web-{8BCD7178-3C3E-E765-A533-CDA7CD3C42D8}" dt="2025-09-12T03:01:05.470" v="42"/>
-          <ac:spMkLst>
-            <pc:docMk/>
-            <pc:sldMk cId="3752665594" sldId="261"/>
-            <ac:spMk id="2" creationId="{0D3F6A2D-1E9A-23C7-F636-E9BCC9CC4070}"/>
-          </ac:spMkLst>
-        </pc:spChg>
       </pc:sldChg>
       <pc:sldChg chg="modSp mod modClrScheme chgLayout">
         <pc:chgData name="Wattley, Jaden" userId="S::jtwatt03@louisville.edu::473f42a4-82b8-4bb1-b33a-3982d1502758" providerId="AD" clId="Web-{8BCD7178-3C3E-E765-A533-CDA7CD3C42D8}" dt="2025-09-12T03:04:57.258" v="148" actId="20577"/>
@@ -867,14 +444,6 @@
           <pc:docMk/>
           <pc:sldMk cId="841713580" sldId="262"/>
         </pc:sldMkLst>
-        <pc:spChg chg="mod ord">
-          <ac:chgData name="Wattley, Jaden" userId="S::jtwatt03@louisville.edu::473f42a4-82b8-4bb1-b33a-3982d1502758" providerId="AD" clId="Web-{8BCD7178-3C3E-E765-A533-CDA7CD3C42D8}" dt="2025-09-12T03:01:05.470" v="42"/>
-          <ac:spMkLst>
-            <pc:docMk/>
-            <pc:sldMk cId="841713580" sldId="262"/>
-            <ac:spMk id="2" creationId="{9FF8F889-CF76-D5A4-E7B2-B45D441500C2}"/>
-          </ac:spMkLst>
-        </pc:spChg>
       </pc:sldChg>
       <pc:sldChg chg="modSp mod modClrScheme chgLayout">
         <pc:chgData name="Wattley, Jaden" userId="S::jtwatt03@louisville.edu::473f42a4-82b8-4bb1-b33a-3982d1502758" providerId="AD" clId="Web-{8BCD7178-3C3E-E765-A533-CDA7CD3C42D8}" dt="2025-09-12T03:01:05.470" v="42"/>
@@ -882,22 +451,6 @@
           <pc:docMk/>
           <pc:sldMk cId="2835959447" sldId="263"/>
         </pc:sldMkLst>
-        <pc:spChg chg="mod ord">
-          <ac:chgData name="Wattley, Jaden" userId="S::jtwatt03@louisville.edu::473f42a4-82b8-4bb1-b33a-3982d1502758" providerId="AD" clId="Web-{8BCD7178-3C3E-E765-A533-CDA7CD3C42D8}" dt="2025-09-12T03:01:05.470" v="42"/>
-          <ac:spMkLst>
-            <pc:docMk/>
-            <pc:sldMk cId="2835959447" sldId="263"/>
-            <ac:spMk id="2" creationId="{9BE58B2E-A949-256D-CCD6-73AE4FEBAFB3}"/>
-          </ac:spMkLst>
-        </pc:spChg>
-        <pc:spChg chg="mod ord">
-          <ac:chgData name="Wattley, Jaden" userId="S::jtwatt03@louisville.edu::473f42a4-82b8-4bb1-b33a-3982d1502758" providerId="AD" clId="Web-{8BCD7178-3C3E-E765-A533-CDA7CD3C42D8}" dt="2025-09-12T03:01:05.470" v="42"/>
-          <ac:spMkLst>
-            <pc:docMk/>
-            <pc:sldMk cId="2835959447" sldId="263"/>
-            <ac:spMk id="3" creationId="{FD21E7DD-17EB-7AAE-18F0-3811F164F20C}"/>
-          </ac:spMkLst>
-        </pc:spChg>
       </pc:sldChg>
       <pc:sldChg chg="modSp mod modClrScheme chgLayout">
         <pc:chgData name="Wattley, Jaden" userId="S::jtwatt03@louisville.edu::473f42a4-82b8-4bb1-b33a-3982d1502758" providerId="AD" clId="Web-{8BCD7178-3C3E-E765-A533-CDA7CD3C42D8}" dt="2025-09-12T03:01:05.470" v="42"/>
@@ -905,22 +458,6 @@
           <pc:docMk/>
           <pc:sldMk cId="3361632356" sldId="264"/>
         </pc:sldMkLst>
-        <pc:spChg chg="mod ord">
-          <ac:chgData name="Wattley, Jaden" userId="S::jtwatt03@louisville.edu::473f42a4-82b8-4bb1-b33a-3982d1502758" providerId="AD" clId="Web-{8BCD7178-3C3E-E765-A533-CDA7CD3C42D8}" dt="2025-09-12T03:01:05.470" v="42"/>
-          <ac:spMkLst>
-            <pc:docMk/>
-            <pc:sldMk cId="3361632356" sldId="264"/>
-            <ac:spMk id="2" creationId="{3F4E64DC-2AFC-4F64-50A1-8518C5954B51}"/>
-          </ac:spMkLst>
-        </pc:spChg>
-        <pc:spChg chg="mod ord">
-          <ac:chgData name="Wattley, Jaden" userId="S::jtwatt03@louisville.edu::473f42a4-82b8-4bb1-b33a-3982d1502758" providerId="AD" clId="Web-{8BCD7178-3C3E-E765-A533-CDA7CD3C42D8}" dt="2025-09-12T03:01:05.470" v="42"/>
-          <ac:spMkLst>
-            <pc:docMk/>
-            <pc:sldMk cId="3361632356" sldId="264"/>
-            <ac:spMk id="3" creationId="{3EB76FBE-AAE9-8202-E038-8C6A1184DF99}"/>
-          </ac:spMkLst>
-        </pc:spChg>
       </pc:sldChg>
       <pc:sldChg chg="modSp mod modClrScheme chgLayout">
         <pc:chgData name="Wattley, Jaden" userId="S::jtwatt03@louisville.edu::473f42a4-82b8-4bb1-b33a-3982d1502758" providerId="AD" clId="Web-{8BCD7178-3C3E-E765-A533-CDA7CD3C42D8}" dt="2025-09-12T03:01:05.470" v="42"/>
@@ -928,22 +465,6 @@
           <pc:docMk/>
           <pc:sldMk cId="1331313356" sldId="265"/>
         </pc:sldMkLst>
-        <pc:spChg chg="mod ord">
-          <ac:chgData name="Wattley, Jaden" userId="S::jtwatt03@louisville.edu::473f42a4-82b8-4bb1-b33a-3982d1502758" providerId="AD" clId="Web-{8BCD7178-3C3E-E765-A533-CDA7CD3C42D8}" dt="2025-09-12T03:01:05.470" v="42"/>
-          <ac:spMkLst>
-            <pc:docMk/>
-            <pc:sldMk cId="1331313356" sldId="265"/>
-            <ac:spMk id="2" creationId="{1300C3C9-3D6D-7340-04EA-F8D6BEBB9408}"/>
-          </ac:spMkLst>
-        </pc:spChg>
-        <pc:spChg chg="mod ord">
-          <ac:chgData name="Wattley, Jaden" userId="S::jtwatt03@louisville.edu::473f42a4-82b8-4bb1-b33a-3982d1502758" providerId="AD" clId="Web-{8BCD7178-3C3E-E765-A533-CDA7CD3C42D8}" dt="2025-09-12T03:01:05.470" v="42"/>
-          <ac:spMkLst>
-            <pc:docMk/>
-            <pc:sldMk cId="1331313356" sldId="265"/>
-            <ac:spMk id="3" creationId="{50051190-FAC9-608A-B999-7887E434E599}"/>
-          </ac:spMkLst>
-        </pc:spChg>
       </pc:sldChg>
       <pc:sldChg chg="modSp mod modClrScheme chgLayout">
         <pc:chgData name="Wattley, Jaden" userId="S::jtwatt03@louisville.edu::473f42a4-82b8-4bb1-b33a-3982d1502758" providerId="AD" clId="Web-{8BCD7178-3C3E-E765-A533-CDA7CD3C42D8}" dt="2025-09-12T03:01:05.470" v="42"/>
@@ -951,22 +472,6 @@
           <pc:docMk/>
           <pc:sldMk cId="2626683754" sldId="266"/>
         </pc:sldMkLst>
-        <pc:spChg chg="mod ord">
-          <ac:chgData name="Wattley, Jaden" userId="S::jtwatt03@louisville.edu::473f42a4-82b8-4bb1-b33a-3982d1502758" providerId="AD" clId="Web-{8BCD7178-3C3E-E765-A533-CDA7CD3C42D8}" dt="2025-09-12T03:01:05.470" v="42"/>
-          <ac:spMkLst>
-            <pc:docMk/>
-            <pc:sldMk cId="2626683754" sldId="266"/>
-            <ac:spMk id="2" creationId="{BA2657DD-A4D5-CAAB-B62C-80421C4239A3}"/>
-          </ac:spMkLst>
-        </pc:spChg>
-        <pc:spChg chg="mod ord">
-          <ac:chgData name="Wattley, Jaden" userId="S::jtwatt03@louisville.edu::473f42a4-82b8-4bb1-b33a-3982d1502758" providerId="AD" clId="Web-{8BCD7178-3C3E-E765-A533-CDA7CD3C42D8}" dt="2025-09-12T03:01:05.470" v="42"/>
-          <ac:spMkLst>
-            <pc:docMk/>
-            <pc:sldMk cId="2626683754" sldId="266"/>
-            <ac:spMk id="3" creationId="{39660FE2-EB95-4EE1-FCD9-D7A320C01092}"/>
-          </ac:spMkLst>
-        </pc:spChg>
       </pc:sldChg>
       <pc:sldMasterChg chg="del delSldLayout">
         <pc:chgData name="Wattley, Jaden" userId="S::jtwatt03@louisville.edu::473f42a4-82b8-4bb1-b33a-3982d1502758" providerId="AD" clId="Web-{8BCD7178-3C3E-E765-A533-CDA7CD3C42D8}" dt="2025-09-12T03:01:05.470" v="42"/>
@@ -1160,6 +665,131 @@
       </pc:sldMasterChg>
     </pc:docChg>
   </pc:docChgLst>
+  <pc:docChgLst>
+    <pc:chgData name="Wattley, Jaden" userId="S::jtwatt03@louisville.edu::473f42a4-82b8-4bb1-b33a-3982d1502758" providerId="AD" clId="Web-{AE1B7785-1AAA-6F66-193C-42FBE3AFD947}"/>
+    <pc:docChg chg="modSld">
+      <pc:chgData name="Wattley, Jaden" userId="S::jtwatt03@louisville.edu::473f42a4-82b8-4bb1-b33a-3982d1502758" providerId="AD" clId="Web-{AE1B7785-1AAA-6F66-193C-42FBE3AFD947}" dt="2025-09-16T12:33:57.688" v="0" actId="1076"/>
+      <pc:docMkLst>
+        <pc:docMk/>
+      </pc:docMkLst>
+      <pc:sldChg chg="modSp">
+        <pc:chgData name="Wattley, Jaden" userId="S::jtwatt03@louisville.edu::473f42a4-82b8-4bb1-b33a-3982d1502758" providerId="AD" clId="Web-{AE1B7785-1AAA-6F66-193C-42FBE3AFD947}" dt="2025-09-16T12:33:57.688" v="0" actId="1076"/>
+        <pc:sldMkLst>
+          <pc:docMk/>
+          <pc:sldMk cId="3752665594" sldId="261"/>
+        </pc:sldMkLst>
+      </pc:sldChg>
+    </pc:docChg>
+  </pc:docChgLst>
+  <pc:docChgLst>
+    <pc:chgData name="Staley, Sean" userId="S::ststal01@louisville.edu::5b65b0e7-e88b-4844-a922-92ee8e1c9235" providerId="AD" clId="Web-{0B628515-F15E-3094-62B4-A5FD419F3608}"/>
+    <pc:docChg chg="modSld">
+      <pc:chgData name="Staley, Sean" userId="S::ststal01@louisville.edu::5b65b0e7-e88b-4844-a922-92ee8e1c9235" providerId="AD" clId="Web-{0B628515-F15E-3094-62B4-A5FD419F3608}" dt="2025-09-16T01:11:31.941" v="13" actId="1076"/>
+      <pc:docMkLst>
+        <pc:docMk/>
+      </pc:docMkLst>
+      <pc:sldChg chg="modSp">
+        <pc:chgData name="Staley, Sean" userId="S::ststal01@louisville.edu::5b65b0e7-e88b-4844-a922-92ee8e1c9235" providerId="AD" clId="Web-{0B628515-F15E-3094-62B4-A5FD419F3608}" dt="2025-09-16T01:11:31.941" v="13" actId="1076"/>
+        <pc:sldMkLst>
+          <pc:docMk/>
+          <pc:sldMk cId="2470439829" sldId="269"/>
+        </pc:sldMkLst>
+      </pc:sldChg>
+    </pc:docChg>
+  </pc:docChgLst>
+  <pc:docChgLst>
+    <pc:chgData name="Staley, Sean" userId="5b65b0e7-e88b-4844-a922-92ee8e1c9235" providerId="ADAL" clId="{7FC9E883-C68B-4964-A306-A09B374A8666}"/>
+    <pc:docChg chg="custSel addSld modSld sldOrd">
+      <pc:chgData name="Staley, Sean" userId="5b65b0e7-e88b-4844-a922-92ee8e1c9235" providerId="ADAL" clId="{7FC9E883-C68B-4964-A306-A09B374A8666}" dt="2025-09-15T19:46:58.800" v="1583" actId="20577"/>
+      <pc:docMkLst>
+        <pc:docMk/>
+      </pc:docMkLst>
+      <pc:sldChg chg="modSp mod">
+        <pc:chgData name="Staley, Sean" userId="5b65b0e7-e88b-4844-a922-92ee8e1c9235" providerId="ADAL" clId="{7FC9E883-C68B-4964-A306-A09B374A8666}" dt="2025-09-15T17:34:32.096" v="1568" actId="20577"/>
+        <pc:sldMkLst>
+          <pc:docMk/>
+          <pc:sldMk cId="109857222" sldId="256"/>
+        </pc:sldMkLst>
+      </pc:sldChg>
+      <pc:sldChg chg="modSp new mod ord">
+        <pc:chgData name="Staley, Sean" userId="5b65b0e7-e88b-4844-a922-92ee8e1c9235" providerId="ADAL" clId="{7FC9E883-C68B-4964-A306-A09B374A8666}" dt="2025-09-11T18:46:01.458" v="180"/>
+        <pc:sldMkLst>
+          <pc:docMk/>
+          <pc:sldMk cId="2103210548" sldId="257"/>
+        </pc:sldMkLst>
+      </pc:sldChg>
+      <pc:sldChg chg="modSp new mod ord">
+        <pc:chgData name="Staley, Sean" userId="5b65b0e7-e88b-4844-a922-92ee8e1c9235" providerId="ADAL" clId="{7FC9E883-C68B-4964-A306-A09B374A8666}" dt="2025-09-11T18:46:02.645" v="182"/>
+        <pc:sldMkLst>
+          <pc:docMk/>
+          <pc:sldMk cId="651332071" sldId="258"/>
+        </pc:sldMkLst>
+      </pc:sldChg>
+      <pc:sldChg chg="modSp new mod ord">
+        <pc:chgData name="Staley, Sean" userId="5b65b0e7-e88b-4844-a922-92ee8e1c9235" providerId="ADAL" clId="{7FC9E883-C68B-4964-A306-A09B374A8666}" dt="2025-09-11T19:45:32.862" v="859"/>
+        <pc:sldMkLst>
+          <pc:docMk/>
+          <pc:sldMk cId="1203497075" sldId="259"/>
+        </pc:sldMkLst>
+      </pc:sldChg>
+      <pc:sldChg chg="modSp new mod ord">
+        <pc:chgData name="Staley, Sean" userId="5b65b0e7-e88b-4844-a922-92ee8e1c9235" providerId="ADAL" clId="{7FC9E883-C68B-4964-A306-A09B374A8666}" dt="2025-09-11T19:48:06.346" v="962" actId="20577"/>
+        <pc:sldMkLst>
+          <pc:docMk/>
+          <pc:sldMk cId="3109130739" sldId="260"/>
+        </pc:sldMkLst>
+      </pc:sldChg>
+      <pc:sldChg chg="modSp new mod">
+        <pc:chgData name="Staley, Sean" userId="5b65b0e7-e88b-4844-a922-92ee8e1c9235" providerId="ADAL" clId="{7FC9E883-C68B-4964-A306-A09B374A8666}" dt="2025-09-11T18:46:28.494" v="216" actId="20577"/>
+        <pc:sldMkLst>
+          <pc:docMk/>
+          <pc:sldMk cId="3752665594" sldId="261"/>
+        </pc:sldMkLst>
+      </pc:sldChg>
+      <pc:sldChg chg="modSp new mod">
+        <pc:chgData name="Staley, Sean" userId="5b65b0e7-e88b-4844-a922-92ee8e1c9235" providerId="ADAL" clId="{7FC9E883-C68B-4964-A306-A09B374A8666}" dt="2025-09-11T18:46:59.616" v="233" actId="20577"/>
+        <pc:sldMkLst>
+          <pc:docMk/>
+          <pc:sldMk cId="841713580" sldId="262"/>
+        </pc:sldMkLst>
+      </pc:sldChg>
+      <pc:sldChg chg="modSp add mod">
+        <pc:chgData name="Staley, Sean" userId="5b65b0e7-e88b-4844-a922-92ee8e1c9235" providerId="ADAL" clId="{7FC9E883-C68B-4964-A306-A09B374A8666}" dt="2025-09-11T19:52:30.114" v="1515" actId="20577"/>
+        <pc:sldMkLst>
+          <pc:docMk/>
+          <pc:sldMk cId="2835959447" sldId="263"/>
+        </pc:sldMkLst>
+      </pc:sldChg>
+      <pc:sldChg chg="modSp add mod">
+        <pc:chgData name="Staley, Sean" userId="5b65b0e7-e88b-4844-a922-92ee8e1c9235" providerId="ADAL" clId="{7FC9E883-C68B-4964-A306-A09B374A8666}" dt="2025-09-11T19:52:43.724" v="1542" actId="20577"/>
+        <pc:sldMkLst>
+          <pc:docMk/>
+          <pc:sldMk cId="3361632356" sldId="264"/>
+        </pc:sldMkLst>
+      </pc:sldChg>
+      <pc:sldChg chg="modSp add mod">
+        <pc:chgData name="Staley, Sean" userId="5b65b0e7-e88b-4844-a922-92ee8e1c9235" providerId="ADAL" clId="{7FC9E883-C68B-4964-A306-A09B374A8666}" dt="2025-09-11T19:48:30.704" v="971" actId="20577"/>
+        <pc:sldMkLst>
+          <pc:docMk/>
+          <pc:sldMk cId="1331313356" sldId="265"/>
+        </pc:sldMkLst>
+      </pc:sldChg>
+      <pc:sldChg chg="modSp add mod">
+        <pc:chgData name="Staley, Sean" userId="5b65b0e7-e88b-4844-a922-92ee8e1c9235" providerId="ADAL" clId="{7FC9E883-C68B-4964-A306-A09B374A8666}" dt="2025-09-11T19:48:40.137" v="974" actId="20577"/>
+        <pc:sldMkLst>
+          <pc:docMk/>
+          <pc:sldMk cId="2626683754" sldId="266"/>
+        </pc:sldMkLst>
+      </pc:sldChg>
+      <pc:sldChg chg="modSp">
+        <pc:chgData name="Staley, Sean" userId="5b65b0e7-e88b-4844-a922-92ee8e1c9235" providerId="ADAL" clId="{7FC9E883-C68B-4964-A306-A09B374A8666}" dt="2025-09-15T19:46:58.800" v="1583" actId="20577"/>
+        <pc:sldMkLst>
+          <pc:docMk/>
+          <pc:sldMk cId="2470439829" sldId="269"/>
+        </pc:sldMkLst>
+      </pc:sldChg>
+    </pc:docChg>
+  </pc:docChgLst>
 </pc:chgInfo>
 </file>
 
@@ -4478,7 +4108,7 @@
         <a:lstStyle/>
         <a:p>
           <a:r>
-            <a:rPr lang="en-US"/>
+            <a:rPr lang="en-US" dirty="0"/>
             <a:t>We're improving the food truck ordering flow by letting users build their meal, send it as a ticket with an order number, and have it pop up on the employee side for quick fulfillment.</a:t>
           </a:r>
         </a:p>
@@ -4514,7 +4144,7 @@
         <a:lstStyle/>
         <a:p>
           <a:r>
-            <a:rPr lang="en-US"/>
+            <a:rPr lang="en-US" dirty="0"/>
             <a:t>We're using HTML for the frontend interface and C++ for backend functionality, based on the team's familiarity and strengths with each language.</a:t>
           </a:r>
         </a:p>
@@ -4550,7 +4180,7 @@
         <a:lstStyle/>
         <a:p>
           <a:r>
-            <a:rPr lang="en-US"/>
+            <a:rPr lang="en-US" dirty="0"/>
             <a:t>Our implementation bridges frontend and backend through a lightweight workflow, showcasing how simple tools can solve real-world problems when paired with thoughtful design and team collaboration.</a:t>
           </a:r>
         </a:p>
@@ -4588,7 +4218,7 @@
       <dgm:spPr/>
     </dgm:pt>
     <dgm:pt modelId="{9249C0A7-A6E2-4EE2-B1A9-229C03367C68}" type="pres">
-      <dgm:prSet presAssocID="{53905BED-371B-48B9-B049-B6BB3CD0E1AB}" presName="parentText" presStyleLbl="node1" presStyleIdx="0" presStyleCnt="3">
+      <dgm:prSet presAssocID="{53905BED-371B-48B9-B049-B6BB3CD0E1AB}" presName="parentText" presStyleLbl="node1" presStyleIdx="0" presStyleCnt="3" custLinFactNeighborY="-56497">
         <dgm:presLayoutVars>
           <dgm:chMax val="0"/>
           <dgm:bulletEnabled val="1"/>
@@ -4935,7 +4565,7 @@
       <dgm:spPr/>
     </dgm:pt>
     <dgm:pt modelId="{C9D4DDA9-FD68-45FE-9BD5-6F5EC19D2CD6}" type="pres">
-      <dgm:prSet presAssocID="{5C31F034-1137-4295-8193-A9EA9A8692AB}" presName="parentText" presStyleLbl="node1" presStyleIdx="3" presStyleCnt="5">
+      <dgm:prSet presAssocID="{5C31F034-1137-4295-8193-A9EA9A8692AB}" presName="parentText" presStyleLbl="node1" presStyleIdx="3" presStyleCnt="5" custLinFactNeighborY="-1963">
         <dgm:presLayoutVars>
           <dgm:chMax val="0"/>
           <dgm:bulletEnabled val="1"/>
@@ -6002,7 +5632,7 @@
       </dsp:nvSpPr>
       <dsp:spPr>
         <a:xfrm>
-          <a:off x="0" y="27661"/>
+          <a:off x="0" y="0"/>
           <a:ext cx="6045644" cy="1146782"/>
         </a:xfrm>
         <a:prstGeom prst="roundRect">
@@ -6063,13 +5693,13 @@
             <a:buNone/>
           </a:pPr>
           <a:r>
-            <a:rPr lang="en-US" sz="1700" kern="1200"/>
+            <a:rPr lang="en-US" sz="1700" kern="1200" dirty="0"/>
             <a:t>We're improving the food truck ordering flow by letting users build their meal, send it as a ticket with an order number, and have it pop up on the employee side for quick fulfillment.</a:t>
           </a:r>
         </a:p>
       </dsp:txBody>
       <dsp:txXfrm>
-        <a:off x="55981" y="83642"/>
+        <a:off x="55981" y="55981"/>
         <a:ext cx="5933682" cy="1034820"/>
       </dsp:txXfrm>
     </dsp:sp>
@@ -6141,7 +5771,7 @@
             <a:buNone/>
           </a:pPr>
           <a:r>
-            <a:rPr lang="en-US" sz="1700" kern="1200"/>
+            <a:rPr lang="en-US" sz="1700" kern="1200" dirty="0"/>
             <a:t>We're using HTML for the frontend interface and C++ for backend functionality, based on the team's familiarity and strengths with each language.</a:t>
           </a:r>
         </a:p>
@@ -6219,7 +5849,7 @@
             <a:buNone/>
           </a:pPr>
           <a:r>
-            <a:rPr lang="en-US" sz="1700" kern="1200"/>
+            <a:rPr lang="en-US" sz="1700" kern="1200" dirty="0"/>
             <a:t>Our implementation bridges frontend and backend through a lightweight workflow, showcasing how simple tools can solve real-world problems when paired with thoughtful design and team collaboration.</a:t>
           </a:r>
         </a:p>
@@ -6584,7 +6214,7 @@
       </dsp:nvSpPr>
       <dsp:spPr>
         <a:xfrm>
-          <a:off x="0" y="2191086"/>
+          <a:off x="0" y="2189616"/>
           <a:ext cx="10268712" cy="638820"/>
         </a:xfrm>
         <a:prstGeom prst="roundRect">
@@ -6685,7 +6315,7 @@
         </a:p>
       </dsp:txBody>
       <dsp:txXfrm>
-        <a:off x="31185" y="2222271"/>
+        <a:off x="31185" y="2220801"/>
         <a:ext cx="10206342" cy="576450"/>
       </dsp:txXfrm>
     </dsp:sp>
@@ -13661,6 +13291,13 @@
             <a:schemeClr val="lt1"/>
           </a:fontRef>
         </p:style>
+        <p:txBody>
+          <a:bodyPr/>
+          <a:lstStyle/>
+          <a:p>
+            <a:endParaRPr lang="en-US"/>
+          </a:p>
+        </p:txBody>
       </p:sp>
       <p:sp>
         <p:nvSpPr>
@@ -13814,7 +13451,7 @@
             <a:fld id="{A37D6D71-8B28-4ED6-B932-04B197003D23}" type="datetimeFigureOut">
               <a:rPr lang="en-US" dirty="0"/>
               <a:pPr algn="r"/>
-              <a:t>9/16/2025</a:t>
+              <a:t>12/1/2025</a:t>
             </a:fld>
             <a:endParaRPr lang="en-US" dirty="0"/>
           </a:p>
@@ -14036,7 +13673,7 @@
             <a:fld id="{A37D6D71-8B28-4ED6-B932-04B197003D23}" type="datetimeFigureOut">
               <a:rPr lang="en-US" dirty="0"/>
               <a:pPr algn="r"/>
-              <a:t>9/16/2025</a:t>
+              <a:t>12/1/2025</a:t>
             </a:fld>
             <a:endParaRPr lang="en-US" dirty="0"/>
           </a:p>
@@ -14309,7 +13946,7 @@
             <a:fld id="{A37D6D71-8B28-4ED6-B932-04B197003D23}" type="datetimeFigureOut">
               <a:rPr lang="en-US" dirty="0"/>
               <a:pPr algn="r"/>
-              <a:t>9/16/2025</a:t>
+              <a:t>12/1/2025</a:t>
             </a:fld>
             <a:endParaRPr lang="en-US" dirty="0"/>
           </a:p>
@@ -14523,7 +14160,7 @@
             <a:fld id="{A37D6D71-8B28-4ED6-B932-04B197003D23}" type="datetimeFigureOut">
               <a:rPr lang="en-US" dirty="0"/>
               <a:pPr algn="r"/>
-              <a:t>9/16/2025</a:t>
+              <a:t>12/1/2025</a:t>
             </a:fld>
             <a:endParaRPr lang="en-US" dirty="0"/>
           </a:p>
@@ -14852,7 +14489,7 @@
             <a:fld id="{A37D6D71-8B28-4ED6-B932-04B197003D23}" type="datetimeFigureOut">
               <a:rPr lang="en-US" dirty="0"/>
               <a:pPr algn="r"/>
-              <a:t>9/16/2025</a:t>
+              <a:t>12/1/2025</a:t>
             </a:fld>
             <a:endParaRPr lang="en-US" dirty="0"/>
           </a:p>
@@ -15125,7 +14762,7 @@
             <a:fld id="{A37D6D71-8B28-4ED6-B932-04B197003D23}" type="datetimeFigureOut">
               <a:rPr lang="en-US" dirty="0"/>
               <a:pPr algn="r"/>
-              <a:t>9/16/2025</a:t>
+              <a:t>12/1/2025</a:t>
             </a:fld>
             <a:endParaRPr lang="en-US" dirty="0"/>
           </a:p>
@@ -15512,7 +15149,7 @@
             <a:fld id="{A37D6D71-8B28-4ED6-B932-04B197003D23}" type="datetimeFigureOut">
               <a:rPr lang="en-US" dirty="0"/>
               <a:pPr algn="r"/>
-              <a:t>9/16/2025</a:t>
+              <a:t>12/1/2025</a:t>
             </a:fld>
             <a:endParaRPr lang="en-US" dirty="0"/>
           </a:p>
@@ -15689,7 +15326,7 @@
             <a:fld id="{A37D6D71-8B28-4ED6-B932-04B197003D23}" type="datetimeFigureOut">
               <a:rPr lang="en-US" dirty="0"/>
               <a:pPr algn="r"/>
-              <a:t>9/16/2025</a:t>
+              <a:t>12/1/2025</a:t>
             </a:fld>
             <a:endParaRPr lang="en-US" dirty="0"/>
           </a:p>
@@ -15810,7 +15447,7 @@
             <a:fld id="{A37D6D71-8B28-4ED6-B932-04B197003D23}" type="datetimeFigureOut">
               <a:rPr lang="en-US" dirty="0"/>
               <a:pPr algn="r"/>
-              <a:t>9/16/2025</a:t>
+              <a:t>12/1/2025</a:t>
             </a:fld>
             <a:endParaRPr lang="en-US" dirty="0"/>
           </a:p>
@@ -16094,7 +15731,7 @@
             <a:fld id="{A37D6D71-8B28-4ED6-B932-04B197003D23}" type="datetimeFigureOut">
               <a:rPr lang="en-US" dirty="0"/>
               <a:pPr algn="r"/>
-              <a:t>9/16/2025</a:t>
+              <a:t>12/1/2025</a:t>
             </a:fld>
             <a:endParaRPr lang="en-US" dirty="0"/>
           </a:p>
@@ -16391,7 +16028,7 @@
             <a:fld id="{A37D6D71-8B28-4ED6-B932-04B197003D23}" type="datetimeFigureOut">
               <a:rPr lang="en-US" dirty="0"/>
               <a:pPr algn="r"/>
-              <a:t>9/16/2025</a:t>
+              <a:t>12/1/2025</a:t>
             </a:fld>
             <a:endParaRPr lang="en-US" dirty="0"/>
           </a:p>
@@ -16582,6 +16219,13 @@
             <a:schemeClr val="lt1"/>
           </a:fontRef>
         </p:style>
+        <p:txBody>
+          <a:bodyPr/>
+          <a:lstStyle/>
+          <a:p>
+            <a:endParaRPr lang="en-US"/>
+          </a:p>
+        </p:txBody>
       </p:sp>
       <p:sp>
         <p:nvSpPr>
@@ -16729,7 +16373,7 @@
             <a:fld id="{A37D6D71-8B28-4ED6-B932-04B197003D23}" type="datetimeFigureOut">
               <a:rPr lang="en-US" dirty="0"/>
               <a:pPr algn="r"/>
-              <a:t>9/16/2025</a:t>
+              <a:t>12/1/2025</a:t>
             </a:fld>
             <a:endParaRPr lang="en-US" spc="50" dirty="0"/>
           </a:p>
@@ -17533,7 +17177,7 @@
             <p:ph idx="1"/>
             <p:extLst>
               <p:ext uri="{D42A27DB-BD31-4B8C-83A1-F6EECF244321}">
-                <p14:modId xmlns:p14="http://schemas.microsoft.com/office/powerpoint/2010/main" val="1052081004"/>
+                <p14:modId xmlns:p14="http://schemas.microsoft.com/office/powerpoint/2010/main" val="2324410290"/>
               </p:ext>
             </p:extLst>
           </p:nvPr>
@@ -18374,7 +18018,7 @@
             <p:ph idx="1"/>
             <p:extLst>
               <p:ext uri="{D42A27DB-BD31-4B8C-83A1-F6EECF244321}">
-                <p14:modId xmlns:p14="http://schemas.microsoft.com/office/powerpoint/2010/main" val="435427960"/>
+                <p14:modId xmlns:p14="http://schemas.microsoft.com/office/powerpoint/2010/main" val="1521334840"/>
               </p:ext>
             </p:extLst>
           </p:nvPr>
